--- a/Power BI Admin - no animations.pptx
+++ b/Power BI Admin - no animations.pptx
@@ -5,10 +5,10 @@
     <p:sldMasterId id="2147483648" r:id="rId1"/>
   </p:sldMasterIdLst>
   <p:notesMasterIdLst>
-    <p:notesMasterId r:id="rId35"/>
+    <p:notesMasterId r:id="rId30"/>
   </p:notesMasterIdLst>
   <p:handoutMasterIdLst>
-    <p:handoutMasterId r:id="rId36"/>
+    <p:handoutMasterId r:id="rId31"/>
   </p:handoutMasterIdLst>
   <p:sldIdLst>
     <p:sldId id="261" r:id="rId2"/>
@@ -18,32 +18,27 @@
     <p:sldId id="266" r:id="rId6"/>
     <p:sldId id="267" r:id="rId7"/>
     <p:sldId id="299" r:id="rId8"/>
-    <p:sldId id="272" r:id="rId9"/>
-    <p:sldId id="283" r:id="rId10"/>
-    <p:sldId id="280" r:id="rId11"/>
-    <p:sldId id="274" r:id="rId12"/>
-    <p:sldId id="275" r:id="rId13"/>
-    <p:sldId id="276" r:id="rId14"/>
+    <p:sldId id="274" r:id="rId9"/>
+    <p:sldId id="275" r:id="rId10"/>
+    <p:sldId id="276" r:id="rId11"/>
+    <p:sldId id="303" r:id="rId12"/>
+    <p:sldId id="283" r:id="rId13"/>
+    <p:sldId id="280" r:id="rId14"/>
     <p:sldId id="277" r:id="rId15"/>
     <p:sldId id="273" r:id="rId16"/>
     <p:sldId id="300" r:id="rId17"/>
-    <p:sldId id="285" r:id="rId18"/>
-    <p:sldId id="287" r:id="rId19"/>
-    <p:sldId id="288" r:id="rId20"/>
-    <p:sldId id="291" r:id="rId21"/>
-    <p:sldId id="292" r:id="rId22"/>
-    <p:sldId id="286" r:id="rId23"/>
-    <p:sldId id="289" r:id="rId24"/>
-    <p:sldId id="301" r:id="rId25"/>
-    <p:sldId id="269" r:id="rId26"/>
-    <p:sldId id="296" r:id="rId27"/>
-    <p:sldId id="297" r:id="rId28"/>
-    <p:sldId id="302" r:id="rId29"/>
-    <p:sldId id="270" r:id="rId30"/>
-    <p:sldId id="293" r:id="rId31"/>
-    <p:sldId id="294" r:id="rId32"/>
-    <p:sldId id="295" r:id="rId33"/>
-    <p:sldId id="264" r:id="rId34"/>
+    <p:sldId id="287" r:id="rId18"/>
+    <p:sldId id="288" r:id="rId19"/>
+    <p:sldId id="291" r:id="rId20"/>
+    <p:sldId id="286" r:id="rId21"/>
+    <p:sldId id="289" r:id="rId22"/>
+    <p:sldId id="302" r:id="rId23"/>
+    <p:sldId id="270" r:id="rId24"/>
+    <p:sldId id="293" r:id="rId25"/>
+    <p:sldId id="294" r:id="rId26"/>
+    <p:sldId id="295" r:id="rId27"/>
+    <p:sldId id="304" r:id="rId28"/>
+    <p:sldId id="264" r:id="rId29"/>
   </p:sldIdLst>
   <p:sldSz cx="12192000" cy="6858000"/>
   <p:notesSz cx="6858000" cy="9144000"/>
@@ -258,7 +253,7 @@
           <a:p>
             <a:fld id="{1F56DF66-CD1D-4550-A103-1E9BBB13DCEE}" type="datetimeFigureOut">
               <a:rPr lang="en-GB" smtClean="0"/>
-              <a:t>04/10/2023</a:t>
+              <a:t>05/10/2023</a:t>
             </a:fld>
             <a:endParaRPr lang="en-GB"/>
           </a:p>
@@ -435,7 +430,7 @@
           <a:p>
             <a:fld id="{E46FCFB4-04CA-426F-A74A-E72A65208471}" type="datetimeFigureOut">
               <a:rPr lang="en-GB" smtClean="0"/>
-              <a:t>04/10/2023</a:t>
+              <a:t>05/10/2023</a:t>
             </a:fld>
             <a:endParaRPr lang="en-GB"/>
           </a:p>
@@ -834,58 +829,9 @@
           <a:bodyPr/>
           <a:lstStyle/>
           <a:p>
-            <a:pPr marL="0" marR="0" lvl="0" indent="0" algn="l" defTabSz="914400" rtl="0" eaLnBrk="1" fontAlgn="auto" latinLnBrk="0" hangingPunct="1">
-              <a:lnSpc>
-                <a:spcPct val="100000"/>
-              </a:lnSpc>
-              <a:spcBef>
-                <a:spcPts val="0"/>
-              </a:spcBef>
-              <a:spcAft>
-                <a:spcPts val="0"/>
-              </a:spcAft>
-              <a:buClrTx/>
-              <a:buSzTx/>
-              <a:buFontTx/>
-              <a:buNone/>
-              <a:tabLst/>
-              <a:defRPr/>
-            </a:pPr>
             <a:r>
               <a:rPr lang="en-GB" dirty="0"/>
-              <a:t>AD Groups should follow security best practices and be maintained as new employees join/leave the organization; </a:t>
-            </a:r>
-          </a:p>
-          <a:p>
-            <a:pPr marL="0" marR="0" lvl="0" indent="0" algn="l" defTabSz="914400" rtl="0" eaLnBrk="1" fontAlgn="auto" latinLnBrk="0" hangingPunct="1">
-              <a:lnSpc>
-                <a:spcPct val="100000"/>
-              </a:lnSpc>
-              <a:spcBef>
-                <a:spcPts val="0"/>
-              </a:spcBef>
-              <a:spcAft>
-                <a:spcPts val="0"/>
-              </a:spcAft>
-              <a:buClrTx/>
-              <a:buSzTx/>
-              <a:buFontTx/>
-              <a:buNone/>
-              <a:tabLst/>
-              <a:defRPr/>
-            </a:pPr>
-            <a:r>
-              <a:rPr lang="en-GB" dirty="0"/>
-              <a:t>I recommend hooking the viewer groups into existing distribution lists or using dynamic membership</a:t>
-            </a:r>
-          </a:p>
-          <a:p>
-            <a:endParaRPr lang="en-GB" dirty="0"/>
-          </a:p>
-          <a:p>
-            <a:r>
-              <a:rPr lang="en-GB" dirty="0"/>
-              <a:t>https://datameerkat.com/domains</a:t>
+              <a:t>All users – Member only (no guests)</a:t>
             </a:r>
           </a:p>
         </p:txBody>
@@ -916,7 +862,7 @@
     </p:spTree>
     <p:extLst>
       <p:ext uri="{BB962C8B-B14F-4D97-AF65-F5344CB8AC3E}">
-        <p14:creationId xmlns:p14="http://schemas.microsoft.com/office/powerpoint/2010/main" val="4205461164"/>
+        <p14:creationId xmlns:p14="http://schemas.microsoft.com/office/powerpoint/2010/main" val="3198434189"/>
       </p:ext>
     </p:extLst>
   </p:cSld>
@@ -970,67 +916,9 @@
           <a:bodyPr/>
           <a:lstStyle/>
           <a:p>
-            <a:pPr algn="l">
-              <a:buFont typeface="Arial" panose="020B0604020202020204" pitchFamily="34" charset="0"/>
-              <a:buChar char="•"/>
-            </a:pPr>
-            <a:r>
-              <a:rPr lang="en-GB" b="0" i="0" dirty="0">
-                <a:solidFill>
-                  <a:srgbClr val="1C1917"/>
-                </a:solidFill>
-                <a:effectLst/>
-                <a:latin typeface="-apple-system"/>
-              </a:rPr>
-              <a:t>Install and configure on-premises data gateways to enable access to on-prem data sources.</a:t>
-            </a:r>
-          </a:p>
-          <a:p>
-            <a:pPr lvl="1" algn="l">
-              <a:buFont typeface="Arial" panose="020B0604020202020204" pitchFamily="34" charset="0"/>
-              <a:buChar char="•"/>
-            </a:pPr>
-            <a:r>
-              <a:rPr lang="en-GB" b="0" i="0" dirty="0">
-                <a:solidFill>
-                  <a:srgbClr val="1C1917"/>
-                </a:solidFill>
-                <a:effectLst/>
-                <a:latin typeface="-apple-system"/>
-              </a:rPr>
-              <a:t>Keep them UP TO DATE</a:t>
-            </a:r>
-          </a:p>
-          <a:p>
-            <a:pPr algn="l">
-              <a:buFont typeface="Arial" panose="020B0604020202020204" pitchFamily="34" charset="0"/>
-              <a:buChar char="•"/>
-            </a:pPr>
-            <a:r>
-              <a:rPr lang="en-GB" b="0" i="0" dirty="0">
-                <a:solidFill>
-                  <a:srgbClr val="1C1917"/>
-                </a:solidFill>
-                <a:effectLst/>
-                <a:latin typeface="-apple-system"/>
-              </a:rPr>
-              <a:t>Determine optimal gateway placement on allowed networks with required drivers and dependencies installed.</a:t>
-            </a:r>
-          </a:p>
-          <a:p>
-            <a:pPr algn="l">
-              <a:buFont typeface="Arial" panose="020B0604020202020204" pitchFamily="34" charset="0"/>
-              <a:buChar char="•"/>
-            </a:pPr>
-            <a:r>
-              <a:rPr lang="en-GB" b="0" i="0" dirty="0">
-                <a:solidFill>
-                  <a:srgbClr val="1C1917"/>
-                </a:solidFill>
-                <a:effectLst/>
-                <a:latin typeface="-apple-system"/>
-              </a:rPr>
-              <a:t>Manage gateway connections, encryption keys, and credentials securely.</a:t>
+            <a:r>
+              <a:rPr lang="en-GB" dirty="0"/>
+              <a:t>All users – Member only (no guests)</a:t>
             </a:r>
           </a:p>
         </p:txBody>
@@ -1061,7 +949,7 @@
     </p:spTree>
     <p:extLst>
       <p:ext uri="{BB962C8B-B14F-4D97-AF65-F5344CB8AC3E}">
-        <p14:creationId xmlns:p14="http://schemas.microsoft.com/office/powerpoint/2010/main" val="411944292"/>
+        <p14:creationId xmlns:p14="http://schemas.microsoft.com/office/powerpoint/2010/main" val="3246186201"/>
       </p:ext>
     </p:extLst>
   </p:cSld>
@@ -1115,7 +1003,7 @@
           <a:bodyPr/>
           <a:lstStyle/>
           <a:p>
-            <a:pPr marL="171450" marR="0" lvl="0" indent="-171450" algn="l" defTabSz="914400" rtl="0" eaLnBrk="1" fontAlgn="auto" latinLnBrk="0" hangingPunct="1">
+            <a:pPr marL="0" marR="0" lvl="0" indent="0" algn="l" defTabSz="914400" rtl="0" eaLnBrk="1" fontAlgn="auto" latinLnBrk="0" hangingPunct="1">
               <a:lnSpc>
                 <a:spcPct val="100000"/>
               </a:lnSpc>
@@ -1127,8 +1015,8 @@
               </a:spcAft>
               <a:buClrTx/>
               <a:buSzTx/>
-              <a:buFont typeface="Arial" panose="020B0604020202020204" pitchFamily="34" charset="0"/>
-              <a:buChar char="•"/>
+              <a:buFontTx/>
+              <a:buNone/>
               <a:tabLst/>
               <a:defRPr/>
             </a:pPr>
@@ -1140,11 +1028,11 @@
                 <a:effectLst/>
                 <a:latin typeface="-apple-system"/>
               </a:rPr>
-              <a:t>Implement a workspace request process for other users to submit business justification.</a:t>
-            </a:r>
-          </a:p>
-          <a:p>
-            <a:pPr marL="171450" marR="0" lvl="0" indent="-171450" algn="l" defTabSz="914400" rtl="0" eaLnBrk="1" fontAlgn="auto" latinLnBrk="0" hangingPunct="1">
+              <a:t>The key is assigning minimal required permissions to give users self-service access while maintaining control.</a:t>
+            </a:r>
+          </a:p>
+          <a:p>
+            <a:pPr marL="0" marR="0" lvl="0" indent="0" algn="l" defTabSz="914400" rtl="0" eaLnBrk="1" fontAlgn="auto" latinLnBrk="0" hangingPunct="1">
               <a:lnSpc>
                 <a:spcPct val="100000"/>
               </a:lnSpc>
@@ -1156,24 +1044,21 @@
               </a:spcAft>
               <a:buClrTx/>
               <a:buSzTx/>
-              <a:buFont typeface="Arial" panose="020B0604020202020204" pitchFamily="34" charset="0"/>
-              <a:buChar char="•"/>
+              <a:buFontTx/>
+              <a:buNone/>
               <a:tabLst/>
               <a:defRPr/>
             </a:pPr>
-            <a:r>
-              <a:rPr lang="en-GB" b="0" i="0" dirty="0">
-                <a:solidFill>
-                  <a:srgbClr val="1C1917"/>
-                </a:solidFill>
-                <a:effectLst/>
-                <a:latin typeface="-apple-system"/>
-              </a:rPr>
-              <a:t>Expand workspace creation access more broadly over time in a governed manner.</a:t>
-            </a:r>
-          </a:p>
-          <a:p>
-            <a:pPr marL="171450" marR="0" lvl="0" indent="-171450" algn="l" defTabSz="914400" rtl="0" eaLnBrk="1" fontAlgn="auto" latinLnBrk="0" hangingPunct="1">
+            <a:endParaRPr lang="en-GB" b="0" i="0" dirty="0">
+              <a:solidFill>
+                <a:srgbClr val="767676"/>
+              </a:solidFill>
+              <a:effectLst/>
+              <a:latin typeface="SegoeUI"/>
+            </a:endParaRPr>
+          </a:p>
+          <a:p>
+            <a:pPr marL="0" marR="0" lvl="0" indent="0" algn="l" defTabSz="914400" rtl="0" eaLnBrk="1" fontAlgn="auto" latinLnBrk="0" hangingPunct="1">
               <a:lnSpc>
                 <a:spcPct val="100000"/>
               </a:lnSpc>
@@ -1185,24 +1070,131 @@
               </a:spcAft>
               <a:buClrTx/>
               <a:buSzTx/>
-              <a:buFont typeface="Arial" panose="020B0604020202020204" pitchFamily="34" charset="0"/>
-              <a:buChar char="•"/>
+              <a:buFontTx/>
+              <a:buNone/>
               <a:tabLst/>
               <a:defRPr/>
             </a:pPr>
             <a:r>
+              <a:rPr lang="en-GB" b="1" i="0" dirty="0">
+                <a:solidFill>
+                  <a:srgbClr val="767676"/>
+                </a:solidFill>
+                <a:effectLst/>
+                <a:latin typeface="SegoeUI"/>
+              </a:rPr>
+              <a:t>Naming conventions and Domains</a:t>
+            </a:r>
+          </a:p>
+          <a:p>
+            <a:pPr marL="0" marR="0" lvl="0" indent="0" algn="l" defTabSz="914400" rtl="0" eaLnBrk="1" fontAlgn="auto" latinLnBrk="0" hangingPunct="1">
+              <a:lnSpc>
+                <a:spcPct val="100000"/>
+              </a:lnSpc>
+              <a:spcBef>
+                <a:spcPts val="0"/>
+              </a:spcBef>
+              <a:spcAft>
+                <a:spcPts val="0"/>
+              </a:spcAft>
+              <a:buClrTx/>
+              <a:buSzTx/>
+              <a:buFontTx/>
+              <a:buNone/>
+              <a:tabLst/>
+              <a:defRPr/>
+            </a:pPr>
+            <a:endParaRPr lang="en-GB" b="1" i="0" dirty="0">
+              <a:solidFill>
+                <a:srgbClr val="767676"/>
+              </a:solidFill>
+              <a:effectLst/>
+              <a:latin typeface="SegoeUI"/>
+            </a:endParaRPr>
+          </a:p>
+          <a:p>
+            <a:pPr marL="0" marR="0" lvl="0" indent="0" algn="l" defTabSz="914400" rtl="0" eaLnBrk="1" fontAlgn="auto" latinLnBrk="0" hangingPunct="1">
+              <a:lnSpc>
+                <a:spcPct val="100000"/>
+              </a:lnSpc>
+              <a:spcBef>
+                <a:spcPts val="0"/>
+              </a:spcBef>
+              <a:spcAft>
+                <a:spcPts val="0"/>
+              </a:spcAft>
+              <a:buClrTx/>
+              <a:buSzTx/>
+              <a:buFontTx/>
+              <a:buNone/>
+              <a:tabLst/>
+              <a:defRPr/>
+            </a:pPr>
+            <a:r>
               <a:rPr lang="en-GB" b="0" i="0" dirty="0">
                 <a:solidFill>
-                  <a:srgbClr val="1C1917"/>
+                  <a:srgbClr val="767676"/>
                 </a:solidFill>
                 <a:effectLst/>
-                <a:latin typeface="-apple-system"/>
+                <a:latin typeface="SegoeUI"/>
               </a:rPr>
-              <a:t>Educate users that workspaces are for collaboration, not personal storage.</a:t>
-            </a:r>
-          </a:p>
-          <a:p>
-            <a:endParaRPr lang="en-GB" dirty="0"/>
+              <a:t>One of the most common uses for domains is to group data by business department, making it possible for departments to manage their data according to their specific regulations, restrictions, and needs.</a:t>
+            </a:r>
+          </a:p>
+          <a:p>
+            <a:pPr marL="0" marR="0" lvl="0" indent="0" algn="l" defTabSz="914400" rtl="0" eaLnBrk="1" fontAlgn="auto" latinLnBrk="0" hangingPunct="1">
+              <a:lnSpc>
+                <a:spcPct val="100000"/>
+              </a:lnSpc>
+              <a:spcBef>
+                <a:spcPts val="0"/>
+              </a:spcBef>
+              <a:spcAft>
+                <a:spcPts val="0"/>
+              </a:spcAft>
+              <a:buClrTx/>
+              <a:buSzTx/>
+              <a:buFontTx/>
+              <a:buNone/>
+              <a:tabLst/>
+              <a:defRPr/>
+            </a:pPr>
+            <a:endParaRPr lang="en-GB" b="0" i="0" dirty="0">
+              <a:solidFill>
+                <a:srgbClr val="767676"/>
+              </a:solidFill>
+              <a:effectLst/>
+              <a:latin typeface="SegoeUI"/>
+            </a:endParaRPr>
+          </a:p>
+          <a:p>
+            <a:pPr marL="0" marR="0" lvl="0" indent="0" algn="l" defTabSz="914400" rtl="0" eaLnBrk="1" fontAlgn="auto" latinLnBrk="0" hangingPunct="1">
+              <a:lnSpc>
+                <a:spcPct val="100000"/>
+              </a:lnSpc>
+              <a:spcBef>
+                <a:spcPts val="0"/>
+              </a:spcBef>
+              <a:spcAft>
+                <a:spcPts val="0"/>
+              </a:spcAft>
+              <a:buClrTx/>
+              <a:buSzTx/>
+              <a:buFontTx/>
+              <a:buNone/>
+              <a:tabLst/>
+              <a:defRPr/>
+            </a:pPr>
+            <a:r>
+              <a:rPr lang="en-GB" b="0" i="0" dirty="0">
+                <a:solidFill>
+                  <a:srgbClr val="767676"/>
+                </a:solidFill>
+                <a:effectLst/>
+                <a:latin typeface="SegoeUI"/>
+              </a:rPr>
+              <a:t>https://community.fabric.microsoft.com/t5/Community-Blog/Domain-Preview-Power-BI-Services/ba-p/3308166</a:t>
+            </a:r>
           </a:p>
         </p:txBody>
       </p:sp>
@@ -1232,7 +1224,7 @@
     </p:spTree>
     <p:extLst>
       <p:ext uri="{BB962C8B-B14F-4D97-AF65-F5344CB8AC3E}">
-        <p14:creationId xmlns:p14="http://schemas.microsoft.com/office/powerpoint/2010/main" val="825494430"/>
+        <p14:creationId xmlns:p14="http://schemas.microsoft.com/office/powerpoint/2010/main" val="3383455125"/>
       </p:ext>
     </p:extLst>
   </p:cSld>
@@ -1286,9 +1278,58 @@
           <a:bodyPr/>
           <a:lstStyle/>
           <a:p>
+            <a:pPr marL="0" marR="0" lvl="0" indent="0" algn="l" defTabSz="914400" rtl="0" eaLnBrk="1" fontAlgn="auto" latinLnBrk="0" hangingPunct="1">
+              <a:lnSpc>
+                <a:spcPct val="100000"/>
+              </a:lnSpc>
+              <a:spcBef>
+                <a:spcPts val="0"/>
+              </a:spcBef>
+              <a:spcAft>
+                <a:spcPts val="0"/>
+              </a:spcAft>
+              <a:buClrTx/>
+              <a:buSzTx/>
+              <a:buFontTx/>
+              <a:buNone/>
+              <a:tabLst/>
+              <a:defRPr/>
+            </a:pPr>
             <a:r>
               <a:rPr lang="en-GB" dirty="0"/>
-              <a:t>All users – Member only (no guests)</a:t>
+              <a:t>AD Groups should follow security best practices and be maintained as new employees join/leave the organization; </a:t>
+            </a:r>
+          </a:p>
+          <a:p>
+            <a:pPr marL="0" marR="0" lvl="0" indent="0" algn="l" defTabSz="914400" rtl="0" eaLnBrk="1" fontAlgn="auto" latinLnBrk="0" hangingPunct="1">
+              <a:lnSpc>
+                <a:spcPct val="100000"/>
+              </a:lnSpc>
+              <a:spcBef>
+                <a:spcPts val="0"/>
+              </a:spcBef>
+              <a:spcAft>
+                <a:spcPts val="0"/>
+              </a:spcAft>
+              <a:buClrTx/>
+              <a:buSzTx/>
+              <a:buFontTx/>
+              <a:buNone/>
+              <a:tabLst/>
+              <a:defRPr/>
+            </a:pPr>
+            <a:r>
+              <a:rPr lang="en-GB" dirty="0"/>
+              <a:t>I recommend hooking the viewer groups into existing distribution lists or using dynamic membership</a:t>
+            </a:r>
+          </a:p>
+          <a:p>
+            <a:endParaRPr lang="en-GB" dirty="0"/>
+          </a:p>
+          <a:p>
+            <a:r>
+              <a:rPr lang="en-GB" dirty="0"/>
+              <a:t>https://datameerkat.com/domains</a:t>
             </a:r>
           </a:p>
         </p:txBody>
@@ -1319,7 +1360,7 @@
     </p:spTree>
     <p:extLst>
       <p:ext uri="{BB962C8B-B14F-4D97-AF65-F5344CB8AC3E}">
-        <p14:creationId xmlns:p14="http://schemas.microsoft.com/office/powerpoint/2010/main" val="3198434189"/>
+        <p14:creationId xmlns:p14="http://schemas.microsoft.com/office/powerpoint/2010/main" val="4205461164"/>
       </p:ext>
     </p:extLst>
   </p:cSld>
@@ -1409,42 +1450,6 @@
               <a:buFont typeface="Arial" panose="020B0604020202020204" pitchFamily="34" charset="0"/>
               <a:buChar char="•"/>
             </a:pPr>
-            <a:r>
-              <a:rPr lang="en-GB" b="0" i="0" dirty="0">
-                <a:solidFill>
-                  <a:srgbClr val="404040"/>
-                </a:solidFill>
-                <a:effectLst/>
-                <a:latin typeface="Lato" panose="020F0502020204030203" pitchFamily="34" charset="0"/>
-              </a:rPr>
-              <a:t>XXXX</a:t>
-            </a:r>
-          </a:p>
-          <a:p>
-            <a:pPr marL="171450" indent="-171450">
-              <a:buFont typeface="Arial" panose="020B0604020202020204" pitchFamily="34" charset="0"/>
-              <a:buChar char="•"/>
-            </a:pPr>
-            <a:r>
-              <a:rPr lang="en-GB" b="0" i="0" dirty="0">
-                <a:solidFill>
-                  <a:srgbClr val="404040"/>
-                </a:solidFill>
-                <a:effectLst/>
-                <a:latin typeface="Lato" panose="020F0502020204030203" pitchFamily="34" charset="0"/>
-              </a:rPr>
-              <a:t>Sadly, this doesn’t work for Gateway Admin </a:t>
-            </a:r>
-            <a:r>
-              <a:rPr lang="en-GB" b="1" i="0" dirty="0">
-                <a:solidFill>
-                  <a:srgbClr val="404040"/>
-                </a:solidFill>
-                <a:effectLst/>
-                <a:latin typeface="Lato" panose="020F0502020204030203" pitchFamily="34" charset="0"/>
-              </a:rPr>
-              <a:t>yet</a:t>
-            </a:r>
             <a:endParaRPr lang="en-GB" b="0" i="0" dirty="0">
               <a:solidFill>
                 <a:srgbClr val="404040"/>
@@ -1497,6 +1502,266 @@
               </a:rPr>
               <a:t>https://radacad.com/power-bi-administrator-tenant-settings-configuration-you-dont-dare-to-miss</a:t>
             </a:r>
+          </a:p>
+          <a:p>
+            <a:pPr marL="0" indent="0">
+              <a:buFont typeface="Arial" panose="020B0604020202020204" pitchFamily="34" charset="0"/>
+              <a:buNone/>
+            </a:pPr>
+            <a:endParaRPr lang="en-GB" b="0" i="0" dirty="0">
+              <a:solidFill>
+                <a:srgbClr val="404040"/>
+              </a:solidFill>
+              <a:effectLst/>
+              <a:latin typeface="Lato" panose="020F0502020204030203" pitchFamily="34" charset="0"/>
+            </a:endParaRPr>
+          </a:p>
+          <a:p>
+            <a:pPr marL="0" indent="0">
+              <a:buFont typeface="Arial" panose="020B0604020202020204" pitchFamily="34" charset="0"/>
+              <a:buNone/>
+            </a:pPr>
+            <a:r>
+              <a:rPr lang="en-GB" b="1" dirty="0"/>
+              <a:t>Create workspaces -</a:t>
+            </a:r>
+            <a:r>
+              <a:rPr lang="en-GB" dirty="0"/>
+              <a:t> restrict to PowerBI-</a:t>
+            </a:r>
+            <a:r>
+              <a:rPr lang="en-GB" dirty="0" err="1"/>
+              <a:t>WorkspaceCreators</a:t>
+            </a:r>
+            <a:endParaRPr lang="en-GB" dirty="0"/>
+          </a:p>
+          <a:p>
+            <a:pPr marL="0" indent="0">
+              <a:buFont typeface="Arial" panose="020B0604020202020204" pitchFamily="34" charset="0"/>
+              <a:buNone/>
+            </a:pPr>
+            <a:r>
+              <a:rPr lang="en-GB" b="1" dirty="0"/>
+              <a:t>Publish to web - </a:t>
+            </a:r>
+            <a:r>
+              <a:rPr lang="en-GB" dirty="0"/>
+              <a:t>Disabled for the entire organisation</a:t>
+            </a:r>
+            <a:br>
+              <a:rPr lang="en-GB" dirty="0"/>
+            </a:br>
+            <a:r>
+              <a:rPr lang="en-GB" b="1" dirty="0"/>
+              <a:t>Use datasets across workspaces - </a:t>
+            </a:r>
+            <a:r>
+              <a:rPr lang="en-GB" dirty="0"/>
+              <a:t>Enabled for the entire organisation</a:t>
+            </a:r>
+            <a:br>
+              <a:rPr lang="en-GB" dirty="0"/>
+            </a:br>
+            <a:r>
+              <a:rPr lang="en-GB" b="1" dirty="0"/>
+              <a:t>Add and use certified visuals only (block uncertified) – </a:t>
+            </a:r>
+            <a:r>
+              <a:rPr lang="en-GB" dirty="0"/>
+              <a:t>enabled</a:t>
+            </a:r>
+            <a:br>
+              <a:rPr lang="en-GB" dirty="0"/>
+            </a:br>
+            <a:r>
+              <a:rPr lang="en-GB" b="1" dirty="0"/>
+              <a:t>Allow service principals to use Power BI APIs - </a:t>
+            </a:r>
+            <a:r>
+              <a:rPr lang="en-GB" dirty="0"/>
+              <a:t>Enabled for "PowerBI-APIs“</a:t>
+            </a:r>
+            <a:br>
+              <a:rPr lang="en-GB" dirty="0"/>
+            </a:br>
+            <a:r>
+              <a:rPr lang="en-GB" b="1" dirty="0"/>
+              <a:t>Allow service principals to use read-only admin APIs - </a:t>
+            </a:r>
+            <a:r>
+              <a:rPr lang="en-GB" dirty="0"/>
+              <a:t>Enabled for "PowerBI-APIs"</a:t>
+            </a:r>
+            <a:br>
+              <a:rPr lang="en-GB" dirty="0"/>
+            </a:br>
+            <a:r>
+              <a:rPr lang="en-GB" b="1" dirty="0"/>
+              <a:t>Enhance admin APIs responses with detailed metadata - </a:t>
+            </a:r>
+            <a:r>
+              <a:rPr lang="en-GB" dirty="0"/>
+              <a:t>Enabled for "PowerBI-APIs"</a:t>
+            </a:r>
+            <a:br>
+              <a:rPr lang="en-GB" dirty="0"/>
+            </a:br>
+            <a:r>
+              <a:rPr lang="en-GB" b="1" dirty="0"/>
+              <a:t>Enhance admin APIs responses with DAX and mashup expressions - </a:t>
+            </a:r>
+            <a:r>
+              <a:rPr lang="en-GB" dirty="0"/>
+              <a:t>Enabled for "PowerBI-APIs“</a:t>
+            </a:r>
+          </a:p>
+          <a:p>
+            <a:pPr marL="0" indent="0">
+              <a:buFont typeface="Arial" panose="020B0604020202020204" pitchFamily="34" charset="0"/>
+              <a:buNone/>
+            </a:pPr>
+            <a:endParaRPr lang="en-GB" b="0" i="0" dirty="0">
+              <a:solidFill>
+                <a:srgbClr val="404040"/>
+              </a:solidFill>
+              <a:effectLst/>
+              <a:latin typeface="Lato" panose="020F0502020204030203" pitchFamily="34" charset="0"/>
+            </a:endParaRPr>
+          </a:p>
+          <a:p>
+            <a:pPr rtl="0">
+              <a:buFont typeface="Arial" panose="020B0604020202020204" pitchFamily="34" charset="0"/>
+              <a:buNone/>
+            </a:pPr>
+            <a:r>
+              <a:rPr lang="en-GB" dirty="0"/>
+              <a:t>I usually also tweak the following settings from a security / governance stand-point: </a:t>
+            </a:r>
+            <a:br>
+              <a:rPr lang="en-GB" dirty="0"/>
+            </a:br>
+            <a:endParaRPr lang="en-GB" dirty="0"/>
+          </a:p>
+          <a:p>
+            <a:pPr rtl="0">
+              <a:buFont typeface="Arial" panose="020B0604020202020204" pitchFamily="34" charset="0"/>
+              <a:buNone/>
+            </a:pPr>
+            <a:r>
+              <a:rPr lang="en-GB" b="1" dirty="0"/>
+              <a:t>Allow Azure Active Directory guest users to access Power BI</a:t>
+            </a:r>
+            <a:r>
+              <a:rPr lang="en-GB" dirty="0"/>
+              <a:t> - restrict to specific security group</a:t>
+            </a:r>
+          </a:p>
+          <a:p>
+            <a:pPr rtl="0">
+              <a:buFont typeface="Arial" panose="020B0604020202020204" pitchFamily="34" charset="0"/>
+              <a:buNone/>
+            </a:pPr>
+            <a:r>
+              <a:rPr lang="en-GB" b="1" dirty="0"/>
+              <a:t>Invite external users to your organization</a:t>
+            </a:r>
+            <a:r>
+              <a:rPr lang="en-GB" dirty="0"/>
+              <a:t> - restrict to specific security group</a:t>
+            </a:r>
+          </a:p>
+          <a:p>
+            <a:pPr rtl="0">
+              <a:buFont typeface="Arial" panose="020B0604020202020204" pitchFamily="34" charset="0"/>
+              <a:buNone/>
+            </a:pPr>
+            <a:r>
+              <a:rPr lang="en-GB" b="1" dirty="0"/>
+              <a:t>Allow Azure Active Directory guest users to edit and manage content in the organization</a:t>
+            </a:r>
+            <a:r>
+              <a:rPr lang="en-GB" dirty="0"/>
+              <a:t> - restrict to specific security group</a:t>
+            </a:r>
+          </a:p>
+          <a:p>
+            <a:pPr rtl="0">
+              <a:buFont typeface="Arial" panose="020B0604020202020204" pitchFamily="34" charset="0"/>
+              <a:buNone/>
+            </a:pPr>
+            <a:r>
+              <a:rPr lang="en-GB" b="1" dirty="0"/>
+              <a:t>Publish to web</a:t>
+            </a:r>
+            <a:r>
+              <a:rPr lang="en-GB" dirty="0"/>
+              <a:t> - Disabled. Enable </a:t>
+            </a:r>
+            <a:r>
+              <a:rPr lang="en-GB" b="1" dirty="0"/>
+              <a:t>only </a:t>
+            </a:r>
+            <a:r>
+              <a:rPr lang="en-GB" dirty="0"/>
+              <a:t>if the need comes up - which in my experience is extremely rare.</a:t>
+            </a:r>
+          </a:p>
+          <a:p>
+            <a:pPr rtl="0">
+              <a:buFont typeface="Arial" panose="020B0604020202020204" pitchFamily="34" charset="0"/>
+              <a:buNone/>
+            </a:pPr>
+            <a:r>
+              <a:rPr lang="en-GB" b="1" dirty="0"/>
+              <a:t>Allow specific users to turn on external data sharing</a:t>
+            </a:r>
+            <a:r>
+              <a:rPr lang="en-GB" dirty="0"/>
+              <a:t> - restrict to specific security group</a:t>
+            </a:r>
+            <a:br>
+              <a:rPr lang="en-GB" dirty="0"/>
+            </a:br>
+            <a:endParaRPr lang="en-GB" dirty="0"/>
+          </a:p>
+          <a:p>
+            <a:r>
+              <a:rPr lang="en-GB" dirty="0"/>
+              <a:t>The key word here is </a:t>
+            </a:r>
+            <a:r>
+              <a:rPr lang="en-GB" b="1" dirty="0"/>
+              <a:t>EXTERNAL </a:t>
+            </a:r>
+            <a:r>
+              <a:rPr lang="en-GB" dirty="0"/>
+              <a:t>- it's features geared towards sharing Power BI artefacts outside your organization -&gt; handle with care.</a:t>
+            </a:r>
+            <a:endParaRPr lang="en-GB" b="0" i="0" dirty="0">
+              <a:solidFill>
+                <a:srgbClr val="404040"/>
+              </a:solidFill>
+              <a:effectLst/>
+              <a:latin typeface="Lato" panose="020F0502020204030203" pitchFamily="34" charset="0"/>
+            </a:endParaRPr>
+          </a:p>
+          <a:p>
+            <a:endParaRPr lang="en-GB" b="0" i="0" dirty="0">
+              <a:solidFill>
+                <a:srgbClr val="404040"/>
+              </a:solidFill>
+              <a:effectLst/>
+              <a:latin typeface="Lato" panose="020F0502020204030203" pitchFamily="34" charset="0"/>
+            </a:endParaRPr>
+          </a:p>
+          <a:p>
+            <a:endParaRPr lang="en-GB" b="0" i="0" dirty="0">
+              <a:solidFill>
+                <a:srgbClr val="404040"/>
+              </a:solidFill>
+              <a:effectLst/>
+              <a:latin typeface="Lato" panose="020F0502020204030203" pitchFamily="34" charset="0"/>
+            </a:endParaRPr>
           </a:p>
         </p:txBody>
       </p:sp>
@@ -1786,7 +2051,16 @@
           <a:p>
             <a:r>
               <a:rPr lang="en-GB" dirty="0"/>
-              <a:t>Data Hub – make it available in Teams</a:t>
+              <a:t>https://github.com/RuiRomano/pbimonitor</a:t>
+            </a:r>
+          </a:p>
+          <a:p>
+            <a:endParaRPr lang="en-GB" dirty="0"/>
+          </a:p>
+          <a:p>
+            <a:r>
+              <a:rPr lang="en-GB" dirty="0"/>
+              <a:t>https://www.youtube.com/watch?v=viMLGEbTtog</a:t>
             </a:r>
           </a:p>
         </p:txBody>
@@ -1817,7 +2091,7 @@
     </p:spTree>
     <p:extLst>
       <p:ext uri="{BB962C8B-B14F-4D97-AF65-F5344CB8AC3E}">
-        <p14:creationId xmlns:p14="http://schemas.microsoft.com/office/powerpoint/2010/main" val="512504698"/>
+        <p14:creationId xmlns:p14="http://schemas.microsoft.com/office/powerpoint/2010/main" val="2628703546"/>
       </p:ext>
     </p:extLst>
   </p:cSld>
@@ -1871,6 +2145,28 @@
           <a:bodyPr/>
           <a:lstStyle/>
           <a:p>
+            <a:r>
+              <a:rPr lang="en-GB" dirty="0"/>
+              <a:t>One of the most powerful things that I usually do when building a Power BI community from scratch is to deploy a group of demo reports that work together to show end-users the power of developing a consistent theme and to show the art of the possible as it can help people get an idea in their head about what can be done with this newfangled tool. </a:t>
+            </a:r>
+          </a:p>
+          <a:p>
+            <a:endParaRPr lang="en-GB" dirty="0"/>
+          </a:p>
+          <a:p>
+            <a:r>
+              <a:rPr lang="en-GB" dirty="0"/>
+              <a:t>My favourite set of reports to deploy can be found here:</a:t>
+            </a:r>
+          </a:p>
+          <a:p>
+            <a:r>
+              <a:rPr lang="en-GB" dirty="0">
+                <a:effectLst/>
+                <a:hlinkClick r:id="rId3" tooltip="https://github.com/powerbidevcamp/pbix-samples/tree/main/miguel%20myers%20demos"/>
+              </a:rPr>
+              <a:t>https://github.com/PowerBiDevCamp/pbix-samples/tree/main/Miguel%20Myers%20Demos</a:t>
+            </a:r>
             <a:endParaRPr lang="en-GB" dirty="0"/>
           </a:p>
         </p:txBody>
@@ -1901,7 +2197,7 @@
     </p:spTree>
     <p:extLst>
       <p:ext uri="{BB962C8B-B14F-4D97-AF65-F5344CB8AC3E}">
-        <p14:creationId xmlns:p14="http://schemas.microsoft.com/office/powerpoint/2010/main" val="2628703546"/>
+        <p14:creationId xmlns:p14="http://schemas.microsoft.com/office/powerpoint/2010/main" val="4031352255"/>
       </p:ext>
     </p:extLst>
   </p:cSld>
@@ -1955,7 +2251,10 @@
           <a:bodyPr/>
           <a:lstStyle/>
           <a:p>
-            <a:endParaRPr lang="en-GB" dirty="0"/>
+            <a:r>
+              <a:rPr lang="en-GB" dirty="0"/>
+              <a:t>Data Hub – make it available in Teams</a:t>
+            </a:r>
           </a:p>
         </p:txBody>
       </p:sp>
@@ -1985,7 +2284,7 @@
     </p:spTree>
     <p:extLst>
       <p:ext uri="{BB962C8B-B14F-4D97-AF65-F5344CB8AC3E}">
-        <p14:creationId xmlns:p14="http://schemas.microsoft.com/office/powerpoint/2010/main" val="4031352255"/>
+        <p14:creationId xmlns:p14="http://schemas.microsoft.com/office/powerpoint/2010/main" val="369853040"/>
       </p:ext>
     </p:extLst>
   </p:cSld>
@@ -2132,8 +2431,14 @@
           <a:p>
             <a:r>
               <a:rPr lang="en-GB" dirty="0"/>
-              <a:t>Data Hub – make it available in Teams</a:t>
-            </a:r>
+              <a:t>https://github.com/RuiRomano/sessionslides/blob/main/PBIMonitoring101.pdf</a:t>
+            </a:r>
+          </a:p>
+          <a:p>
+            <a:endParaRPr lang="en-GB" dirty="0"/>
+          </a:p>
+          <a:p>
+            <a:endParaRPr lang="en-GB" dirty="0"/>
           </a:p>
         </p:txBody>
       </p:sp>
@@ -2163,7 +2468,7 @@
     </p:spTree>
     <p:extLst>
       <p:ext uri="{BB962C8B-B14F-4D97-AF65-F5344CB8AC3E}">
-        <p14:creationId xmlns:p14="http://schemas.microsoft.com/office/powerpoint/2010/main" val="369853040"/>
+        <p14:creationId xmlns:p14="http://schemas.microsoft.com/office/powerpoint/2010/main" val="762221000"/>
       </p:ext>
     </p:extLst>
   </p:cSld>
@@ -2217,6 +2522,38 @@
           <a:bodyPr/>
           <a:lstStyle/>
           <a:p>
+            <a:pPr marL="0" marR="0" lvl="0" indent="0" algn="l" defTabSz="914400" rtl="0" eaLnBrk="1" fontAlgn="auto" latinLnBrk="0" hangingPunct="1">
+              <a:lnSpc>
+                <a:spcPct val="100000"/>
+              </a:lnSpc>
+              <a:spcBef>
+                <a:spcPts val="0"/>
+              </a:spcBef>
+              <a:spcAft>
+                <a:spcPts val="0"/>
+              </a:spcAft>
+              <a:buClrTx/>
+              <a:buSzTx/>
+              <a:buFontTx/>
+              <a:buNone/>
+              <a:tabLst/>
+              <a:defRPr/>
+            </a:pPr>
+            <a:r>
+              <a:rPr lang="en-GB" dirty="0"/>
+              <a:t>https://github.com/RuiRomano/pbigtwmonitor</a:t>
+            </a:r>
+          </a:p>
+          <a:p>
+            <a:endParaRPr lang="en-GB" dirty="0"/>
+          </a:p>
+          <a:p>
+            <a:r>
+              <a:rPr lang="en-GB" dirty="0"/>
+              <a:t>https://www.youtube.com/watch?v=0Enini93Quk</a:t>
+            </a:r>
+          </a:p>
+          <a:p>
             <a:endParaRPr lang="en-GB" dirty="0"/>
           </a:p>
         </p:txBody>
@@ -2247,7 +2584,7 @@
     </p:spTree>
     <p:extLst>
       <p:ext uri="{BB962C8B-B14F-4D97-AF65-F5344CB8AC3E}">
-        <p14:creationId xmlns:p14="http://schemas.microsoft.com/office/powerpoint/2010/main" val="1822164456"/>
+        <p14:creationId xmlns:p14="http://schemas.microsoft.com/office/powerpoint/2010/main" val="1871058016"/>
       </p:ext>
     </p:extLst>
   </p:cSld>
@@ -2301,15 +2638,6 @@
           <a:bodyPr/>
           <a:lstStyle/>
           <a:p>
-            <a:r>
-              <a:rPr lang="en-GB" dirty="0"/>
-              <a:t>https://github.com/RuiRomano/sessionslides/blob/main/PBIMonitoring101.pdf</a:t>
-            </a:r>
-          </a:p>
-          <a:p>
-            <a:endParaRPr lang="en-GB" dirty="0"/>
-          </a:p>
-          <a:p>
             <a:endParaRPr lang="en-GB" dirty="0"/>
           </a:p>
         </p:txBody>
@@ -2340,7 +2668,7 @@
     </p:spTree>
     <p:extLst>
       <p:ext uri="{BB962C8B-B14F-4D97-AF65-F5344CB8AC3E}">
-        <p14:creationId xmlns:p14="http://schemas.microsoft.com/office/powerpoint/2010/main" val="762221000"/>
+        <p14:creationId xmlns:p14="http://schemas.microsoft.com/office/powerpoint/2010/main" val="73255740"/>
       </p:ext>
     </p:extLst>
   </p:cSld>
@@ -2394,30 +2722,10 @@
           <a:bodyPr/>
           <a:lstStyle/>
           <a:p>
-            <a:pPr marL="0" marR="0" lvl="0" indent="0" algn="l" defTabSz="914400" rtl="0" eaLnBrk="1" fontAlgn="auto" latinLnBrk="0" hangingPunct="1">
-              <a:lnSpc>
-                <a:spcPct val="100000"/>
-              </a:lnSpc>
-              <a:spcBef>
-                <a:spcPts val="0"/>
-              </a:spcBef>
-              <a:spcAft>
-                <a:spcPts val="0"/>
-              </a:spcAft>
-              <a:buClrTx/>
-              <a:buSzTx/>
-              <a:buFontTx/>
-              <a:buNone/>
-              <a:tabLst/>
-              <a:defRPr/>
-            </a:pPr>
             <a:r>
               <a:rPr lang="en-GB" dirty="0"/>
-              <a:t>https://github.com/RuiRomano/pbigtwmonitor</a:t>
-            </a:r>
-          </a:p>
-          <a:p>
-            <a:endParaRPr lang="en-GB" dirty="0"/>
+              <a:t>Create your baselines – something to refer back to in future</a:t>
+            </a:r>
           </a:p>
         </p:txBody>
       </p:sp>
@@ -2447,7 +2755,7 @@
     </p:spTree>
     <p:extLst>
       <p:ext uri="{BB962C8B-B14F-4D97-AF65-F5344CB8AC3E}">
-        <p14:creationId xmlns:p14="http://schemas.microsoft.com/office/powerpoint/2010/main" val="1871058016"/>
+        <p14:creationId xmlns:p14="http://schemas.microsoft.com/office/powerpoint/2010/main" val="2942467525"/>
       </p:ext>
     </p:extLst>
   </p:cSld>
@@ -2531,7 +2839,7 @@
     </p:spTree>
     <p:extLst>
       <p:ext uri="{BB962C8B-B14F-4D97-AF65-F5344CB8AC3E}">
-        <p14:creationId xmlns:p14="http://schemas.microsoft.com/office/powerpoint/2010/main" val="4252408557"/>
+        <p14:creationId xmlns:p14="http://schemas.microsoft.com/office/powerpoint/2010/main" val="2735936875"/>
       </p:ext>
     </p:extLst>
   </p:cSld>
@@ -2615,7 +2923,7 @@
     </p:spTree>
     <p:extLst>
       <p:ext uri="{BB962C8B-B14F-4D97-AF65-F5344CB8AC3E}">
-        <p14:creationId xmlns:p14="http://schemas.microsoft.com/office/powerpoint/2010/main" val="3524771404"/>
+        <p14:creationId xmlns:p14="http://schemas.microsoft.com/office/powerpoint/2010/main" val="4146610865"/>
       </p:ext>
     </p:extLst>
   </p:cSld>
@@ -2699,7 +3007,7 @@
     </p:spTree>
     <p:extLst>
       <p:ext uri="{BB962C8B-B14F-4D97-AF65-F5344CB8AC3E}">
-        <p14:creationId xmlns:p14="http://schemas.microsoft.com/office/powerpoint/2010/main" val="1473754361"/>
+        <p14:creationId xmlns:p14="http://schemas.microsoft.com/office/powerpoint/2010/main" val="3779149732"/>
       </p:ext>
     </p:extLst>
   </p:cSld>
@@ -2783,178 +3091,7 @@
     </p:spTree>
     <p:extLst>
       <p:ext uri="{BB962C8B-B14F-4D97-AF65-F5344CB8AC3E}">
-        <p14:creationId xmlns:p14="http://schemas.microsoft.com/office/powerpoint/2010/main" val="1483990931"/>
-      </p:ext>
-    </p:extLst>
-  </p:cSld>
-  <p:clrMapOvr>
-    <a:masterClrMapping/>
-  </p:clrMapOvr>
-</p:notes>
-</file>
-
-<file path=ppt/notesSlides/notesSlide28.xml><?xml version="1.0" encoding="utf-8"?>
-<p:notes xmlns:a="http://schemas.openxmlformats.org/drawingml/2006/main" xmlns:r="http://schemas.openxmlformats.org/officeDocument/2006/relationships" xmlns:p="http://schemas.openxmlformats.org/presentationml/2006/main">
-  <p:cSld>
-    <p:spTree>
-      <p:nvGrpSpPr>
-        <p:cNvPr id="1" name=""/>
-        <p:cNvGrpSpPr/>
-        <p:nvPr/>
-      </p:nvGrpSpPr>
-      <p:grpSpPr>
-        <a:xfrm>
-          <a:off x="0" y="0"/>
-          <a:ext cx="0" cy="0"/>
-          <a:chOff x="0" y="0"/>
-          <a:chExt cx="0" cy="0"/>
-        </a:xfrm>
-      </p:grpSpPr>
-      <p:sp>
-        <p:nvSpPr>
-          <p:cNvPr id="2" name="Slide Image Placeholder 1"/>
-          <p:cNvSpPr>
-            <a:spLocks noGrp="1" noRot="1" noChangeAspect="1"/>
-          </p:cNvSpPr>
-          <p:nvPr>
-            <p:ph type="sldImg"/>
-          </p:nvPr>
-        </p:nvSpPr>
-        <p:spPr/>
-      </p:sp>
-      <p:sp>
-        <p:nvSpPr>
-          <p:cNvPr id="3" name="Notes Placeholder 2"/>
-          <p:cNvSpPr>
-            <a:spLocks noGrp="1"/>
-          </p:cNvSpPr>
-          <p:nvPr>
-            <p:ph type="body" idx="1"/>
-          </p:nvPr>
-        </p:nvSpPr>
-        <p:spPr/>
-        <p:txBody>
-          <a:bodyPr/>
-          <a:lstStyle/>
-          <a:p>
-            <a:endParaRPr lang="en-GB" dirty="0"/>
-          </a:p>
-        </p:txBody>
-      </p:sp>
-      <p:sp>
-        <p:nvSpPr>
-          <p:cNvPr id="4" name="Slide Number Placeholder 3"/>
-          <p:cNvSpPr>
-            <a:spLocks noGrp="1"/>
-          </p:cNvSpPr>
-          <p:nvPr>
-            <p:ph type="sldNum" sz="quarter" idx="5"/>
-          </p:nvPr>
-        </p:nvSpPr>
-        <p:spPr/>
-        <p:txBody>
-          <a:bodyPr/>
-          <a:lstStyle/>
-          <a:p>
-            <a:fld id="{DE7C51FD-80DD-40E4-A031-D41D0B01BEF4}" type="slidenum">
-              <a:rPr lang="en-GB" smtClean="0"/>
-              <a:t>28</a:t>
-            </a:fld>
-            <a:endParaRPr lang="en-GB"/>
-          </a:p>
-        </p:txBody>
-      </p:sp>
-    </p:spTree>
-    <p:extLst>
-      <p:ext uri="{BB962C8B-B14F-4D97-AF65-F5344CB8AC3E}">
-        <p14:creationId xmlns:p14="http://schemas.microsoft.com/office/powerpoint/2010/main" val="73255740"/>
-      </p:ext>
-    </p:extLst>
-  </p:cSld>
-  <p:clrMapOvr>
-    <a:masterClrMapping/>
-  </p:clrMapOvr>
-</p:notes>
-</file>
-
-<file path=ppt/notesSlides/notesSlide29.xml><?xml version="1.0" encoding="utf-8"?>
-<p:notes xmlns:a="http://schemas.openxmlformats.org/drawingml/2006/main" xmlns:r="http://schemas.openxmlformats.org/officeDocument/2006/relationships" xmlns:p="http://schemas.openxmlformats.org/presentationml/2006/main">
-  <p:cSld>
-    <p:spTree>
-      <p:nvGrpSpPr>
-        <p:cNvPr id="1" name=""/>
-        <p:cNvGrpSpPr/>
-        <p:nvPr/>
-      </p:nvGrpSpPr>
-      <p:grpSpPr>
-        <a:xfrm>
-          <a:off x="0" y="0"/>
-          <a:ext cx="0" cy="0"/>
-          <a:chOff x="0" y="0"/>
-          <a:chExt cx="0" cy="0"/>
-        </a:xfrm>
-      </p:grpSpPr>
-      <p:sp>
-        <p:nvSpPr>
-          <p:cNvPr id="2" name="Slide Image Placeholder 1"/>
-          <p:cNvSpPr>
-            <a:spLocks noGrp="1" noRot="1" noChangeAspect="1"/>
-          </p:cNvSpPr>
-          <p:nvPr>
-            <p:ph type="sldImg"/>
-          </p:nvPr>
-        </p:nvSpPr>
-        <p:spPr/>
-      </p:sp>
-      <p:sp>
-        <p:nvSpPr>
-          <p:cNvPr id="3" name="Notes Placeholder 2"/>
-          <p:cNvSpPr>
-            <a:spLocks noGrp="1"/>
-          </p:cNvSpPr>
-          <p:nvPr>
-            <p:ph type="body" idx="1"/>
-          </p:nvPr>
-        </p:nvSpPr>
-        <p:spPr/>
-        <p:txBody>
-          <a:bodyPr/>
-          <a:lstStyle/>
-          <a:p>
-            <a:r>
-              <a:rPr lang="en-GB" dirty="0"/>
-              <a:t>Create your baselines – something to refer back to in future</a:t>
-            </a:r>
-          </a:p>
-        </p:txBody>
-      </p:sp>
-      <p:sp>
-        <p:nvSpPr>
-          <p:cNvPr id="4" name="Slide Number Placeholder 3"/>
-          <p:cNvSpPr>
-            <a:spLocks noGrp="1"/>
-          </p:cNvSpPr>
-          <p:nvPr>
-            <p:ph type="sldNum" sz="quarter" idx="5"/>
-          </p:nvPr>
-        </p:nvSpPr>
-        <p:spPr/>
-        <p:txBody>
-          <a:bodyPr/>
-          <a:lstStyle/>
-          <a:p>
-            <a:fld id="{DE7C51FD-80DD-40E4-A031-D41D0B01BEF4}" type="slidenum">
-              <a:rPr lang="en-GB" smtClean="0"/>
-              <a:t>29</a:t>
-            </a:fld>
-            <a:endParaRPr lang="en-GB"/>
-          </a:p>
-        </p:txBody>
-      </p:sp>
-    </p:spTree>
-    <p:extLst>
-      <p:ext uri="{BB962C8B-B14F-4D97-AF65-F5344CB8AC3E}">
-        <p14:creationId xmlns:p14="http://schemas.microsoft.com/office/powerpoint/2010/main" val="2942467525"/>
+        <p14:creationId xmlns:p14="http://schemas.microsoft.com/office/powerpoint/2010/main" val="2350747957"/>
       </p:ext>
     </p:extLst>
   </p:cSld>
@@ -3144,258 +3281,6 @@
     <p:extLst>
       <p:ext uri="{BB962C8B-B14F-4D97-AF65-F5344CB8AC3E}">
         <p14:creationId xmlns:p14="http://schemas.microsoft.com/office/powerpoint/2010/main" val="997114987"/>
-      </p:ext>
-    </p:extLst>
-  </p:cSld>
-  <p:clrMapOvr>
-    <a:masterClrMapping/>
-  </p:clrMapOvr>
-</p:notes>
-</file>
-
-<file path=ppt/notesSlides/notesSlide30.xml><?xml version="1.0" encoding="utf-8"?>
-<p:notes xmlns:a="http://schemas.openxmlformats.org/drawingml/2006/main" xmlns:r="http://schemas.openxmlformats.org/officeDocument/2006/relationships" xmlns:p="http://schemas.openxmlformats.org/presentationml/2006/main">
-  <p:cSld>
-    <p:spTree>
-      <p:nvGrpSpPr>
-        <p:cNvPr id="1" name=""/>
-        <p:cNvGrpSpPr/>
-        <p:nvPr/>
-      </p:nvGrpSpPr>
-      <p:grpSpPr>
-        <a:xfrm>
-          <a:off x="0" y="0"/>
-          <a:ext cx="0" cy="0"/>
-          <a:chOff x="0" y="0"/>
-          <a:chExt cx="0" cy="0"/>
-        </a:xfrm>
-      </p:grpSpPr>
-      <p:sp>
-        <p:nvSpPr>
-          <p:cNvPr id="2" name="Slide Image Placeholder 1"/>
-          <p:cNvSpPr>
-            <a:spLocks noGrp="1" noRot="1" noChangeAspect="1"/>
-          </p:cNvSpPr>
-          <p:nvPr>
-            <p:ph type="sldImg"/>
-          </p:nvPr>
-        </p:nvSpPr>
-        <p:spPr/>
-      </p:sp>
-      <p:sp>
-        <p:nvSpPr>
-          <p:cNvPr id="3" name="Notes Placeholder 2"/>
-          <p:cNvSpPr>
-            <a:spLocks noGrp="1"/>
-          </p:cNvSpPr>
-          <p:nvPr>
-            <p:ph type="body" idx="1"/>
-          </p:nvPr>
-        </p:nvSpPr>
-        <p:spPr/>
-        <p:txBody>
-          <a:bodyPr/>
-          <a:lstStyle/>
-          <a:p>
-            <a:endParaRPr lang="en-GB" dirty="0"/>
-          </a:p>
-        </p:txBody>
-      </p:sp>
-      <p:sp>
-        <p:nvSpPr>
-          <p:cNvPr id="4" name="Slide Number Placeholder 3"/>
-          <p:cNvSpPr>
-            <a:spLocks noGrp="1"/>
-          </p:cNvSpPr>
-          <p:nvPr>
-            <p:ph type="sldNum" sz="quarter" idx="5"/>
-          </p:nvPr>
-        </p:nvSpPr>
-        <p:spPr/>
-        <p:txBody>
-          <a:bodyPr/>
-          <a:lstStyle/>
-          <a:p>
-            <a:fld id="{DE7C51FD-80DD-40E4-A031-D41D0B01BEF4}" type="slidenum">
-              <a:rPr lang="en-GB" smtClean="0"/>
-              <a:t>30</a:t>
-            </a:fld>
-            <a:endParaRPr lang="en-GB"/>
-          </a:p>
-        </p:txBody>
-      </p:sp>
-    </p:spTree>
-    <p:extLst>
-      <p:ext uri="{BB962C8B-B14F-4D97-AF65-F5344CB8AC3E}">
-        <p14:creationId xmlns:p14="http://schemas.microsoft.com/office/powerpoint/2010/main" val="2735936875"/>
-      </p:ext>
-    </p:extLst>
-  </p:cSld>
-  <p:clrMapOvr>
-    <a:masterClrMapping/>
-  </p:clrMapOvr>
-</p:notes>
-</file>
-
-<file path=ppt/notesSlides/notesSlide31.xml><?xml version="1.0" encoding="utf-8"?>
-<p:notes xmlns:a="http://schemas.openxmlformats.org/drawingml/2006/main" xmlns:r="http://schemas.openxmlformats.org/officeDocument/2006/relationships" xmlns:p="http://schemas.openxmlformats.org/presentationml/2006/main">
-  <p:cSld>
-    <p:spTree>
-      <p:nvGrpSpPr>
-        <p:cNvPr id="1" name=""/>
-        <p:cNvGrpSpPr/>
-        <p:nvPr/>
-      </p:nvGrpSpPr>
-      <p:grpSpPr>
-        <a:xfrm>
-          <a:off x="0" y="0"/>
-          <a:ext cx="0" cy="0"/>
-          <a:chOff x="0" y="0"/>
-          <a:chExt cx="0" cy="0"/>
-        </a:xfrm>
-      </p:grpSpPr>
-      <p:sp>
-        <p:nvSpPr>
-          <p:cNvPr id="2" name="Slide Image Placeholder 1"/>
-          <p:cNvSpPr>
-            <a:spLocks noGrp="1" noRot="1" noChangeAspect="1"/>
-          </p:cNvSpPr>
-          <p:nvPr>
-            <p:ph type="sldImg"/>
-          </p:nvPr>
-        </p:nvSpPr>
-        <p:spPr/>
-      </p:sp>
-      <p:sp>
-        <p:nvSpPr>
-          <p:cNvPr id="3" name="Notes Placeholder 2"/>
-          <p:cNvSpPr>
-            <a:spLocks noGrp="1"/>
-          </p:cNvSpPr>
-          <p:nvPr>
-            <p:ph type="body" idx="1"/>
-          </p:nvPr>
-        </p:nvSpPr>
-        <p:spPr/>
-        <p:txBody>
-          <a:bodyPr/>
-          <a:lstStyle/>
-          <a:p>
-            <a:endParaRPr lang="en-GB" dirty="0"/>
-          </a:p>
-        </p:txBody>
-      </p:sp>
-      <p:sp>
-        <p:nvSpPr>
-          <p:cNvPr id="4" name="Slide Number Placeholder 3"/>
-          <p:cNvSpPr>
-            <a:spLocks noGrp="1"/>
-          </p:cNvSpPr>
-          <p:nvPr>
-            <p:ph type="sldNum" sz="quarter" idx="5"/>
-          </p:nvPr>
-        </p:nvSpPr>
-        <p:spPr/>
-        <p:txBody>
-          <a:bodyPr/>
-          <a:lstStyle/>
-          <a:p>
-            <a:fld id="{DE7C51FD-80DD-40E4-A031-D41D0B01BEF4}" type="slidenum">
-              <a:rPr lang="en-GB" smtClean="0"/>
-              <a:t>31</a:t>
-            </a:fld>
-            <a:endParaRPr lang="en-GB"/>
-          </a:p>
-        </p:txBody>
-      </p:sp>
-    </p:spTree>
-    <p:extLst>
-      <p:ext uri="{BB962C8B-B14F-4D97-AF65-F5344CB8AC3E}">
-        <p14:creationId xmlns:p14="http://schemas.microsoft.com/office/powerpoint/2010/main" val="4146610865"/>
-      </p:ext>
-    </p:extLst>
-  </p:cSld>
-  <p:clrMapOvr>
-    <a:masterClrMapping/>
-  </p:clrMapOvr>
-</p:notes>
-</file>
-
-<file path=ppt/notesSlides/notesSlide32.xml><?xml version="1.0" encoding="utf-8"?>
-<p:notes xmlns:a="http://schemas.openxmlformats.org/drawingml/2006/main" xmlns:r="http://schemas.openxmlformats.org/officeDocument/2006/relationships" xmlns:p="http://schemas.openxmlformats.org/presentationml/2006/main">
-  <p:cSld>
-    <p:spTree>
-      <p:nvGrpSpPr>
-        <p:cNvPr id="1" name=""/>
-        <p:cNvGrpSpPr/>
-        <p:nvPr/>
-      </p:nvGrpSpPr>
-      <p:grpSpPr>
-        <a:xfrm>
-          <a:off x="0" y="0"/>
-          <a:ext cx="0" cy="0"/>
-          <a:chOff x="0" y="0"/>
-          <a:chExt cx="0" cy="0"/>
-        </a:xfrm>
-      </p:grpSpPr>
-      <p:sp>
-        <p:nvSpPr>
-          <p:cNvPr id="2" name="Slide Image Placeholder 1"/>
-          <p:cNvSpPr>
-            <a:spLocks noGrp="1" noRot="1" noChangeAspect="1"/>
-          </p:cNvSpPr>
-          <p:nvPr>
-            <p:ph type="sldImg"/>
-          </p:nvPr>
-        </p:nvSpPr>
-        <p:spPr/>
-      </p:sp>
-      <p:sp>
-        <p:nvSpPr>
-          <p:cNvPr id="3" name="Notes Placeholder 2"/>
-          <p:cNvSpPr>
-            <a:spLocks noGrp="1"/>
-          </p:cNvSpPr>
-          <p:nvPr>
-            <p:ph type="body" idx="1"/>
-          </p:nvPr>
-        </p:nvSpPr>
-        <p:spPr/>
-        <p:txBody>
-          <a:bodyPr/>
-          <a:lstStyle/>
-          <a:p>
-            <a:endParaRPr lang="en-GB" dirty="0"/>
-          </a:p>
-        </p:txBody>
-      </p:sp>
-      <p:sp>
-        <p:nvSpPr>
-          <p:cNvPr id="4" name="Slide Number Placeholder 3"/>
-          <p:cNvSpPr>
-            <a:spLocks noGrp="1"/>
-          </p:cNvSpPr>
-          <p:nvPr>
-            <p:ph type="sldNum" sz="quarter" idx="5"/>
-          </p:nvPr>
-        </p:nvSpPr>
-        <p:spPr/>
-        <p:txBody>
-          <a:bodyPr/>
-          <a:lstStyle/>
-          <a:p>
-            <a:fld id="{DE7C51FD-80DD-40E4-A031-D41D0B01BEF4}" type="slidenum">
-              <a:rPr lang="en-GB" smtClean="0"/>
-              <a:t>32</a:t>
-            </a:fld>
-            <a:endParaRPr lang="en-GB"/>
-          </a:p>
-        </p:txBody>
-      </p:sp>
-    </p:spTree>
-    <p:extLst>
-      <p:ext uri="{BB962C8B-B14F-4D97-AF65-F5344CB8AC3E}">
-        <p14:creationId xmlns:p14="http://schemas.microsoft.com/office/powerpoint/2010/main" val="3779149732"/>
       </p:ext>
     </p:extLst>
   </p:cSld>
@@ -4179,6 +4064,83 @@
           <a:bodyPr/>
           <a:lstStyle/>
           <a:p>
+            <a:pPr algn="l">
+              <a:buFont typeface="Arial" panose="020B0604020202020204" pitchFamily="34" charset="0"/>
+              <a:buChar char="•"/>
+            </a:pPr>
+            <a:r>
+              <a:rPr lang="en-GB" b="0" i="0" dirty="0">
+                <a:solidFill>
+                  <a:srgbClr val="1C1917"/>
+                </a:solidFill>
+                <a:effectLst/>
+                <a:latin typeface="-apple-system"/>
+              </a:rPr>
+              <a:t>Install and configure on-premises data gateways to enable access to on-prem data sources.</a:t>
+            </a:r>
+          </a:p>
+          <a:p>
+            <a:pPr lvl="1" algn="l">
+              <a:buFont typeface="Arial" panose="020B0604020202020204" pitchFamily="34" charset="0"/>
+              <a:buChar char="•"/>
+            </a:pPr>
+            <a:r>
+              <a:rPr lang="en-GB" b="0" i="0" dirty="0">
+                <a:solidFill>
+                  <a:srgbClr val="1C1917"/>
+                </a:solidFill>
+                <a:effectLst/>
+                <a:latin typeface="-apple-system"/>
+              </a:rPr>
+              <a:t>Keep them UP TO DATE</a:t>
+            </a:r>
+          </a:p>
+          <a:p>
+            <a:pPr algn="l">
+              <a:buFont typeface="Arial" panose="020B0604020202020204" pitchFamily="34" charset="0"/>
+              <a:buChar char="•"/>
+            </a:pPr>
+            <a:r>
+              <a:rPr lang="en-GB" b="0" i="0" dirty="0">
+                <a:solidFill>
+                  <a:srgbClr val="1C1917"/>
+                </a:solidFill>
+                <a:effectLst/>
+                <a:latin typeface="-apple-system"/>
+              </a:rPr>
+              <a:t>Determine optimal gateway placement on allowed networks with required drivers and dependencies installed.</a:t>
+            </a:r>
+          </a:p>
+          <a:p>
+            <a:pPr algn="l">
+              <a:buFont typeface="Arial" panose="020B0604020202020204" pitchFamily="34" charset="0"/>
+              <a:buChar char="•"/>
+            </a:pPr>
+            <a:r>
+              <a:rPr lang="en-GB" b="0" i="0" dirty="0">
+                <a:solidFill>
+                  <a:srgbClr val="1C1917"/>
+                </a:solidFill>
+                <a:effectLst/>
+                <a:latin typeface="-apple-system"/>
+              </a:rPr>
+              <a:t>Manage gateway connections, encryption keys, and credentials securely.</a:t>
+            </a:r>
+          </a:p>
+          <a:p>
+            <a:pPr algn="l">
+              <a:buFont typeface="Arial" panose="020B0604020202020204" pitchFamily="34" charset="0"/>
+              <a:buChar char="•"/>
+            </a:pPr>
+            <a:endParaRPr lang="en-GB" b="0" i="0" dirty="0">
+              <a:solidFill>
+                <a:srgbClr val="1C1917"/>
+              </a:solidFill>
+              <a:effectLst/>
+              <a:latin typeface="-apple-system"/>
+            </a:endParaRPr>
+          </a:p>
+          <a:p>
             <a:pPr marL="0" marR="0" lvl="0" indent="0" algn="l" defTabSz="914400" rtl="0" eaLnBrk="1" fontAlgn="auto" latinLnBrk="0" hangingPunct="1">
               <a:lnSpc>
                 <a:spcPct val="100000"/>
@@ -4197,14 +4159,8 @@
               <a:defRPr/>
             </a:pPr>
             <a:r>
-              <a:rPr lang="en-GB" b="0" i="0" dirty="0">
-                <a:solidFill>
-                  <a:srgbClr val="1C1917"/>
-                </a:solidFill>
-                <a:effectLst/>
-                <a:latin typeface="-apple-system"/>
-              </a:rPr>
-              <a:t>The key is assigning minimal required permissions to give users self-service access while maintaining control.</a:t>
+              <a:rPr lang="en-GB" dirty="0"/>
+              <a:t>It is advisable to follow the principle-of-least-privilege and give only the permissions necessary for completing dedicated functions, a very high-level decision to make early on is who really needs to be able to create/delete workspaces, your answer really informs the kind of setup you are going to have.</a:t>
             </a:r>
           </a:p>
           <a:p>
@@ -4225,13 +4181,7 @@
               <a:tabLst/>
               <a:defRPr/>
             </a:pPr>
-            <a:endParaRPr lang="en-GB" b="0" i="0" dirty="0">
-              <a:solidFill>
-                <a:srgbClr val="767676"/>
-              </a:solidFill>
-              <a:effectLst/>
-              <a:latin typeface="SegoeUI"/>
-            </a:endParaRPr>
+            <a:endParaRPr lang="en-GB" dirty="0"/>
           </a:p>
           <a:p>
             <a:pPr marL="0" marR="0" lvl="0" indent="0" algn="l" defTabSz="914400" rtl="0" eaLnBrk="1" fontAlgn="auto" latinLnBrk="0" hangingPunct="1">
@@ -4252,14 +4202,8 @@
               <a:defRPr/>
             </a:pPr>
             <a:r>
-              <a:rPr lang="en-GB" b="1" i="0" dirty="0">
-                <a:solidFill>
-                  <a:srgbClr val="767676"/>
-                </a:solidFill>
-                <a:effectLst/>
-                <a:latin typeface="SegoeUI"/>
-              </a:rPr>
-              <a:t>Naming conventions and Domains</a:t>
+              <a:rPr lang="en-GB" dirty="0"/>
+              <a:t>I put these two topics together because I think they need to be considered at the same time. </a:t>
             </a:r>
           </a:p>
           <a:p>
@@ -4280,13 +4224,7 @@
               <a:tabLst/>
               <a:defRPr/>
             </a:pPr>
-            <a:endParaRPr lang="en-GB" b="1" i="0" dirty="0">
-              <a:solidFill>
-                <a:srgbClr val="767676"/>
-              </a:solidFill>
-              <a:effectLst/>
-              <a:latin typeface="SegoeUI"/>
-            </a:endParaRPr>
+            <a:endParaRPr lang="en-GB" dirty="0"/>
           </a:p>
           <a:p>
             <a:pPr marL="0" marR="0" lvl="0" indent="0" algn="l" defTabSz="914400" rtl="0" eaLnBrk="1" fontAlgn="auto" latinLnBrk="0" hangingPunct="1">
@@ -4307,15 +4245,13 @@
               <a:defRPr/>
             </a:pPr>
             <a:r>
-              <a:rPr lang="en-GB" b="0" i="0" dirty="0">
-                <a:solidFill>
-                  <a:srgbClr val="767676"/>
-                </a:solidFill>
-                <a:effectLst/>
-                <a:latin typeface="SegoeUI"/>
-              </a:rPr>
-              <a:t>One of the most common uses for domains is to group data by business department, making it possible for departments to manage their data according to their specific regulations, restrictions, and needs.</a:t>
-            </a:r>
+              <a:rPr lang="en-GB" dirty="0"/>
+              <a:t>At a minimum I always create these AD groups: </a:t>
+            </a:r>
+            <a:br>
+              <a:rPr lang="en-GB" dirty="0"/>
+            </a:br>
+            <a:endParaRPr lang="en-GB" dirty="0"/>
           </a:p>
           <a:p>
             <a:pPr marL="0" marR="0" lvl="0" indent="0" algn="l" defTabSz="914400" rtl="0" eaLnBrk="1" fontAlgn="auto" latinLnBrk="0" hangingPunct="1">
@@ -4335,13 +4271,10 @@
               <a:tabLst/>
               <a:defRPr/>
             </a:pPr>
-            <a:endParaRPr lang="en-GB" b="0" i="0" dirty="0">
-              <a:solidFill>
-                <a:srgbClr val="767676"/>
-              </a:solidFill>
-              <a:effectLst/>
-              <a:latin typeface="SegoeUI"/>
-            </a:endParaRPr>
+            <a:r>
+              <a:rPr lang="en-GB" b="1" dirty="0"/>
+              <a:t>Group Name			Group Type</a:t>
+            </a:r>
           </a:p>
           <a:p>
             <a:pPr marL="0" marR="0" lvl="0" indent="0" algn="l" defTabSz="914400" rtl="0" eaLnBrk="1" fontAlgn="auto" latinLnBrk="0" hangingPunct="1">
@@ -4362,14 +4295,8 @@
               <a:defRPr/>
             </a:pPr>
             <a:r>
-              <a:rPr lang="en-GB" b="0" i="0" dirty="0">
-                <a:solidFill>
-                  <a:srgbClr val="767676"/>
-                </a:solidFill>
-                <a:effectLst/>
-                <a:latin typeface="SegoeUI"/>
-              </a:rPr>
-              <a:t>Mention App needs to be created by ADMIN  = RUBBISH!</a:t>
+              <a:rPr lang="en-GB" dirty="0"/>
+              <a:t>PowerBI-Users			Microsoft 365</a:t>
             </a:r>
           </a:p>
           <a:p>
@@ -4390,13 +4317,10 @@
               <a:tabLst/>
               <a:defRPr/>
             </a:pPr>
-            <a:endParaRPr lang="en-GB" b="0" i="0" dirty="0">
-              <a:solidFill>
-                <a:srgbClr val="767676"/>
-              </a:solidFill>
-              <a:effectLst/>
-              <a:latin typeface="SegoeUI"/>
-            </a:endParaRPr>
+            <a:r>
+              <a:rPr lang="en-GB" dirty="0"/>
+              <a:t>PowerBI-Admins		Security</a:t>
+            </a:r>
           </a:p>
           <a:p>
             <a:pPr marL="0" marR="0" lvl="0" indent="0" algn="l" defTabSz="914400" rtl="0" eaLnBrk="1" fontAlgn="auto" latinLnBrk="0" hangingPunct="1">
@@ -4417,15 +4341,121 @@
               <a:defRPr/>
             </a:pPr>
             <a:r>
-              <a:rPr lang="en-GB" b="0" i="0" dirty="0">
-                <a:solidFill>
-                  <a:srgbClr val="767676"/>
-                </a:solidFill>
-                <a:effectLst/>
-                <a:latin typeface="SegoeUI"/>
-              </a:rPr>
-              <a:t>https://community.fabric.microsoft.com/t5/Community-Blog/Domain-Preview-Power-BI-Services/ba-p/3308166</a:t>
-            </a:r>
+              <a:rPr lang="en-GB" dirty="0"/>
+              <a:t>PowerBI-</a:t>
+            </a:r>
+            <a:r>
+              <a:rPr lang="en-GB" dirty="0" err="1"/>
+              <a:t>GatewayAdmin</a:t>
+            </a:r>
+            <a:r>
+              <a:rPr lang="en-GB" dirty="0"/>
+              <a:t>		Security</a:t>
+            </a:r>
+          </a:p>
+          <a:p>
+            <a:pPr marL="0" marR="0" lvl="0" indent="0" algn="l" defTabSz="914400" rtl="0" eaLnBrk="1" fontAlgn="auto" latinLnBrk="0" hangingPunct="1">
+              <a:lnSpc>
+                <a:spcPct val="100000"/>
+              </a:lnSpc>
+              <a:spcBef>
+                <a:spcPts val="0"/>
+              </a:spcBef>
+              <a:spcAft>
+                <a:spcPts val="0"/>
+              </a:spcAft>
+              <a:buClrTx/>
+              <a:buSzTx/>
+              <a:buFontTx/>
+              <a:buNone/>
+              <a:tabLst/>
+              <a:defRPr/>
+            </a:pPr>
+            <a:r>
+              <a:rPr lang="en-GB" dirty="0"/>
+              <a:t>PowerBI-</a:t>
+            </a:r>
+            <a:r>
+              <a:rPr lang="en-GB" dirty="0" err="1"/>
+              <a:t>WorkspaceCreator</a:t>
+            </a:r>
+            <a:r>
+              <a:rPr lang="en-GB" dirty="0"/>
+              <a:t>		Security</a:t>
+            </a:r>
+          </a:p>
+          <a:p>
+            <a:pPr marL="0" marR="0" lvl="0" indent="0" algn="l" defTabSz="914400" rtl="0" eaLnBrk="1" fontAlgn="auto" latinLnBrk="0" hangingPunct="1">
+              <a:lnSpc>
+                <a:spcPct val="100000"/>
+              </a:lnSpc>
+              <a:spcBef>
+                <a:spcPts val="0"/>
+              </a:spcBef>
+              <a:spcAft>
+                <a:spcPts val="0"/>
+              </a:spcAft>
+              <a:buClrTx/>
+              <a:buSzTx/>
+              <a:buFontTx/>
+              <a:buNone/>
+              <a:tabLst/>
+              <a:defRPr/>
+            </a:pPr>
+            <a:r>
+              <a:rPr lang="en-GB" dirty="0"/>
+              <a:t>PowerBI-APIs			Security </a:t>
+            </a:r>
+          </a:p>
+          <a:p>
+            <a:pPr marL="0" marR="0" lvl="0" indent="0" algn="l" defTabSz="914400" rtl="0" eaLnBrk="1" fontAlgn="auto" latinLnBrk="0" hangingPunct="1">
+              <a:lnSpc>
+                <a:spcPct val="100000"/>
+              </a:lnSpc>
+              <a:spcBef>
+                <a:spcPts val="0"/>
+              </a:spcBef>
+              <a:spcAft>
+                <a:spcPts val="0"/>
+              </a:spcAft>
+              <a:buClrTx/>
+              <a:buSzTx/>
+              <a:buFontTx/>
+              <a:buNone/>
+              <a:tabLst/>
+              <a:defRPr/>
+            </a:pPr>
+            <a:endParaRPr lang="en-GB" dirty="0"/>
+          </a:p>
+          <a:p>
+            <a:pPr marL="0" marR="0" lvl="0" indent="0" algn="l" defTabSz="914400" rtl="0" eaLnBrk="1" fontAlgn="auto" latinLnBrk="0" hangingPunct="1">
+              <a:lnSpc>
+                <a:spcPct val="100000"/>
+              </a:lnSpc>
+              <a:spcBef>
+                <a:spcPts val="0"/>
+              </a:spcBef>
+              <a:spcAft>
+                <a:spcPts val="0"/>
+              </a:spcAft>
+              <a:buClrTx/>
+              <a:buSzTx/>
+              <a:buFontTx/>
+              <a:buNone/>
+              <a:tabLst/>
+              <a:defRPr/>
+            </a:pPr>
+            <a:r>
+              <a:rPr lang="en-GB" dirty="0"/>
+              <a:t>The "PowerBI-Users" group is of the Microsoft 365 type because you can then have a Teams team where all Power BI users can share hint/tips/problems and this group can also be set to grant a Power BI Pro license as well, making it a great central point of maintenance. </a:t>
+            </a:r>
+            <a:endParaRPr lang="en-GB" b="0" i="0" dirty="0">
+              <a:solidFill>
+                <a:srgbClr val="1C1917"/>
+              </a:solidFill>
+              <a:effectLst/>
+              <a:latin typeface="-apple-system"/>
+            </a:endParaRPr>
           </a:p>
         </p:txBody>
       </p:sp>
@@ -4455,7 +4485,7 @@
     </p:spTree>
     <p:extLst>
       <p:ext uri="{BB962C8B-B14F-4D97-AF65-F5344CB8AC3E}">
-        <p14:creationId xmlns:p14="http://schemas.microsoft.com/office/powerpoint/2010/main" val="2220719089"/>
+        <p14:creationId xmlns:p14="http://schemas.microsoft.com/office/powerpoint/2010/main" val="411944292"/>
       </p:ext>
     </p:extLst>
   </p:cSld>
@@ -4509,7 +4539,7 @@
           <a:bodyPr/>
           <a:lstStyle/>
           <a:p>
-            <a:pPr marL="0" marR="0" lvl="0" indent="0" algn="l" defTabSz="914400" rtl="0" eaLnBrk="1" fontAlgn="auto" latinLnBrk="0" hangingPunct="1">
+            <a:pPr marL="171450" marR="0" lvl="0" indent="-171450" algn="l" defTabSz="914400" rtl="0" eaLnBrk="1" fontAlgn="auto" latinLnBrk="0" hangingPunct="1">
               <a:lnSpc>
                 <a:spcPct val="100000"/>
               </a:lnSpc>
@@ -4521,8 +4551,8 @@
               </a:spcAft>
               <a:buClrTx/>
               <a:buSzTx/>
-              <a:buFontTx/>
-              <a:buNone/>
+              <a:buFont typeface="Arial" panose="020B0604020202020204" pitchFamily="34" charset="0"/>
+              <a:buChar char="•"/>
               <a:tabLst/>
               <a:defRPr/>
             </a:pPr>
@@ -4534,11 +4564,11 @@
                 <a:effectLst/>
                 <a:latin typeface="-apple-system"/>
               </a:rPr>
-              <a:t>The key is assigning minimal required permissions to give users self-service access while maintaining control.</a:t>
-            </a:r>
-          </a:p>
-          <a:p>
-            <a:pPr marL="0" marR="0" lvl="0" indent="0" algn="l" defTabSz="914400" rtl="0" eaLnBrk="1" fontAlgn="auto" latinLnBrk="0" hangingPunct="1">
+              <a:t>Implement a workspace request process for other users to submit business justification.</a:t>
+            </a:r>
+          </a:p>
+          <a:p>
+            <a:pPr marL="171450" marR="0" lvl="0" indent="-171450" algn="l" defTabSz="914400" rtl="0" eaLnBrk="1" fontAlgn="auto" latinLnBrk="0" hangingPunct="1">
               <a:lnSpc>
                 <a:spcPct val="100000"/>
               </a:lnSpc>
@@ -4550,21 +4580,24 @@
               </a:spcAft>
               <a:buClrTx/>
               <a:buSzTx/>
-              <a:buFontTx/>
-              <a:buNone/>
+              <a:buFont typeface="Arial" panose="020B0604020202020204" pitchFamily="34" charset="0"/>
+              <a:buChar char="•"/>
               <a:tabLst/>
               <a:defRPr/>
             </a:pPr>
-            <a:endParaRPr lang="en-GB" b="0" i="0" dirty="0">
-              <a:solidFill>
-                <a:srgbClr val="767676"/>
-              </a:solidFill>
-              <a:effectLst/>
-              <a:latin typeface="SegoeUI"/>
-            </a:endParaRPr>
-          </a:p>
-          <a:p>
-            <a:pPr marL="0" marR="0" lvl="0" indent="0" algn="l" defTabSz="914400" rtl="0" eaLnBrk="1" fontAlgn="auto" latinLnBrk="0" hangingPunct="1">
+            <a:r>
+              <a:rPr lang="en-GB" b="0" i="0" dirty="0">
+                <a:solidFill>
+                  <a:srgbClr val="1C1917"/>
+                </a:solidFill>
+                <a:effectLst/>
+                <a:latin typeface="-apple-system"/>
+              </a:rPr>
+              <a:t>Expand workspace creation access more broadly over time in a governed manner.</a:t>
+            </a:r>
+          </a:p>
+          <a:p>
+            <a:pPr marL="171450" marR="0" lvl="0" indent="-171450" algn="l" defTabSz="914400" rtl="0" eaLnBrk="1" fontAlgn="auto" latinLnBrk="0" hangingPunct="1">
               <a:lnSpc>
                 <a:spcPct val="100000"/>
               </a:lnSpc>
@@ -4576,131 +4609,24 @@
               </a:spcAft>
               <a:buClrTx/>
               <a:buSzTx/>
-              <a:buFontTx/>
-              <a:buNone/>
+              <a:buFont typeface="Arial" panose="020B0604020202020204" pitchFamily="34" charset="0"/>
+              <a:buChar char="•"/>
               <a:tabLst/>
               <a:defRPr/>
             </a:pPr>
             <a:r>
-              <a:rPr lang="en-GB" b="1" i="0" dirty="0">
+              <a:rPr lang="en-GB" b="0" i="0" dirty="0">
                 <a:solidFill>
-                  <a:srgbClr val="767676"/>
+                  <a:srgbClr val="1C1917"/>
                 </a:solidFill>
                 <a:effectLst/>
-                <a:latin typeface="SegoeUI"/>
+                <a:latin typeface="-apple-system"/>
               </a:rPr>
-              <a:t>Naming conventions and Domains</a:t>
-            </a:r>
-          </a:p>
-          <a:p>
-            <a:pPr marL="0" marR="0" lvl="0" indent="0" algn="l" defTabSz="914400" rtl="0" eaLnBrk="1" fontAlgn="auto" latinLnBrk="0" hangingPunct="1">
-              <a:lnSpc>
-                <a:spcPct val="100000"/>
-              </a:lnSpc>
-              <a:spcBef>
-                <a:spcPts val="0"/>
-              </a:spcBef>
-              <a:spcAft>
-                <a:spcPts val="0"/>
-              </a:spcAft>
-              <a:buClrTx/>
-              <a:buSzTx/>
-              <a:buFontTx/>
-              <a:buNone/>
-              <a:tabLst/>
-              <a:defRPr/>
-            </a:pPr>
-            <a:endParaRPr lang="en-GB" b="1" i="0" dirty="0">
-              <a:solidFill>
-                <a:srgbClr val="767676"/>
-              </a:solidFill>
-              <a:effectLst/>
-              <a:latin typeface="SegoeUI"/>
-            </a:endParaRPr>
-          </a:p>
-          <a:p>
-            <a:pPr marL="0" marR="0" lvl="0" indent="0" algn="l" defTabSz="914400" rtl="0" eaLnBrk="1" fontAlgn="auto" latinLnBrk="0" hangingPunct="1">
-              <a:lnSpc>
-                <a:spcPct val="100000"/>
-              </a:lnSpc>
-              <a:spcBef>
-                <a:spcPts val="0"/>
-              </a:spcBef>
-              <a:spcAft>
-                <a:spcPts val="0"/>
-              </a:spcAft>
-              <a:buClrTx/>
-              <a:buSzTx/>
-              <a:buFontTx/>
-              <a:buNone/>
-              <a:tabLst/>
-              <a:defRPr/>
-            </a:pPr>
-            <a:r>
-              <a:rPr lang="en-GB" b="0" i="0" dirty="0">
-                <a:solidFill>
-                  <a:srgbClr val="767676"/>
-                </a:solidFill>
-                <a:effectLst/>
-                <a:latin typeface="SegoeUI"/>
-              </a:rPr>
-              <a:t>One of the most common uses for domains is to group data by business department, making it possible for departments to manage their data according to their specific regulations, restrictions, and needs.</a:t>
-            </a:r>
-          </a:p>
-          <a:p>
-            <a:pPr marL="0" marR="0" lvl="0" indent="0" algn="l" defTabSz="914400" rtl="0" eaLnBrk="1" fontAlgn="auto" latinLnBrk="0" hangingPunct="1">
-              <a:lnSpc>
-                <a:spcPct val="100000"/>
-              </a:lnSpc>
-              <a:spcBef>
-                <a:spcPts val="0"/>
-              </a:spcBef>
-              <a:spcAft>
-                <a:spcPts val="0"/>
-              </a:spcAft>
-              <a:buClrTx/>
-              <a:buSzTx/>
-              <a:buFontTx/>
-              <a:buNone/>
-              <a:tabLst/>
-              <a:defRPr/>
-            </a:pPr>
-            <a:endParaRPr lang="en-GB" b="0" i="0" dirty="0">
-              <a:solidFill>
-                <a:srgbClr val="767676"/>
-              </a:solidFill>
-              <a:effectLst/>
-              <a:latin typeface="SegoeUI"/>
-            </a:endParaRPr>
-          </a:p>
-          <a:p>
-            <a:pPr marL="0" marR="0" lvl="0" indent="0" algn="l" defTabSz="914400" rtl="0" eaLnBrk="1" fontAlgn="auto" latinLnBrk="0" hangingPunct="1">
-              <a:lnSpc>
-                <a:spcPct val="100000"/>
-              </a:lnSpc>
-              <a:spcBef>
-                <a:spcPts val="0"/>
-              </a:spcBef>
-              <a:spcAft>
-                <a:spcPts val="0"/>
-              </a:spcAft>
-              <a:buClrTx/>
-              <a:buSzTx/>
-              <a:buFontTx/>
-              <a:buNone/>
-              <a:tabLst/>
-              <a:defRPr/>
-            </a:pPr>
-            <a:r>
-              <a:rPr lang="en-GB" b="0" i="0" dirty="0">
-                <a:solidFill>
-                  <a:srgbClr val="767676"/>
-                </a:solidFill>
-                <a:effectLst/>
-                <a:latin typeface="SegoeUI"/>
-              </a:rPr>
-              <a:t>https://community.fabric.microsoft.com/t5/Community-Blog/Domain-Preview-Power-BI-Services/ba-p/3308166</a:t>
-            </a:r>
+              <a:t>Educate users that workspaces are for collaboration, not personal storage.</a:t>
+            </a:r>
+          </a:p>
+          <a:p>
+            <a:endParaRPr lang="en-GB" dirty="0"/>
           </a:p>
         </p:txBody>
       </p:sp>
@@ -4730,7 +4656,7 @@
     </p:spTree>
     <p:extLst>
       <p:ext uri="{BB962C8B-B14F-4D97-AF65-F5344CB8AC3E}">
-        <p14:creationId xmlns:p14="http://schemas.microsoft.com/office/powerpoint/2010/main" val="3383455125"/>
+        <p14:creationId xmlns:p14="http://schemas.microsoft.com/office/powerpoint/2010/main" val="825494430"/>
       </p:ext>
     </p:extLst>
   </p:cSld>
@@ -5570,7 +5496,7 @@
             <a:fld id="{60CF82EF-2262-4354-9162-2CF065345C3E}" type="datetime2">
               <a:rPr lang="en-US" smtClean="0"/>
               <a:pPr/>
-              <a:t>Wednesday, October 4, 2023</a:t>
+              <a:t>Thursday, October 5, 2023</a:t>
             </a:fld>
             <a:endParaRPr lang="en-GB" dirty="0"/>
           </a:p>
@@ -6492,7 +6418,7 @@
         <p:spPr>
           <a:xfrm>
             <a:off x="4446640" y="1704271"/>
-            <a:ext cx="7745360" cy="2585323"/>
+            <a:ext cx="7745360" cy="4493538"/>
           </a:xfrm>
           <a:prstGeom prst="rect">
             <a:avLst/>
@@ -6507,7 +6433,7 @@
           <a:p>
             <a:r>
               <a:rPr lang="en-GB" dirty="0"/>
-              <a:t>Start with 4 broad groups for your Power BI users: </a:t>
+              <a:t>Start by creating some more specialised groups to control the backstage activities:</a:t>
             </a:r>
           </a:p>
           <a:p>
@@ -6518,39 +6444,167 @@
           </a:p>
           <a:p>
             <a:r>
-              <a:rPr lang="en-GB" dirty="0"/>
-              <a:t>PowerBI-{Domain}-Admin</a:t>
-            </a:r>
-          </a:p>
-          <a:p>
-            <a:r>
-              <a:rPr lang="en-GB" dirty="0"/>
-              <a:t>PowerBI-{Domain}-Contributor</a:t>
-            </a:r>
-          </a:p>
-          <a:p>
-            <a:r>
-              <a:rPr lang="en-GB" dirty="0"/>
-              <a:t>PowerBI-{Domain}-Tester</a:t>
-            </a:r>
-          </a:p>
-          <a:p>
-            <a:r>
-              <a:rPr lang="en-GB" dirty="0"/>
-              <a:t>PowerBI-{Domain}-Viewer</a:t>
-            </a:r>
-          </a:p>
-          <a:p>
-            <a:endParaRPr lang="en-GB" dirty="0"/>
-          </a:p>
-          <a:p>
-            <a:r>
-              <a:rPr lang="en-GB" dirty="0"/>
-              <a:t>Try to use the principle of least privilege.</a:t>
-            </a:r>
-          </a:p>
-          <a:p>
-            <a:endParaRPr lang="en-GB" dirty="0"/>
+              <a:rPr lang="en-GB" b="1" dirty="0">
+                <a:solidFill>
+                  <a:srgbClr val="002060"/>
+                </a:solidFill>
+              </a:rPr>
+              <a:t>PowerBI-</a:t>
+            </a:r>
+            <a:r>
+              <a:rPr lang="en-GB" b="1" dirty="0" err="1">
+                <a:solidFill>
+                  <a:srgbClr val="002060"/>
+                </a:solidFill>
+              </a:rPr>
+              <a:t>GatewayAdmin</a:t>
+            </a:r>
+            <a:endParaRPr lang="en-GB" sz="1400" b="1" dirty="0">
+              <a:solidFill>
+                <a:srgbClr val="002060"/>
+              </a:solidFill>
+            </a:endParaRPr>
+          </a:p>
+          <a:p>
+            <a:r>
+              <a:rPr lang="en-GB" sz="1400" dirty="0"/>
+              <a:t>Install and configure on-premises data gateways to enable access to </a:t>
+            </a:r>
+          </a:p>
+          <a:p>
+            <a:r>
+              <a:rPr lang="en-GB" sz="1400" dirty="0"/>
+              <a:t>on-prem data sources.</a:t>
+            </a:r>
+          </a:p>
+          <a:p>
+            <a:endParaRPr lang="en-GB" b="1" dirty="0">
+              <a:solidFill>
+                <a:srgbClr val="002060"/>
+              </a:solidFill>
+            </a:endParaRPr>
+          </a:p>
+          <a:p>
+            <a:r>
+              <a:rPr lang="en-GB" b="1" dirty="0">
+                <a:solidFill>
+                  <a:srgbClr val="002060"/>
+                </a:solidFill>
+              </a:rPr>
+              <a:t>PowerBI-</a:t>
+            </a:r>
+            <a:r>
+              <a:rPr lang="en-GB" b="1" dirty="0" err="1">
+                <a:solidFill>
+                  <a:srgbClr val="002060"/>
+                </a:solidFill>
+              </a:rPr>
+              <a:t>WorkspaceCreator</a:t>
+            </a:r>
+            <a:endParaRPr lang="en-GB" sz="1400" b="1" dirty="0">
+              <a:solidFill>
+                <a:srgbClr val="002060"/>
+              </a:solidFill>
+            </a:endParaRPr>
+          </a:p>
+          <a:p>
+            <a:r>
+              <a:rPr lang="en-GB" sz="1400" dirty="0"/>
+              <a:t>Allowing any user to create workspaces can lead to proliferation </a:t>
+            </a:r>
+          </a:p>
+          <a:p>
+            <a:r>
+              <a:rPr lang="en-GB" sz="1400" dirty="0"/>
+              <a:t>of uncontrolled workspaces.</a:t>
+            </a:r>
+          </a:p>
+          <a:p>
+            <a:endParaRPr lang="en-GB" b="1" dirty="0">
+              <a:solidFill>
+                <a:srgbClr val="002060"/>
+              </a:solidFill>
+            </a:endParaRPr>
+          </a:p>
+          <a:p>
+            <a:r>
+              <a:rPr lang="en-GB" b="1" dirty="0">
+                <a:solidFill>
+                  <a:srgbClr val="002060"/>
+                </a:solidFill>
+              </a:rPr>
+              <a:t>PowerBI-</a:t>
+            </a:r>
+            <a:r>
+              <a:rPr lang="en-GB" b="1" dirty="0" err="1">
+                <a:solidFill>
+                  <a:srgbClr val="002060"/>
+                </a:solidFill>
+              </a:rPr>
+              <a:t>DemoViewer</a:t>
+            </a:r>
+            <a:r>
+              <a:rPr lang="en-GB" sz="1400" b="1" dirty="0">
+                <a:solidFill>
+                  <a:srgbClr val="002060"/>
+                </a:solidFill>
+              </a:rPr>
+              <a:t> </a:t>
+            </a:r>
+            <a:r>
+              <a:rPr lang="en-GB" sz="1400" dirty="0"/>
+              <a:t>	</a:t>
+            </a:r>
+          </a:p>
+          <a:p>
+            <a:r>
+              <a:rPr lang="en-GB" sz="1400" dirty="0"/>
+              <a:t>Dynamic membership (</a:t>
+            </a:r>
+            <a:r>
+              <a:rPr lang="en-GB" sz="1400" dirty="0" err="1"/>
+              <a:t>user.objectId</a:t>
+            </a:r>
+            <a:r>
+              <a:rPr lang="en-GB" sz="1400" dirty="0"/>
+              <a:t> -ne null) and (</a:t>
+            </a:r>
+            <a:r>
+              <a:rPr lang="en-GB" sz="1400" dirty="0" err="1"/>
+              <a:t>user.userType</a:t>
+            </a:r>
+            <a:r>
+              <a:rPr lang="en-GB" sz="1400" dirty="0"/>
+              <a:t> -</a:t>
+            </a:r>
+            <a:r>
+              <a:rPr lang="en-GB" sz="1400" dirty="0" err="1"/>
+              <a:t>eq</a:t>
+            </a:r>
+            <a:r>
+              <a:rPr lang="en-GB" sz="1400" dirty="0"/>
+              <a:t> "member")</a:t>
+            </a:r>
+            <a:endParaRPr lang="en-GB" sz="1800" dirty="0"/>
+          </a:p>
+          <a:p>
+            <a:endParaRPr lang="en-GB" sz="1800" dirty="0"/>
+          </a:p>
+          <a:p>
+            <a:r>
+              <a:rPr lang="en-GB" b="1" dirty="0">
+                <a:solidFill>
+                  <a:srgbClr val="002060"/>
+                </a:solidFill>
+              </a:rPr>
+              <a:t>PowerBI-API</a:t>
+            </a:r>
+          </a:p>
+          <a:p>
+            <a:r>
+              <a:rPr lang="en-GB" sz="1800" dirty="0"/>
+              <a:t>Used to add the managed identity of a data factory so that we can extract tenant metadata on an automated basis.</a:t>
+            </a:r>
           </a:p>
         </p:txBody>
       </p:sp>
@@ -6595,10 +6649,68 @@
           </a:fontRef>
         </p:style>
       </p:cxnSp>
+      <p:sp>
+        <p:nvSpPr>
+          <p:cNvPr id="3" name="Rectangle 2">
+            <a:extLst>
+              <a:ext uri="{FF2B5EF4-FFF2-40B4-BE49-F238E27FC236}">
+                <a16:creationId xmlns:a16="http://schemas.microsoft.com/office/drawing/2014/main" id="{91FCED6C-209E-727D-0435-BA37C1FB4249}"/>
+              </a:ext>
+            </a:extLst>
+          </p:cNvPr>
+          <p:cNvSpPr/>
+          <p:nvPr/>
+        </p:nvSpPr>
+        <p:spPr>
+          <a:xfrm>
+            <a:off x="4461388" y="4380271"/>
+            <a:ext cx="5980470" cy="773458"/>
+          </a:xfrm>
+          <a:prstGeom prst="rect">
+            <a:avLst/>
+          </a:prstGeom>
+          <a:solidFill>
+            <a:schemeClr val="accent1">
+              <a:alpha val="20000"/>
+            </a:schemeClr>
+          </a:solidFill>
+          <a:ln>
+            <a:noFill/>
+          </a:ln>
+        </p:spPr>
+        <p:style>
+          <a:lnRef idx="2">
+            <a:schemeClr val="accent1">
+              <a:shade val="50000"/>
+            </a:schemeClr>
+          </a:lnRef>
+          <a:fillRef idx="1">
+            <a:schemeClr val="accent1"/>
+          </a:fillRef>
+          <a:effectRef idx="0">
+            <a:schemeClr val="accent1"/>
+          </a:effectRef>
+          <a:fontRef idx="minor">
+            <a:schemeClr val="lt1"/>
+          </a:fontRef>
+        </p:style>
+        <p:txBody>
+          <a:bodyPr rtlCol="0" anchor="ctr"/>
+          <a:lstStyle/>
+          <a:p>
+            <a:pPr algn="ctr"/>
+            <a:endParaRPr lang="en-GB" sz="1400" dirty="0">
+              <a:solidFill>
+                <a:schemeClr val="bg1"/>
+              </a:solidFill>
+            </a:endParaRPr>
+          </a:p>
+        </p:txBody>
+      </p:sp>
     </p:spTree>
     <p:extLst>
       <p:ext uri="{BB962C8B-B14F-4D97-AF65-F5344CB8AC3E}">
-        <p14:creationId xmlns:p14="http://schemas.microsoft.com/office/powerpoint/2010/main" val="1633546735"/>
+        <p14:creationId xmlns:p14="http://schemas.microsoft.com/office/powerpoint/2010/main" val="2295320621"/>
       </p:ext>
     </p:extLst>
   </p:cSld>
@@ -6780,7 +6892,7 @@
         <p:spPr>
           <a:xfrm>
             <a:off x="4446640" y="1704271"/>
-            <a:ext cx="7745360" cy="3939540"/>
+            <a:ext cx="7745360" cy="4493538"/>
           </a:xfrm>
           <a:prstGeom prst="rect">
             <a:avLst/>
@@ -6795,7 +6907,7 @@
           <a:p>
             <a:r>
               <a:rPr lang="en-GB" dirty="0"/>
-              <a:t>Now you can create some more specialised groups to control the backstage activities:</a:t>
+              <a:t>Start by creating some more specialised groups to control the backstage activities:</a:t>
             </a:r>
           </a:p>
           <a:p>
@@ -6947,13 +7059,26 @@
               <a:rPr lang="en-GB" sz="1400" dirty="0"/>
               <a:t> "member")</a:t>
             </a:r>
-            <a:endParaRPr lang="en-GB" dirty="0"/>
-          </a:p>
-          <a:p>
-            <a:endParaRPr lang="en-GB" dirty="0"/>
-          </a:p>
-          <a:p>
-            <a:endParaRPr lang="en-GB" dirty="0"/>
+            <a:endParaRPr lang="en-GB" sz="1800" dirty="0"/>
+          </a:p>
+          <a:p>
+            <a:endParaRPr lang="en-GB" sz="1800" dirty="0"/>
+          </a:p>
+          <a:p>
+            <a:r>
+              <a:rPr lang="en-GB" b="1" dirty="0">
+                <a:solidFill>
+                  <a:srgbClr val="002060"/>
+                </a:solidFill>
+              </a:rPr>
+              <a:t>PowerBI-API</a:t>
+            </a:r>
+          </a:p>
+          <a:p>
+            <a:r>
+              <a:rPr lang="en-GB" sz="1800" dirty="0"/>
+              <a:t>Used to add the managed identity of a data factory so that we can extract tenant metadata on an automated basis.</a:t>
+            </a:r>
           </a:p>
         </p:txBody>
       </p:sp>
@@ -7000,10 +7125,10 @@
       </p:cxnSp>
       <p:sp>
         <p:nvSpPr>
-          <p:cNvPr id="11" name="Rectangle 10">
+          <p:cNvPr id="3" name="Rectangle 2">
             <a:extLst>
               <a:ext uri="{FF2B5EF4-FFF2-40B4-BE49-F238E27FC236}">
-                <a16:creationId xmlns:a16="http://schemas.microsoft.com/office/drawing/2014/main" id="{0C9A24C7-8681-DF75-FDCD-FBACD4D76664}"/>
+                <a16:creationId xmlns:a16="http://schemas.microsoft.com/office/drawing/2014/main" id="{91FCED6C-209E-727D-0435-BA37C1FB4249}"/>
               </a:ext>
             </a:extLst>
           </p:cNvPr>
@@ -7012,8 +7137,8 @@
         </p:nvSpPr>
         <p:spPr>
           <a:xfrm>
-            <a:off x="4461388" y="2529348"/>
-            <a:ext cx="5095568" cy="899652"/>
+            <a:off x="4461388" y="5269036"/>
+            <a:ext cx="7665094" cy="899652"/>
           </a:xfrm>
           <a:prstGeom prst="rect">
             <a:avLst/>
@@ -7059,20 +7184,20 @@
     </p:spTree>
     <p:extLst>
       <p:ext uri="{BB962C8B-B14F-4D97-AF65-F5344CB8AC3E}">
-        <p14:creationId xmlns:p14="http://schemas.microsoft.com/office/powerpoint/2010/main" val="1533131087"/>
+        <p14:creationId xmlns:p14="http://schemas.microsoft.com/office/powerpoint/2010/main" val="984327576"/>
       </p:ext>
     </p:extLst>
   </p:cSld>
   <p:clrMapOvr>
     <a:masterClrMapping/>
   </p:clrMapOvr>
-  <mc:AlternateContent xmlns:mc="http://schemas.openxmlformats.org/markup-compatibility/2006" xmlns:p159="http://schemas.microsoft.com/office/powerpoint/2015/09/main">
-    <mc:Choice Requires="p159">
+  <mc:AlternateContent xmlns:mc="http://schemas.openxmlformats.org/markup-compatibility/2006">
+    <mc:Choice xmlns:p159="http://schemas.microsoft.com/office/powerpoint/2015/09/main" Requires="p159">
       <p:transition xmlns:p14="http://schemas.microsoft.com/office/powerpoint/2010/main" spd="slow" p14:dur="2000">
         <p159:morph option="byObject"/>
       </p:transition>
     </mc:Choice>
-    <mc:Fallback xmlns="">
+    <mc:Fallback>
       <p:transition spd="slow">
         <p:fade/>
       </p:transition>
@@ -7241,7 +7366,7 @@
         <p:spPr>
           <a:xfrm>
             <a:off x="4446640" y="1704271"/>
-            <a:ext cx="7745360" cy="3939540"/>
+            <a:ext cx="7745360" cy="2585323"/>
           </a:xfrm>
           <a:prstGeom prst="rect">
             <a:avLst/>
@@ -7256,7 +7381,7 @@
           <a:p>
             <a:r>
               <a:rPr lang="en-GB" dirty="0"/>
-              <a:t>Now you can create some more specialised groups to control the backstage activities:</a:t>
+              <a:t>Now let’s discuss 4 broad groups for your Power BI users: </a:t>
             </a:r>
           </a:p>
           <a:p>
@@ -7267,151 +7392,36 @@
           </a:p>
           <a:p>
             <a:r>
-              <a:rPr lang="en-GB" b="1" dirty="0">
-                <a:solidFill>
-                  <a:srgbClr val="002060"/>
-                </a:solidFill>
-              </a:rPr>
-              <a:t>PowerBI-</a:t>
-            </a:r>
-            <a:r>
-              <a:rPr lang="en-GB" b="1" dirty="0" err="1">
-                <a:solidFill>
-                  <a:srgbClr val="002060"/>
-                </a:solidFill>
-              </a:rPr>
-              <a:t>GatewayAdmin</a:t>
-            </a:r>
-            <a:endParaRPr lang="en-GB" sz="1400" b="1" dirty="0">
-              <a:solidFill>
-                <a:srgbClr val="002060"/>
-              </a:solidFill>
-            </a:endParaRPr>
-          </a:p>
-          <a:p>
-            <a:r>
-              <a:rPr lang="en-GB" sz="1400" dirty="0"/>
-              <a:t>Install and configure on-premises data gateways to enable access to </a:t>
-            </a:r>
-          </a:p>
-          <a:p>
-            <a:r>
-              <a:rPr lang="en-GB" sz="1400" dirty="0"/>
-              <a:t>on-prem data sources.</a:t>
-            </a:r>
-          </a:p>
-          <a:p>
-            <a:endParaRPr lang="en-GB" b="1" dirty="0">
-              <a:solidFill>
-                <a:srgbClr val="002060"/>
-              </a:solidFill>
-            </a:endParaRPr>
-          </a:p>
-          <a:p>
-            <a:r>
-              <a:rPr lang="en-GB" b="1" dirty="0">
-                <a:solidFill>
-                  <a:srgbClr val="002060"/>
-                </a:solidFill>
-              </a:rPr>
-              <a:t>PowerBI-</a:t>
-            </a:r>
-            <a:r>
-              <a:rPr lang="en-GB" b="1" dirty="0" err="1">
-                <a:solidFill>
-                  <a:srgbClr val="002060"/>
-                </a:solidFill>
-              </a:rPr>
-              <a:t>WorkspaceCreator</a:t>
-            </a:r>
-            <a:endParaRPr lang="en-GB" sz="1400" b="1" dirty="0">
-              <a:solidFill>
-                <a:srgbClr val="002060"/>
-              </a:solidFill>
-            </a:endParaRPr>
-          </a:p>
-          <a:p>
-            <a:r>
-              <a:rPr lang="en-GB" sz="1400" dirty="0"/>
-              <a:t>Allowing any user to create workspaces can lead to proliferation </a:t>
-            </a:r>
-          </a:p>
-          <a:p>
-            <a:r>
-              <a:rPr lang="en-GB" sz="1400" dirty="0"/>
-              <a:t>of uncontrolled workspaces.</a:t>
-            </a:r>
-          </a:p>
-          <a:p>
-            <a:endParaRPr lang="en-GB" b="1" dirty="0">
-              <a:solidFill>
-                <a:srgbClr val="002060"/>
-              </a:solidFill>
-            </a:endParaRPr>
-          </a:p>
-          <a:p>
-            <a:r>
-              <a:rPr lang="en-GB" b="1" dirty="0">
-                <a:solidFill>
-                  <a:srgbClr val="002060"/>
-                </a:solidFill>
-              </a:rPr>
-              <a:t>PowerBI-</a:t>
-            </a:r>
-            <a:r>
-              <a:rPr lang="en-GB" b="1" dirty="0" err="1">
-                <a:solidFill>
-                  <a:srgbClr val="002060"/>
-                </a:solidFill>
-              </a:rPr>
-              <a:t>DemoViewer</a:t>
-            </a:r>
-            <a:r>
-              <a:rPr lang="en-GB" sz="1400" b="1" dirty="0">
-                <a:solidFill>
-                  <a:srgbClr val="002060"/>
-                </a:solidFill>
-              </a:rPr>
-              <a:t> </a:t>
-            </a:r>
-            <a:r>
-              <a:rPr lang="en-GB" sz="1400" dirty="0"/>
-              <a:t>	</a:t>
-            </a:r>
-          </a:p>
-          <a:p>
-            <a:r>
-              <a:rPr lang="en-GB" sz="1400" dirty="0"/>
-              <a:t>Dynamic membership (</a:t>
-            </a:r>
-            <a:r>
-              <a:rPr lang="en-GB" sz="1400" dirty="0" err="1"/>
-              <a:t>user.objectId</a:t>
-            </a:r>
-            <a:r>
-              <a:rPr lang="en-GB" sz="1400" dirty="0"/>
-              <a:t> -ne null) and (</a:t>
-            </a:r>
-            <a:r>
-              <a:rPr lang="en-GB" sz="1400" dirty="0" err="1"/>
-              <a:t>user.userType</a:t>
-            </a:r>
-            <a:r>
-              <a:rPr lang="en-GB" sz="1400" dirty="0"/>
-              <a:t> -</a:t>
-            </a:r>
-            <a:r>
-              <a:rPr lang="en-GB" sz="1400" dirty="0" err="1"/>
-              <a:t>eq</a:t>
-            </a:r>
-            <a:r>
-              <a:rPr lang="en-GB" sz="1400" dirty="0"/>
-              <a:t> "member")</a:t>
-            </a:r>
+              <a:rPr lang="en-GB" dirty="0"/>
+              <a:t>Admin</a:t>
+            </a:r>
+          </a:p>
+          <a:p>
+            <a:r>
+              <a:rPr lang="en-GB" dirty="0"/>
+              <a:t>Contributor</a:t>
+            </a:r>
+          </a:p>
+          <a:p>
+            <a:r>
+              <a:rPr lang="en-GB" dirty="0"/>
+              <a:t>Tester</a:t>
+            </a:r>
+          </a:p>
+          <a:p>
+            <a:r>
+              <a:rPr lang="en-GB" dirty="0"/>
+              <a:t>Viewer</a:t>
+            </a:r>
+          </a:p>
+          <a:p>
             <a:endParaRPr lang="en-GB" dirty="0"/>
           </a:p>
           <a:p>
-            <a:endParaRPr lang="en-GB" dirty="0"/>
+            <a:r>
+              <a:rPr lang="en-GB" dirty="0"/>
+              <a:t>Try to use the principle of least privilege.</a:t>
+            </a:r>
           </a:p>
           <a:p>
             <a:endParaRPr lang="en-GB" dirty="0"/>
@@ -7459,68 +7469,10 @@
           </a:fontRef>
         </p:style>
       </p:cxnSp>
-      <p:sp>
-        <p:nvSpPr>
-          <p:cNvPr id="3" name="Rectangle 2">
-            <a:extLst>
-              <a:ext uri="{FF2B5EF4-FFF2-40B4-BE49-F238E27FC236}">
-                <a16:creationId xmlns:a16="http://schemas.microsoft.com/office/drawing/2014/main" id="{29647FEA-5D45-A79B-51CD-703D1B091A12}"/>
-              </a:ext>
-            </a:extLst>
-          </p:cNvPr>
-          <p:cNvSpPr/>
-          <p:nvPr/>
-        </p:nvSpPr>
-        <p:spPr>
-          <a:xfrm>
-            <a:off x="4461388" y="3465869"/>
-            <a:ext cx="5095568" cy="899652"/>
-          </a:xfrm>
-          <a:prstGeom prst="rect">
-            <a:avLst/>
-          </a:prstGeom>
-          <a:solidFill>
-            <a:schemeClr val="accent1">
-              <a:alpha val="20000"/>
-            </a:schemeClr>
-          </a:solidFill>
-          <a:ln>
-            <a:noFill/>
-          </a:ln>
-        </p:spPr>
-        <p:style>
-          <a:lnRef idx="2">
-            <a:schemeClr val="accent1">
-              <a:shade val="50000"/>
-            </a:schemeClr>
-          </a:lnRef>
-          <a:fillRef idx="1">
-            <a:schemeClr val="accent1"/>
-          </a:fillRef>
-          <a:effectRef idx="0">
-            <a:schemeClr val="accent1"/>
-          </a:effectRef>
-          <a:fontRef idx="minor">
-            <a:schemeClr val="lt1"/>
-          </a:fontRef>
-        </p:style>
-        <p:txBody>
-          <a:bodyPr rtlCol="0" anchor="ctr"/>
-          <a:lstStyle/>
-          <a:p>
-            <a:pPr algn="ctr"/>
-            <a:endParaRPr lang="en-GB" sz="1400" dirty="0">
-              <a:solidFill>
-                <a:schemeClr val="bg1"/>
-              </a:solidFill>
-            </a:endParaRPr>
-          </a:p>
-        </p:txBody>
-      </p:sp>
     </p:spTree>
     <p:extLst>
       <p:ext uri="{BB962C8B-B14F-4D97-AF65-F5344CB8AC3E}">
-        <p14:creationId xmlns:p14="http://schemas.microsoft.com/office/powerpoint/2010/main" val="4197152696"/>
+        <p14:creationId xmlns:p14="http://schemas.microsoft.com/office/powerpoint/2010/main" val="1115597227"/>
       </p:ext>
     </p:extLst>
   </p:cSld>
@@ -7702,7 +7654,7 @@
         <p:spPr>
           <a:xfrm>
             <a:off x="4446640" y="1704271"/>
-            <a:ext cx="7745360" cy="3939540"/>
+            <a:ext cx="7745360" cy="2585323"/>
           </a:xfrm>
           <a:prstGeom prst="rect">
             <a:avLst/>
@@ -7717,7 +7669,7 @@
           <a:p>
             <a:r>
               <a:rPr lang="en-GB" dirty="0"/>
-              <a:t>Now you can create some more specialised groups to control the backstage activities:</a:t>
+              <a:t>Start with 4 broad groups for your Power BI users: </a:t>
             </a:r>
           </a:p>
           <a:p>
@@ -7728,151 +7680,36 @@
           </a:p>
           <a:p>
             <a:r>
-              <a:rPr lang="en-GB" b="1" dirty="0">
-                <a:solidFill>
-                  <a:srgbClr val="002060"/>
-                </a:solidFill>
-              </a:rPr>
-              <a:t>PowerBI-</a:t>
-            </a:r>
-            <a:r>
-              <a:rPr lang="en-GB" b="1" dirty="0" err="1">
-                <a:solidFill>
-                  <a:srgbClr val="002060"/>
-                </a:solidFill>
-              </a:rPr>
-              <a:t>GatewayAdmin</a:t>
-            </a:r>
-            <a:endParaRPr lang="en-GB" sz="1400" b="1" dirty="0">
-              <a:solidFill>
-                <a:srgbClr val="002060"/>
-              </a:solidFill>
-            </a:endParaRPr>
-          </a:p>
-          <a:p>
-            <a:r>
-              <a:rPr lang="en-GB" sz="1400" dirty="0"/>
-              <a:t>Install and configure on-premises data gateways to enable access to </a:t>
-            </a:r>
-          </a:p>
-          <a:p>
-            <a:r>
-              <a:rPr lang="en-GB" sz="1400" dirty="0"/>
-              <a:t>on-prem data sources.</a:t>
-            </a:r>
-          </a:p>
-          <a:p>
-            <a:endParaRPr lang="en-GB" b="1" dirty="0">
-              <a:solidFill>
-                <a:srgbClr val="002060"/>
-              </a:solidFill>
-            </a:endParaRPr>
-          </a:p>
-          <a:p>
-            <a:r>
-              <a:rPr lang="en-GB" b="1" dirty="0">
-                <a:solidFill>
-                  <a:srgbClr val="002060"/>
-                </a:solidFill>
-              </a:rPr>
-              <a:t>PowerBI-</a:t>
-            </a:r>
-            <a:r>
-              <a:rPr lang="en-GB" b="1" dirty="0" err="1">
-                <a:solidFill>
-                  <a:srgbClr val="002060"/>
-                </a:solidFill>
-              </a:rPr>
-              <a:t>WorkspaceCreator</a:t>
-            </a:r>
-            <a:endParaRPr lang="en-GB" sz="1400" b="1" dirty="0">
-              <a:solidFill>
-                <a:srgbClr val="002060"/>
-              </a:solidFill>
-            </a:endParaRPr>
-          </a:p>
-          <a:p>
-            <a:r>
-              <a:rPr lang="en-GB" sz="1400" dirty="0"/>
-              <a:t>Allowing any user to create workspaces can lead to proliferation </a:t>
-            </a:r>
-          </a:p>
-          <a:p>
-            <a:r>
-              <a:rPr lang="en-GB" sz="1400" dirty="0"/>
-              <a:t>of uncontrolled workspaces.</a:t>
-            </a:r>
-          </a:p>
-          <a:p>
-            <a:endParaRPr lang="en-GB" b="1" dirty="0">
-              <a:solidFill>
-                <a:srgbClr val="002060"/>
-              </a:solidFill>
-            </a:endParaRPr>
-          </a:p>
-          <a:p>
-            <a:r>
-              <a:rPr lang="en-GB" b="1" dirty="0">
-                <a:solidFill>
-                  <a:srgbClr val="002060"/>
-                </a:solidFill>
-              </a:rPr>
-              <a:t>PowerBI-</a:t>
-            </a:r>
-            <a:r>
-              <a:rPr lang="en-GB" b="1" dirty="0" err="1">
-                <a:solidFill>
-                  <a:srgbClr val="002060"/>
-                </a:solidFill>
-              </a:rPr>
-              <a:t>DemoViewer</a:t>
-            </a:r>
-            <a:r>
-              <a:rPr lang="en-GB" sz="1400" b="1" dirty="0">
-                <a:solidFill>
-                  <a:srgbClr val="002060"/>
-                </a:solidFill>
-              </a:rPr>
-              <a:t> </a:t>
-            </a:r>
-            <a:r>
-              <a:rPr lang="en-GB" sz="1400" dirty="0"/>
-              <a:t>	</a:t>
-            </a:r>
-          </a:p>
-          <a:p>
-            <a:r>
-              <a:rPr lang="en-GB" sz="1400" dirty="0"/>
-              <a:t>Dynamic membership (</a:t>
-            </a:r>
-            <a:r>
-              <a:rPr lang="en-GB" sz="1400" dirty="0" err="1"/>
-              <a:t>user.objectId</a:t>
-            </a:r>
-            <a:r>
-              <a:rPr lang="en-GB" sz="1400" dirty="0"/>
-              <a:t> -ne null) and (</a:t>
-            </a:r>
-            <a:r>
-              <a:rPr lang="en-GB" sz="1400" dirty="0" err="1"/>
-              <a:t>user.userType</a:t>
-            </a:r>
-            <a:r>
-              <a:rPr lang="en-GB" sz="1400" dirty="0"/>
-              <a:t> -</a:t>
-            </a:r>
-            <a:r>
-              <a:rPr lang="en-GB" sz="1400" dirty="0" err="1"/>
-              <a:t>eq</a:t>
-            </a:r>
-            <a:r>
-              <a:rPr lang="en-GB" sz="1400" dirty="0"/>
-              <a:t> "member")</a:t>
-            </a:r>
+              <a:rPr lang="en-GB" dirty="0"/>
+              <a:t>PowerBI-{Domain}-Admin</a:t>
+            </a:r>
+          </a:p>
+          <a:p>
+            <a:r>
+              <a:rPr lang="en-GB" dirty="0"/>
+              <a:t>PowerBI-{Domain}-Contributor</a:t>
+            </a:r>
+          </a:p>
+          <a:p>
+            <a:r>
+              <a:rPr lang="en-GB" dirty="0"/>
+              <a:t>PowerBI-{Domain}-Tester</a:t>
+            </a:r>
+          </a:p>
+          <a:p>
+            <a:r>
+              <a:rPr lang="en-GB" dirty="0"/>
+              <a:t>PowerBI-{Domain}-Viewer</a:t>
+            </a:r>
+          </a:p>
+          <a:p>
             <a:endParaRPr lang="en-GB" dirty="0"/>
           </a:p>
           <a:p>
-            <a:endParaRPr lang="en-GB" dirty="0"/>
+            <a:r>
+              <a:rPr lang="en-GB" dirty="0"/>
+              <a:t>Try to use the principle of least privilege.</a:t>
+            </a:r>
           </a:p>
           <a:p>
             <a:endParaRPr lang="en-GB" dirty="0"/>
@@ -7920,68 +7757,10 @@
           </a:fontRef>
         </p:style>
       </p:cxnSp>
-      <p:sp>
-        <p:nvSpPr>
-          <p:cNvPr id="3" name="Rectangle 2">
-            <a:extLst>
-              <a:ext uri="{FF2B5EF4-FFF2-40B4-BE49-F238E27FC236}">
-                <a16:creationId xmlns:a16="http://schemas.microsoft.com/office/drawing/2014/main" id="{91FCED6C-209E-727D-0435-BA37C1FB4249}"/>
-              </a:ext>
-            </a:extLst>
-          </p:cNvPr>
-          <p:cNvSpPr/>
-          <p:nvPr/>
-        </p:nvSpPr>
-        <p:spPr>
-          <a:xfrm>
-            <a:off x="4461388" y="4380271"/>
-            <a:ext cx="5980470" cy="899652"/>
-          </a:xfrm>
-          <a:prstGeom prst="rect">
-            <a:avLst/>
-          </a:prstGeom>
-          <a:solidFill>
-            <a:schemeClr val="accent1">
-              <a:alpha val="20000"/>
-            </a:schemeClr>
-          </a:solidFill>
-          <a:ln>
-            <a:noFill/>
-          </a:ln>
-        </p:spPr>
-        <p:style>
-          <a:lnRef idx="2">
-            <a:schemeClr val="accent1">
-              <a:shade val="50000"/>
-            </a:schemeClr>
-          </a:lnRef>
-          <a:fillRef idx="1">
-            <a:schemeClr val="accent1"/>
-          </a:fillRef>
-          <a:effectRef idx="0">
-            <a:schemeClr val="accent1"/>
-          </a:effectRef>
-          <a:fontRef idx="minor">
-            <a:schemeClr val="lt1"/>
-          </a:fontRef>
-        </p:style>
-        <p:txBody>
-          <a:bodyPr rtlCol="0" anchor="ctr"/>
-          <a:lstStyle/>
-          <a:p>
-            <a:pPr algn="ctr"/>
-            <a:endParaRPr lang="en-GB" sz="1400" dirty="0">
-              <a:solidFill>
-                <a:schemeClr val="bg1"/>
-              </a:solidFill>
-            </a:endParaRPr>
-          </a:p>
-        </p:txBody>
-      </p:sp>
     </p:spTree>
     <p:extLst>
       <p:ext uri="{BB962C8B-B14F-4D97-AF65-F5344CB8AC3E}">
-        <p14:creationId xmlns:p14="http://schemas.microsoft.com/office/powerpoint/2010/main" val="2295320621"/>
+        <p14:creationId xmlns:p14="http://schemas.microsoft.com/office/powerpoint/2010/main" val="1633546735"/>
       </p:ext>
     </p:extLst>
   </p:cSld>
@@ -8223,7 +8002,7 @@
         <p:spPr>
           <a:xfrm>
             <a:off x="4446640" y="1704271"/>
-            <a:ext cx="3790333" cy="2862322"/>
+            <a:ext cx="3790333" cy="369332"/>
           </a:xfrm>
           <a:prstGeom prst="rect">
             <a:avLst/>
@@ -8235,68 +8014,6 @@
             <a:spAutoFit/>
           </a:bodyPr>
           <a:lstStyle/>
-          <a:p>
-            <a:r>
-              <a:rPr lang="en-GB" b="1" dirty="0">
-                <a:solidFill>
-                  <a:srgbClr val="002060"/>
-                </a:solidFill>
-              </a:rPr>
-              <a:t>	Gateway Admin</a:t>
-            </a:r>
-          </a:p>
-          <a:p>
-            <a:endParaRPr lang="en-GB" b="1" dirty="0">
-              <a:solidFill>
-                <a:srgbClr val="002060"/>
-              </a:solidFill>
-            </a:endParaRPr>
-          </a:p>
-          <a:p>
-            <a:endParaRPr lang="en-GB" b="1" dirty="0">
-              <a:solidFill>
-                <a:srgbClr val="002060"/>
-              </a:solidFill>
-            </a:endParaRPr>
-          </a:p>
-          <a:p>
-            <a:endParaRPr lang="en-GB" dirty="0"/>
-          </a:p>
-          <a:p>
-            <a:endParaRPr lang="en-GB" b="1" dirty="0">
-              <a:solidFill>
-                <a:srgbClr val="002060"/>
-              </a:solidFill>
-            </a:endParaRPr>
-          </a:p>
-          <a:p>
-            <a:endParaRPr lang="en-GB" b="1" dirty="0">
-              <a:solidFill>
-                <a:srgbClr val="002060"/>
-              </a:solidFill>
-            </a:endParaRPr>
-          </a:p>
-          <a:p>
-            <a:endParaRPr lang="en-GB" b="1" dirty="0">
-              <a:solidFill>
-                <a:srgbClr val="002060"/>
-              </a:solidFill>
-            </a:endParaRPr>
-          </a:p>
-          <a:p>
-            <a:endParaRPr lang="en-GB" b="1" dirty="0">
-              <a:solidFill>
-                <a:srgbClr val="002060"/>
-              </a:solidFill>
-            </a:endParaRPr>
-          </a:p>
-          <a:p>
-            <a:endParaRPr lang="en-GB" b="1" dirty="0">
-              <a:solidFill>
-                <a:srgbClr val="002060"/>
-              </a:solidFill>
-            </a:endParaRPr>
-          </a:p>
           <a:p>
             <a:r>
               <a:rPr lang="en-GB" b="1" dirty="0">
@@ -8530,11 +8247,11 @@
       </p:pic>
       <p:pic>
         <p:nvPicPr>
-          <p:cNvPr id="14" name="Picture 13">
+          <p:cNvPr id="18" name="Picture 17">
             <a:hlinkClick r:id="rId6"/>
             <a:extLst>
               <a:ext uri="{FF2B5EF4-FFF2-40B4-BE49-F238E27FC236}">
-                <a16:creationId xmlns:a16="http://schemas.microsoft.com/office/drawing/2014/main" id="{9BB7F8C4-91DA-8925-D8EC-78F2B5F542A1}"/>
+                <a16:creationId xmlns:a16="http://schemas.microsoft.com/office/drawing/2014/main" id="{2EC4C785-4723-4808-59B4-6A880451D005}"/>
               </a:ext>
             </a:extLst>
           </p:cNvPr>
@@ -8557,74 +8274,7 @@
         </p:blipFill>
         <p:spPr>
           <a:xfrm>
-            <a:off x="4935309" y="2175385"/>
-            <a:ext cx="2543314" cy="1681318"/>
-          </a:xfrm>
-          <a:prstGeom prst="rect">
-            <a:avLst/>
-          </a:prstGeom>
-          <a:solidFill>
-            <a:srgbClr val="FFFFFF">
-              <a:shade val="85000"/>
-            </a:srgbClr>
-          </a:solidFill>
-          <a:ln w="88900" cap="sq">
-            <a:solidFill>
-              <a:srgbClr val="FFFFFF"/>
-            </a:solidFill>
-            <a:miter lim="800000"/>
-          </a:ln>
-          <a:effectLst>
-            <a:outerShdw blurRad="76200" dir="13500000" sy="23000" kx="1200000" algn="br" rotWithShape="0">
-              <a:prstClr val="black">
-                <a:alpha val="20000"/>
-              </a:prstClr>
-            </a:outerShdw>
-          </a:effectLst>
-          <a:scene3d>
-            <a:camera prst="orthographicFront"/>
-            <a:lightRig rig="twoPt" dir="t">
-              <a:rot lat="0" lon="0" rev="7200000"/>
-            </a:lightRig>
-          </a:scene3d>
-          <a:sp3d>
-            <a:bevelT w="25400" h="19050"/>
-            <a:contourClr>
-              <a:srgbClr val="FFFFFF"/>
-            </a:contourClr>
-          </a:sp3d>
-        </p:spPr>
-      </p:pic>
-      <p:pic>
-        <p:nvPicPr>
-          <p:cNvPr id="18" name="Picture 17">
-            <a:hlinkClick r:id="rId8"/>
-            <a:extLst>
-              <a:ext uri="{FF2B5EF4-FFF2-40B4-BE49-F238E27FC236}">
-                <a16:creationId xmlns:a16="http://schemas.microsoft.com/office/drawing/2014/main" id="{2EC4C785-4723-4808-59B4-6A880451D005}"/>
-              </a:ext>
-            </a:extLst>
-          </p:cNvPr>
-          <p:cNvPicPr>
-            <a:picLocks noChangeAspect="1"/>
-          </p:cNvPicPr>
-          <p:nvPr/>
-        </p:nvPicPr>
-        <p:blipFill>
-          <a:blip r:embed="rId9" cstate="email">
-            <a:extLst>
-              <a:ext uri="{28A0092B-C50C-407E-A947-70E740481C1C}">
-                <a14:useLocalDpi xmlns:a14="http://schemas.microsoft.com/office/drawing/2010/main"/>
-              </a:ext>
-            </a:extLst>
-          </a:blip>
-          <a:stretch>
-            <a:fillRect/>
-          </a:stretch>
-        </p:blipFill>
-        <p:spPr>
-          <a:xfrm>
-            <a:off x="4674337" y="4560051"/>
+            <a:off x="4939663" y="2175385"/>
             <a:ext cx="2804286" cy="2162852"/>
           </a:xfrm>
           <a:prstGeom prst="rect">
@@ -8662,45 +8312,6 @@
           </a:sp3d>
         </p:spPr>
       </p:pic>
-      <p:pic>
-        <p:nvPicPr>
-          <p:cNvPr id="23" name="Graphic 22" descr="Close with solid fill">
-            <a:extLst>
-              <a:ext uri="{FF2B5EF4-FFF2-40B4-BE49-F238E27FC236}">
-                <a16:creationId xmlns:a16="http://schemas.microsoft.com/office/drawing/2014/main" id="{4C04EBA8-FA10-A6F6-99A4-AE640DE100BB}"/>
-              </a:ext>
-            </a:extLst>
-          </p:cNvPr>
-          <p:cNvPicPr>
-            <a:picLocks noChangeAspect="1"/>
-          </p:cNvPicPr>
-          <p:nvPr/>
-        </p:nvPicPr>
-        <p:blipFill>
-          <a:blip r:embed="rId10">
-            <a:extLst>
-              <a:ext uri="{28A0092B-C50C-407E-A947-70E740481C1C}">
-                <a14:useLocalDpi xmlns:a14="http://schemas.microsoft.com/office/drawing/2010/main"/>
-              </a:ext>
-              <a:ext uri="{96DAC541-7B7A-43D3-8B79-37D633B846F1}">
-                <asvg:svgBlip xmlns:asvg="http://schemas.microsoft.com/office/drawing/2016/SVG/main" r:embed="rId11"/>
-              </a:ext>
-            </a:extLst>
-          </a:blip>
-          <a:stretch>
-            <a:fillRect/>
-          </a:stretch>
-        </p:blipFill>
-        <p:spPr>
-          <a:xfrm>
-            <a:off x="5219776" y="2044512"/>
-            <a:ext cx="1943063" cy="1943063"/>
-          </a:xfrm>
-          <a:prstGeom prst="rect">
-            <a:avLst/>
-          </a:prstGeom>
-        </p:spPr>
-      </p:pic>
     </p:spTree>
     <p:extLst>
       <p:ext uri="{BB962C8B-B14F-4D97-AF65-F5344CB8AC3E}">
@@ -8723,332 +8334,6 @@
       </p:transition>
     </mc:Fallback>
   </mc:AlternateContent>
-  <p:timing>
-    <p:tnLst>
-      <p:par>
-        <p:cTn id="1" dur="indefinite" restart="never" nodeType="tmRoot">
-          <p:childTnLst>
-            <p:seq concurrent="1" nextAc="seek">
-              <p:cTn id="2" dur="indefinite" nodeType="mainSeq">
-                <p:childTnLst>
-                  <p:par>
-                    <p:cTn id="3" fill="hold">
-                      <p:stCondLst>
-                        <p:cond delay="indefinite"/>
-                      </p:stCondLst>
-                      <p:childTnLst>
-                        <p:par>
-                          <p:cTn id="4" fill="hold">
-                            <p:stCondLst>
-                              <p:cond delay="0"/>
-                            </p:stCondLst>
-                            <p:childTnLst>
-                              <p:par>
-                                <p:cTn id="5" presetID="26" presetClass="entr" presetSubtype="0" fill="hold" nodeType="clickEffect">
-                                  <p:stCondLst>
-                                    <p:cond delay="0"/>
-                                  </p:stCondLst>
-                                  <p:childTnLst>
-                                    <p:set>
-                                      <p:cBhvr>
-                                        <p:cTn id="6" dur="1" fill="hold">
-                                          <p:stCondLst>
-                                            <p:cond delay="0"/>
-                                          </p:stCondLst>
-                                        </p:cTn>
-                                        <p:tgtEl>
-                                          <p:spTgt spid="23"/>
-                                        </p:tgtEl>
-                                        <p:attrNameLst>
-                                          <p:attrName>style.visibility</p:attrName>
-                                        </p:attrNameLst>
-                                      </p:cBhvr>
-                                      <p:to>
-                                        <p:strVal val="visible"/>
-                                      </p:to>
-                                    </p:set>
-                                    <p:animEffect transition="in" filter="wipe(down)">
-                                      <p:cBhvr>
-                                        <p:cTn id="7" dur="580">
-                                          <p:stCondLst>
-                                            <p:cond delay="0"/>
-                                          </p:stCondLst>
-                                        </p:cTn>
-                                        <p:tgtEl>
-                                          <p:spTgt spid="23"/>
-                                        </p:tgtEl>
-                                      </p:cBhvr>
-                                    </p:animEffect>
-                                    <p:anim calcmode="lin" valueType="num">
-                                      <p:cBhvr>
-                                        <p:cTn id="8" dur="1822" tmFilter="0,0; 0.14,0.36; 0.43,0.73; 0.71,0.91; 1.0,1.0">
-                                          <p:stCondLst>
-                                            <p:cond delay="0"/>
-                                          </p:stCondLst>
-                                        </p:cTn>
-                                        <p:tgtEl>
-                                          <p:spTgt spid="23"/>
-                                        </p:tgtEl>
-                                        <p:attrNameLst>
-                                          <p:attrName>ppt_x</p:attrName>
-                                        </p:attrNameLst>
-                                      </p:cBhvr>
-                                      <p:tavLst>
-                                        <p:tav tm="0">
-                                          <p:val>
-                                            <p:strVal val="#ppt_x-0.25"/>
-                                          </p:val>
-                                        </p:tav>
-                                        <p:tav tm="100000">
-                                          <p:val>
-                                            <p:strVal val="#ppt_x"/>
-                                          </p:val>
-                                        </p:tav>
-                                      </p:tavLst>
-                                    </p:anim>
-                                    <p:anim calcmode="lin" valueType="num">
-                                      <p:cBhvr>
-                                        <p:cTn id="9" dur="664" tmFilter="0.0,0.0; 0.25,0.07; 0.50,0.2; 0.75,0.467; 1.0,1.0">
-                                          <p:stCondLst>
-                                            <p:cond delay="0"/>
-                                          </p:stCondLst>
-                                        </p:cTn>
-                                        <p:tgtEl>
-                                          <p:spTgt spid="23"/>
-                                        </p:tgtEl>
-                                        <p:attrNameLst>
-                                          <p:attrName>ppt_y</p:attrName>
-                                        </p:attrNameLst>
-                                      </p:cBhvr>
-                                      <p:tavLst>
-                                        <p:tav tm="0" fmla="#ppt_y-sin(pi*$)/3">
-                                          <p:val>
-                                            <p:fltVal val="0.5"/>
-                                          </p:val>
-                                        </p:tav>
-                                        <p:tav tm="100000">
-                                          <p:val>
-                                            <p:fltVal val="1"/>
-                                          </p:val>
-                                        </p:tav>
-                                      </p:tavLst>
-                                    </p:anim>
-                                    <p:anim calcmode="lin" valueType="num">
-                                      <p:cBhvr>
-                                        <p:cTn id="10" dur="664" tmFilter="0, 0; 0.125,0.2665; 0.25,0.4; 0.375,0.465; 0.5,0.5;  0.625,0.535; 0.75,0.6; 0.875,0.7335; 1,1">
-                                          <p:stCondLst>
-                                            <p:cond delay="664"/>
-                                          </p:stCondLst>
-                                        </p:cTn>
-                                        <p:tgtEl>
-                                          <p:spTgt spid="23"/>
-                                        </p:tgtEl>
-                                        <p:attrNameLst>
-                                          <p:attrName>ppt_y</p:attrName>
-                                        </p:attrNameLst>
-                                      </p:cBhvr>
-                                      <p:tavLst>
-                                        <p:tav tm="0" fmla="#ppt_y-sin(pi*$)/9">
-                                          <p:val>
-                                            <p:fltVal val="0"/>
-                                          </p:val>
-                                        </p:tav>
-                                        <p:tav tm="100000">
-                                          <p:val>
-                                            <p:fltVal val="1"/>
-                                          </p:val>
-                                        </p:tav>
-                                      </p:tavLst>
-                                    </p:anim>
-                                    <p:anim calcmode="lin" valueType="num">
-                                      <p:cBhvr>
-                                        <p:cTn id="11" dur="332" tmFilter="0, 0; 0.125,0.2665; 0.25,0.4; 0.375,0.465; 0.5,0.5;  0.625,0.535; 0.75,0.6; 0.875,0.7335; 1,1">
-                                          <p:stCondLst>
-                                            <p:cond delay="1324"/>
-                                          </p:stCondLst>
-                                        </p:cTn>
-                                        <p:tgtEl>
-                                          <p:spTgt spid="23"/>
-                                        </p:tgtEl>
-                                        <p:attrNameLst>
-                                          <p:attrName>ppt_y</p:attrName>
-                                        </p:attrNameLst>
-                                      </p:cBhvr>
-                                      <p:tavLst>
-                                        <p:tav tm="0" fmla="#ppt_y-sin(pi*$)/27">
-                                          <p:val>
-                                            <p:fltVal val="0"/>
-                                          </p:val>
-                                        </p:tav>
-                                        <p:tav tm="100000">
-                                          <p:val>
-                                            <p:fltVal val="1"/>
-                                          </p:val>
-                                        </p:tav>
-                                      </p:tavLst>
-                                    </p:anim>
-                                    <p:anim calcmode="lin" valueType="num">
-                                      <p:cBhvr>
-                                        <p:cTn id="12" dur="164" tmFilter="0, 0; 0.125,0.2665; 0.25,0.4; 0.375,0.465; 0.5,0.5;  0.625,0.535; 0.75,0.6; 0.875,0.7335; 1,1">
-                                          <p:stCondLst>
-                                            <p:cond delay="1656"/>
-                                          </p:stCondLst>
-                                        </p:cTn>
-                                        <p:tgtEl>
-                                          <p:spTgt spid="23"/>
-                                        </p:tgtEl>
-                                        <p:attrNameLst>
-                                          <p:attrName>ppt_y</p:attrName>
-                                        </p:attrNameLst>
-                                      </p:cBhvr>
-                                      <p:tavLst>
-                                        <p:tav tm="0" fmla="#ppt_y-sin(pi*$)/81">
-                                          <p:val>
-                                            <p:fltVal val="0"/>
-                                          </p:val>
-                                        </p:tav>
-                                        <p:tav tm="100000">
-                                          <p:val>
-                                            <p:fltVal val="1"/>
-                                          </p:val>
-                                        </p:tav>
-                                      </p:tavLst>
-                                    </p:anim>
-                                    <p:animScale>
-                                      <p:cBhvr>
-                                        <p:cTn id="13" dur="26">
-                                          <p:stCondLst>
-                                            <p:cond delay="650"/>
-                                          </p:stCondLst>
-                                        </p:cTn>
-                                        <p:tgtEl>
-                                          <p:spTgt spid="23"/>
-                                        </p:tgtEl>
-                                      </p:cBhvr>
-                                      <p:to x="100000" y="60000"/>
-                                    </p:animScale>
-                                    <p:animScale>
-                                      <p:cBhvr>
-                                        <p:cTn id="14" dur="166" decel="50000">
-                                          <p:stCondLst>
-                                            <p:cond delay="676"/>
-                                          </p:stCondLst>
-                                        </p:cTn>
-                                        <p:tgtEl>
-                                          <p:spTgt spid="23"/>
-                                        </p:tgtEl>
-                                      </p:cBhvr>
-                                      <p:to x="100000" y="100000"/>
-                                    </p:animScale>
-                                    <p:animScale>
-                                      <p:cBhvr>
-                                        <p:cTn id="15" dur="26">
-                                          <p:stCondLst>
-                                            <p:cond delay="1312"/>
-                                          </p:stCondLst>
-                                        </p:cTn>
-                                        <p:tgtEl>
-                                          <p:spTgt spid="23"/>
-                                        </p:tgtEl>
-                                      </p:cBhvr>
-                                      <p:to x="100000" y="80000"/>
-                                    </p:animScale>
-                                    <p:animScale>
-                                      <p:cBhvr>
-                                        <p:cTn id="16" dur="166" decel="50000">
-                                          <p:stCondLst>
-                                            <p:cond delay="1338"/>
-                                          </p:stCondLst>
-                                        </p:cTn>
-                                        <p:tgtEl>
-                                          <p:spTgt spid="23"/>
-                                        </p:tgtEl>
-                                      </p:cBhvr>
-                                      <p:to x="100000" y="100000"/>
-                                    </p:animScale>
-                                    <p:animScale>
-                                      <p:cBhvr>
-                                        <p:cTn id="17" dur="26">
-                                          <p:stCondLst>
-                                            <p:cond delay="1642"/>
-                                          </p:stCondLst>
-                                        </p:cTn>
-                                        <p:tgtEl>
-                                          <p:spTgt spid="23"/>
-                                        </p:tgtEl>
-                                      </p:cBhvr>
-                                      <p:to x="100000" y="90000"/>
-                                    </p:animScale>
-                                    <p:animScale>
-                                      <p:cBhvr>
-                                        <p:cTn id="18" dur="166" decel="50000">
-                                          <p:stCondLst>
-                                            <p:cond delay="1668"/>
-                                          </p:stCondLst>
-                                        </p:cTn>
-                                        <p:tgtEl>
-                                          <p:spTgt spid="23"/>
-                                        </p:tgtEl>
-                                      </p:cBhvr>
-                                      <p:to x="100000" y="100000"/>
-                                    </p:animScale>
-                                    <p:animScale>
-                                      <p:cBhvr>
-                                        <p:cTn id="19" dur="26">
-                                          <p:stCondLst>
-                                            <p:cond delay="1808"/>
-                                          </p:stCondLst>
-                                        </p:cTn>
-                                        <p:tgtEl>
-                                          <p:spTgt spid="23"/>
-                                        </p:tgtEl>
-                                      </p:cBhvr>
-                                      <p:to x="100000" y="95000"/>
-                                    </p:animScale>
-                                    <p:animScale>
-                                      <p:cBhvr>
-                                        <p:cTn id="20" dur="166" decel="50000">
-                                          <p:stCondLst>
-                                            <p:cond delay="1834"/>
-                                          </p:stCondLst>
-                                        </p:cTn>
-                                        <p:tgtEl>
-                                          <p:spTgt spid="23"/>
-                                        </p:tgtEl>
-                                      </p:cBhvr>
-                                      <p:to x="100000" y="100000"/>
-                                    </p:animScale>
-                                  </p:childTnLst>
-                                </p:cTn>
-                              </p:par>
-                            </p:childTnLst>
-                          </p:cTn>
-                        </p:par>
-                      </p:childTnLst>
-                    </p:cTn>
-                  </p:par>
-                </p:childTnLst>
-              </p:cTn>
-              <p:prevCondLst>
-                <p:cond evt="onPrev" delay="0">
-                  <p:tgtEl>
-                    <p:sldTgt/>
-                  </p:tgtEl>
-                </p:cond>
-              </p:prevCondLst>
-              <p:nextCondLst>
-                <p:cond evt="onNext" delay="0">
-                  <p:tgtEl>
-                    <p:sldTgt/>
-                  </p:tgtEl>
-                </p:cond>
-              </p:nextCondLst>
-            </p:seq>
-          </p:childTnLst>
-        </p:cTn>
-      </p:par>
-    </p:tnLst>
-  </p:timing>
 </p:sld>
 </file>
 
@@ -9268,45 +8553,6 @@
           <a:xfrm>
             <a:off x="4446640" y="1303020"/>
             <a:ext cx="7300450" cy="4961355"/>
-          </a:xfrm>
-          <a:prstGeom prst="rect">
-            <a:avLst/>
-          </a:prstGeom>
-        </p:spPr>
-      </p:pic>
-      <p:pic>
-        <p:nvPicPr>
-          <p:cNvPr id="6" name="Graphic 5" descr="Badge 1 with solid fill">
-            <a:extLst>
-              <a:ext uri="{FF2B5EF4-FFF2-40B4-BE49-F238E27FC236}">
-                <a16:creationId xmlns:a16="http://schemas.microsoft.com/office/drawing/2014/main" id="{6FE38323-47F8-DE10-8652-251D2FD8E0F5}"/>
-              </a:ext>
-            </a:extLst>
-          </p:cNvPr>
-          <p:cNvPicPr>
-            <a:picLocks noChangeAspect="1"/>
-          </p:cNvPicPr>
-          <p:nvPr/>
-        </p:nvPicPr>
-        <p:blipFill>
-          <a:blip r:embed="rId4">
-            <a:extLst>
-              <a:ext uri="{28A0092B-C50C-407E-A947-70E740481C1C}">
-                <a14:useLocalDpi xmlns:a14="http://schemas.microsoft.com/office/drawing/2010/main" val="0"/>
-              </a:ext>
-              <a:ext uri="{96DAC541-7B7A-43D3-8B79-37D633B846F1}">
-                <asvg:svgBlip xmlns:asvg="http://schemas.microsoft.com/office/drawing/2016/SVG/main" r:embed="rId5"/>
-              </a:ext>
-            </a:extLst>
-          </a:blip>
-          <a:stretch>
-            <a:fillRect/>
-          </a:stretch>
-        </p:blipFill>
-        <p:spPr>
-          <a:xfrm>
-            <a:off x="1617592" y="256545"/>
-            <a:ext cx="1800000" cy="1800000"/>
           </a:xfrm>
           <a:prstGeom prst="rect">
             <a:avLst/>
@@ -9591,7 +8837,7 @@
         <p:spPr>
           <a:xfrm>
             <a:off x="1386348" y="1768095"/>
-            <a:ext cx="2905433" cy="2585323"/>
+            <a:ext cx="2905433" cy="2308324"/>
           </a:xfrm>
           <a:prstGeom prst="rect">
             <a:avLst/>
@@ -9629,18 +8875,15 @@
             </a:r>
           </a:p>
           <a:p>
-            <a:endParaRPr lang="en-GB" dirty="0"/>
+            <a:r>
+              <a:rPr lang="en-GB" dirty="0"/>
+              <a:t>	</a:t>
+            </a:r>
           </a:p>
           <a:p>
             <a:r>
               <a:rPr lang="en-GB" dirty="0"/>
               <a:t>Install Gateways</a:t>
-            </a:r>
-          </a:p>
-          <a:p>
-            <a:r>
-              <a:rPr lang="en-GB" dirty="0"/>
-              <a:t>	</a:t>
             </a:r>
           </a:p>
           <a:p>
@@ -9719,17 +8962,17 @@
           <a:p>
             <a:r>
               <a:rPr lang="en-GB" dirty="0"/>
-              <a:t>Build a vending machine so people can see what is available</a:t>
+              <a:t>Build a workspace for usage monitoring</a:t>
             </a:r>
           </a:p>
         </p:txBody>
       </p:sp>
       <p:pic>
         <p:nvPicPr>
-          <p:cNvPr id="17" name="Picture 16" descr="A vending machine with snacks">
+          <p:cNvPr id="6" name="Picture 5">
             <a:extLst>
               <a:ext uri="{FF2B5EF4-FFF2-40B4-BE49-F238E27FC236}">
-                <a16:creationId xmlns:a16="http://schemas.microsoft.com/office/drawing/2014/main" id="{10729E93-73A6-404C-780D-44E4B32FB8EF}"/>
+                <a16:creationId xmlns:a16="http://schemas.microsoft.com/office/drawing/2014/main" id="{550575CA-C064-C462-62A3-F5E8C13254F8}"/>
               </a:ext>
             </a:extLst>
           </p:cNvPr>
@@ -9744,9 +8987,6 @@
               <a:ext uri="{28A0092B-C50C-407E-A947-70E740481C1C}">
                 <a14:useLocalDpi xmlns:a14="http://schemas.microsoft.com/office/drawing/2010/main"/>
               </a:ext>
-              <a:ext uri="{837473B0-CC2E-450A-ABE3-18F120FF3D39}">
-                <a1611:picAttrSrcUrl xmlns:a1611="http://schemas.microsoft.com/office/drawing/2016/11/main" r:id="rId4"/>
-              </a:ext>
             </a:extLst>
           </a:blip>
           <a:stretch>
@@ -9755,54 +8995,8 @@
         </p:blipFill>
         <p:spPr>
           <a:xfrm>
-            <a:off x="5243299" y="2255520"/>
-            <a:ext cx="5191760" cy="3893820"/>
-          </a:xfrm>
-          <a:prstGeom prst="rect">
-            <a:avLst/>
-          </a:prstGeom>
-          <a:effectLst>
-            <a:outerShdw blurRad="76200" dir="13500000" sy="23000" kx="1200000" algn="br" rotWithShape="0">
-              <a:prstClr val="black">
-                <a:alpha val="20000"/>
-              </a:prstClr>
-            </a:outerShdw>
-          </a:effectLst>
-        </p:spPr>
-      </p:pic>
-      <p:pic>
-        <p:nvPicPr>
-          <p:cNvPr id="3" name="Graphic 2" descr="Badge with solid fill">
-            <a:extLst>
-              <a:ext uri="{FF2B5EF4-FFF2-40B4-BE49-F238E27FC236}">
-                <a16:creationId xmlns:a16="http://schemas.microsoft.com/office/drawing/2014/main" id="{B7E6DCD7-4F60-477D-3538-4EA1221AC2B1}"/>
-              </a:ext>
-            </a:extLst>
-          </p:cNvPr>
-          <p:cNvPicPr>
-            <a:picLocks noChangeAspect="1"/>
-          </p:cNvPicPr>
-          <p:nvPr/>
-        </p:nvPicPr>
-        <p:blipFill>
-          <a:blip r:embed="rId5">
-            <a:extLst>
-              <a:ext uri="{28A0092B-C50C-407E-A947-70E740481C1C}">
-                <a14:useLocalDpi xmlns:a14="http://schemas.microsoft.com/office/drawing/2010/main" val="0"/>
-              </a:ext>
-              <a:ext uri="{96DAC541-7B7A-43D3-8B79-37D633B846F1}">
-                <asvg:svgBlip xmlns:asvg="http://schemas.microsoft.com/office/drawing/2016/SVG/main" r:embed="rId6"/>
-              </a:ext>
-            </a:extLst>
-          </a:blip>
-          <a:stretch>
-            <a:fillRect/>
-          </a:stretch>
-        </p:blipFill>
-        <p:spPr>
-          <a:xfrm>
-            <a:off x="1584407" y="97143"/>
-            <a:ext cx="1800000" cy="1800000"/>
+            <a:off x="5681273" y="2270759"/>
+            <a:ext cx="5276093" cy="3910091"/>
           </a:xfrm>
           <a:prstGeom prst="rect">
             <a:avLst/>
@@ -9812,7 +9006,7 @@
     </p:spTree>
     <p:extLst>
       <p:ext uri="{BB962C8B-B14F-4D97-AF65-F5344CB8AC3E}">
-        <p14:creationId xmlns:p14="http://schemas.microsoft.com/office/powerpoint/2010/main" val="2338279733"/>
+        <p14:creationId xmlns:p14="http://schemas.microsoft.com/office/powerpoint/2010/main" val="926860425"/>
       </p:ext>
     </p:extLst>
   </p:cSld>
@@ -9913,315 +9107,6 @@
         <p:spPr>
           <a:xfrm>
             <a:off x="1386348" y="1768095"/>
-            <a:ext cx="2905433" cy="2308324"/>
-          </a:xfrm>
-          <a:prstGeom prst="rect">
-            <a:avLst/>
-          </a:prstGeom>
-          <a:noFill/>
-        </p:spPr>
-        <p:txBody>
-          <a:bodyPr wrap="square">
-            <a:spAutoFit/>
-          </a:bodyPr>
-          <a:lstStyle/>
-          <a:p>
-            <a:endParaRPr lang="en-GB" b="1" dirty="0"/>
-          </a:p>
-          <a:p>
-            <a:endParaRPr lang="en-GB" dirty="0"/>
-          </a:p>
-          <a:p>
-            <a:r>
-              <a:rPr lang="en-GB" dirty="0">
-                <a:solidFill>
-                  <a:schemeClr val="bg1"/>
-                </a:solidFill>
-              </a:rPr>
-              <a:t>Create workspaces</a:t>
-            </a:r>
-          </a:p>
-          <a:p>
-            <a:endParaRPr lang="en-GB" dirty="0"/>
-          </a:p>
-          <a:p>
-            <a:r>
-              <a:rPr lang="en-GB" dirty="0"/>
-              <a:t>Build admin reports</a:t>
-            </a:r>
-          </a:p>
-          <a:p>
-            <a:r>
-              <a:rPr lang="en-GB" dirty="0"/>
-              <a:t>	</a:t>
-            </a:r>
-          </a:p>
-          <a:p>
-            <a:r>
-              <a:rPr lang="en-GB" dirty="0"/>
-              <a:t>Install Gateways</a:t>
-            </a:r>
-          </a:p>
-          <a:p>
-            <a:endParaRPr lang="en-GB" dirty="0"/>
-          </a:p>
-        </p:txBody>
-      </p:sp>
-      <p:cxnSp>
-        <p:nvCxnSpPr>
-          <p:cNvPr id="8" name="Straight Connector 7">
-            <a:extLst>
-              <a:ext uri="{FF2B5EF4-FFF2-40B4-BE49-F238E27FC236}">
-                <a16:creationId xmlns:a16="http://schemas.microsoft.com/office/drawing/2014/main" id="{0BBC3B1F-DDBC-BDE6-E35B-840BAC628D15}"/>
-              </a:ext>
-            </a:extLst>
-          </p:cNvPr>
-          <p:cNvCxnSpPr/>
-          <p:nvPr/>
-        </p:nvCxnSpPr>
-        <p:spPr>
-          <a:xfrm>
-            <a:off x="4277032" y="1768095"/>
-            <a:ext cx="0" cy="2585323"/>
-          </a:xfrm>
-          <a:prstGeom prst="line">
-            <a:avLst/>
-          </a:prstGeom>
-          <a:ln w="28575">
-            <a:solidFill>
-              <a:srgbClr val="C00000"/>
-            </a:solidFill>
-          </a:ln>
-        </p:spPr>
-        <p:style>
-          <a:lnRef idx="1">
-            <a:schemeClr val="accent1"/>
-          </a:lnRef>
-          <a:fillRef idx="0">
-            <a:schemeClr val="accent1"/>
-          </a:fillRef>
-          <a:effectRef idx="0">
-            <a:schemeClr val="accent1"/>
-          </a:effectRef>
-          <a:fontRef idx="minor">
-            <a:schemeClr val="tx1"/>
-          </a:fontRef>
-        </p:style>
-      </p:cxnSp>
-      <p:sp>
-        <p:nvSpPr>
-          <p:cNvPr id="11" name="TextBox 10">
-            <a:extLst>
-              <a:ext uri="{FF2B5EF4-FFF2-40B4-BE49-F238E27FC236}">
-                <a16:creationId xmlns:a16="http://schemas.microsoft.com/office/drawing/2014/main" id="{93D96092-7228-EF8F-3449-713B0DCD53F9}"/>
-              </a:ext>
-            </a:extLst>
-          </p:cNvPr>
-          <p:cNvSpPr txBox="1"/>
-          <p:nvPr/>
-        </p:nvSpPr>
-        <p:spPr>
-          <a:xfrm>
-            <a:off x="4446640" y="1704271"/>
-            <a:ext cx="7745360" cy="369332"/>
-          </a:xfrm>
-          <a:prstGeom prst="rect">
-            <a:avLst/>
-          </a:prstGeom>
-          <a:noFill/>
-        </p:spPr>
-        <p:txBody>
-          <a:bodyPr wrap="square">
-            <a:spAutoFit/>
-          </a:bodyPr>
-          <a:lstStyle/>
-          <a:p>
-            <a:r>
-              <a:rPr lang="en-GB" dirty="0"/>
-              <a:t>Build a workspace for usage monitoring</a:t>
-            </a:r>
-          </a:p>
-        </p:txBody>
-      </p:sp>
-      <p:pic>
-        <p:nvPicPr>
-          <p:cNvPr id="6" name="Picture 5">
-            <a:extLst>
-              <a:ext uri="{FF2B5EF4-FFF2-40B4-BE49-F238E27FC236}">
-                <a16:creationId xmlns:a16="http://schemas.microsoft.com/office/drawing/2014/main" id="{550575CA-C064-C462-62A3-F5E8C13254F8}"/>
-              </a:ext>
-            </a:extLst>
-          </p:cNvPr>
-          <p:cNvPicPr>
-            <a:picLocks noChangeAspect="1"/>
-          </p:cNvPicPr>
-          <p:nvPr/>
-        </p:nvPicPr>
-        <p:blipFill>
-          <a:blip r:embed="rId3" cstate="email">
-            <a:extLst>
-              <a:ext uri="{28A0092B-C50C-407E-A947-70E740481C1C}">
-                <a14:useLocalDpi xmlns:a14="http://schemas.microsoft.com/office/drawing/2010/main"/>
-              </a:ext>
-            </a:extLst>
-          </a:blip>
-          <a:stretch>
-            <a:fillRect/>
-          </a:stretch>
-        </p:blipFill>
-        <p:spPr>
-          <a:xfrm>
-            <a:off x="5681273" y="2270759"/>
-            <a:ext cx="5276093" cy="3910091"/>
-          </a:xfrm>
-          <a:prstGeom prst="rect">
-            <a:avLst/>
-          </a:prstGeom>
-        </p:spPr>
-      </p:pic>
-      <p:pic>
-        <p:nvPicPr>
-          <p:cNvPr id="3" name="Graphic 2" descr="Badge with solid fill">
-            <a:extLst>
-              <a:ext uri="{FF2B5EF4-FFF2-40B4-BE49-F238E27FC236}">
-                <a16:creationId xmlns:a16="http://schemas.microsoft.com/office/drawing/2014/main" id="{B805FF59-25C1-1A85-F91A-6E19CF4CC12B}"/>
-              </a:ext>
-            </a:extLst>
-          </p:cNvPr>
-          <p:cNvPicPr>
-            <a:picLocks noChangeAspect="1"/>
-          </p:cNvPicPr>
-          <p:nvPr/>
-        </p:nvPicPr>
-        <p:blipFill>
-          <a:blip r:embed="rId4">
-            <a:extLst>
-              <a:ext uri="{28A0092B-C50C-407E-A947-70E740481C1C}">
-                <a14:useLocalDpi xmlns:a14="http://schemas.microsoft.com/office/drawing/2010/main" val="0"/>
-              </a:ext>
-              <a:ext uri="{96DAC541-7B7A-43D3-8B79-37D633B846F1}">
-                <asvg:svgBlip xmlns:asvg="http://schemas.microsoft.com/office/drawing/2016/SVG/main" r:embed="rId5"/>
-              </a:ext>
-            </a:extLst>
-          </a:blip>
-          <a:stretch>
-            <a:fillRect/>
-          </a:stretch>
-        </p:blipFill>
-        <p:spPr>
-          <a:xfrm>
-            <a:off x="1584407" y="97143"/>
-            <a:ext cx="1800000" cy="1800000"/>
-          </a:xfrm>
-          <a:prstGeom prst="rect">
-            <a:avLst/>
-          </a:prstGeom>
-        </p:spPr>
-      </p:pic>
-    </p:spTree>
-    <p:extLst>
-      <p:ext uri="{BB962C8B-B14F-4D97-AF65-F5344CB8AC3E}">
-        <p14:creationId xmlns:p14="http://schemas.microsoft.com/office/powerpoint/2010/main" val="926860425"/>
-      </p:ext>
-    </p:extLst>
-  </p:cSld>
-  <p:clrMapOvr>
-    <a:masterClrMapping/>
-  </p:clrMapOvr>
-  <p:transition>
-    <p:fade/>
-  </p:transition>
-</p:sld>
-</file>
-
-<file path=ppt/slides/slide19.xml><?xml version="1.0" encoding="utf-8"?>
-<p:sld xmlns:a="http://schemas.openxmlformats.org/drawingml/2006/main" xmlns:r="http://schemas.openxmlformats.org/officeDocument/2006/relationships" xmlns:p="http://schemas.openxmlformats.org/presentationml/2006/main">
-  <p:cSld>
-    <p:spTree>
-      <p:nvGrpSpPr>
-        <p:cNvPr id="1" name=""/>
-        <p:cNvGrpSpPr/>
-        <p:nvPr/>
-      </p:nvGrpSpPr>
-      <p:grpSpPr>
-        <a:xfrm>
-          <a:off x="0" y="0"/>
-          <a:ext cx="0" cy="0"/>
-          <a:chOff x="0" y="0"/>
-          <a:chExt cx="0" cy="0"/>
-        </a:xfrm>
-      </p:grpSpPr>
-      <p:sp>
-        <p:nvSpPr>
-          <p:cNvPr id="2" name="Rectangle 1">
-            <a:extLst>
-              <a:ext uri="{FF2B5EF4-FFF2-40B4-BE49-F238E27FC236}">
-                <a16:creationId xmlns:a16="http://schemas.microsoft.com/office/drawing/2014/main" id="{CCA9979E-D658-1347-6EE3-07ABF94E530B}"/>
-              </a:ext>
-            </a:extLst>
-          </p:cNvPr>
-          <p:cNvSpPr/>
-          <p:nvPr/>
-        </p:nvSpPr>
-        <p:spPr>
-          <a:xfrm>
-            <a:off x="1386348" y="2333440"/>
-            <a:ext cx="2617839" cy="317090"/>
-          </a:xfrm>
-          <a:prstGeom prst="rect">
-            <a:avLst/>
-          </a:prstGeom>
-          <a:solidFill>
-            <a:schemeClr val="accent1"/>
-          </a:solidFill>
-          <a:ln>
-            <a:noFill/>
-          </a:ln>
-        </p:spPr>
-        <p:style>
-          <a:lnRef idx="2">
-            <a:schemeClr val="accent1">
-              <a:shade val="50000"/>
-            </a:schemeClr>
-          </a:lnRef>
-          <a:fillRef idx="1">
-            <a:schemeClr val="accent1"/>
-          </a:fillRef>
-          <a:effectRef idx="0">
-            <a:schemeClr val="accent1"/>
-          </a:effectRef>
-          <a:fontRef idx="minor">
-            <a:schemeClr val="lt1"/>
-          </a:fontRef>
-        </p:style>
-        <p:txBody>
-          <a:bodyPr rtlCol="0" anchor="ctr"/>
-          <a:lstStyle/>
-          <a:p>
-            <a:pPr algn="ctr"/>
-            <a:endParaRPr lang="en-GB" sz="1400" dirty="0">
-              <a:solidFill>
-                <a:schemeClr val="bg1"/>
-              </a:solidFill>
-            </a:endParaRPr>
-          </a:p>
-        </p:txBody>
-      </p:sp>
-      <p:sp>
-        <p:nvSpPr>
-          <p:cNvPr id="4" name="TextBox 3">
-            <a:extLst>
-              <a:ext uri="{FF2B5EF4-FFF2-40B4-BE49-F238E27FC236}">
-                <a16:creationId xmlns:a16="http://schemas.microsoft.com/office/drawing/2014/main" id="{87A0529C-3363-11EF-EC4D-EA461D4AD240}"/>
-              </a:ext>
-            </a:extLst>
-          </p:cNvPr>
-          <p:cNvSpPr txBox="1"/>
-          <p:nvPr/>
-        </p:nvSpPr>
-        <p:spPr>
-          <a:xfrm>
-            <a:off x="1386348" y="1768095"/>
             <a:ext cx="2905433" cy="2585323"/>
           </a:xfrm>
           <a:prstGeom prst="rect">
@@ -10410,297 +9295,7 @@
 </p:sld>
 </file>
 
-<file path=ppt/slides/slide2.xml><?xml version="1.0" encoding="utf-8"?>
-<p:sld xmlns:a="http://schemas.openxmlformats.org/drawingml/2006/main" xmlns:r="http://schemas.openxmlformats.org/officeDocument/2006/relationships" xmlns:p="http://schemas.openxmlformats.org/presentationml/2006/main">
-  <p:cSld>
-    <p:spTree>
-      <p:nvGrpSpPr>
-        <p:cNvPr id="1" name=""/>
-        <p:cNvGrpSpPr/>
-        <p:nvPr/>
-      </p:nvGrpSpPr>
-      <p:grpSpPr>
-        <a:xfrm>
-          <a:off x="0" y="0"/>
-          <a:ext cx="0" cy="0"/>
-          <a:chOff x="0" y="0"/>
-          <a:chExt cx="0" cy="0"/>
-        </a:xfrm>
-      </p:grpSpPr>
-      <p:sp>
-        <p:nvSpPr>
-          <p:cNvPr id="2" name="TextBox 1">
-            <a:extLst>
-              <a:ext uri="{FF2B5EF4-FFF2-40B4-BE49-F238E27FC236}">
-                <a16:creationId xmlns:a16="http://schemas.microsoft.com/office/drawing/2014/main" id="{B743D43F-9878-C25C-48D6-67FC103BCF32}"/>
-              </a:ext>
-            </a:extLst>
-          </p:cNvPr>
-          <p:cNvSpPr txBox="1"/>
-          <p:nvPr/>
-        </p:nvSpPr>
-        <p:spPr>
-          <a:xfrm>
-            <a:off x="2223319" y="86034"/>
-            <a:ext cx="7745362" cy="1172497"/>
-          </a:xfrm>
-          <a:prstGeom prst="rect">
-            <a:avLst/>
-          </a:prstGeom>
-          <a:noFill/>
-        </p:spPr>
-        <p:txBody>
-          <a:bodyPr wrap="none" lIns="0" tIns="0" rIns="0" bIns="0" rtlCol="0">
-            <a:noAutofit/>
-          </a:bodyPr>
-          <a:lstStyle/>
-          <a:p>
-            <a:pPr algn="l"/>
-            <a:r>
-              <a:rPr lang="en-GB" sz="7200" dirty="0">
-                <a:solidFill>
-                  <a:schemeClr val="tx2"/>
-                </a:solidFill>
-                <a:latin typeface="Western" panose="02000500000000000000" pitchFamily="2" charset="0"/>
-              </a:rPr>
-              <a:t>Respect my Authority!</a:t>
-            </a:r>
-          </a:p>
-        </p:txBody>
-      </p:sp>
-      <p:pic>
-        <p:nvPicPr>
-          <p:cNvPr id="1026" name="Picture 2">
-            <a:extLst>
-              <a:ext uri="{FF2B5EF4-FFF2-40B4-BE49-F238E27FC236}">
-                <a16:creationId xmlns:a16="http://schemas.microsoft.com/office/drawing/2014/main" id="{3790D5E8-6E9F-5A94-0E75-246431438A43}"/>
-              </a:ext>
-            </a:extLst>
-          </p:cNvPr>
-          <p:cNvPicPr>
-            <a:picLocks noChangeAspect="1" noChangeArrowheads="1"/>
-          </p:cNvPicPr>
-          <p:nvPr/>
-        </p:nvPicPr>
-        <p:blipFill>
-          <a:blip r:embed="rId3" cstate="email">
-            <a:extLst>
-              <a:ext uri="{28A0092B-C50C-407E-A947-70E740481C1C}">
-                <a14:useLocalDpi xmlns:a14="http://schemas.microsoft.com/office/drawing/2010/main"/>
-              </a:ext>
-            </a:extLst>
-          </a:blip>
-          <a:srcRect/>
-          <a:stretch>
-            <a:fillRect/>
-          </a:stretch>
-        </p:blipFill>
-        <p:spPr bwMode="auto">
-          <a:xfrm>
-            <a:off x="4199604" y="1258531"/>
-            <a:ext cx="3792792" cy="3792792"/>
-          </a:xfrm>
-          <a:prstGeom prst="rect">
-            <a:avLst/>
-          </a:prstGeom>
-          <a:noFill/>
-          <a:extLst>
-            <a:ext uri="{909E8E84-426E-40DD-AFC4-6F175D3DCCD1}">
-              <a14:hiddenFill xmlns:a14="http://schemas.microsoft.com/office/drawing/2010/main">
-                <a:solidFill>
-                  <a:srgbClr val="FFFFFF"/>
-                </a:solidFill>
-              </a14:hiddenFill>
-            </a:ext>
-          </a:extLst>
-        </p:spPr>
-      </p:pic>
-      <p:sp>
-        <p:nvSpPr>
-          <p:cNvPr id="3" name="TextBox 2">
-            <a:extLst>
-              <a:ext uri="{FF2B5EF4-FFF2-40B4-BE49-F238E27FC236}">
-                <a16:creationId xmlns:a16="http://schemas.microsoft.com/office/drawing/2014/main" id="{77426AEB-3548-8EFD-DB6A-C76D643D3468}"/>
-              </a:ext>
-            </a:extLst>
-          </p:cNvPr>
-          <p:cNvSpPr txBox="1"/>
-          <p:nvPr/>
-        </p:nvSpPr>
-        <p:spPr>
-          <a:xfrm>
-            <a:off x="2223319" y="5206181"/>
-            <a:ext cx="7745362" cy="636641"/>
-          </a:xfrm>
-          <a:prstGeom prst="rect">
-            <a:avLst/>
-          </a:prstGeom>
-          <a:noFill/>
-        </p:spPr>
-        <p:txBody>
-          <a:bodyPr wrap="none" lIns="0" tIns="0" rIns="0" bIns="0" rtlCol="0">
-            <a:noAutofit/>
-          </a:bodyPr>
-          <a:lstStyle/>
-          <a:p>
-            <a:pPr algn="ctr"/>
-            <a:r>
-              <a:rPr lang="en-GB" sz="4000" dirty="0">
-                <a:solidFill>
-                  <a:schemeClr val="tx2"/>
-                </a:solidFill>
-                <a:latin typeface="Kanit" pitchFamily="2" charset="-34"/>
-                <a:ea typeface="KaiTi" panose="02010609060101010101" pitchFamily="49" charset="-122"/>
-                <a:cs typeface="Kanit" pitchFamily="2" charset="-34"/>
-              </a:rPr>
-              <a:t>A Power BI Admin’s Roadmap</a:t>
-            </a:r>
-          </a:p>
-          <a:p>
-            <a:pPr algn="ctr"/>
-            <a:r>
-              <a:rPr lang="en-GB" sz="4000" dirty="0">
-                <a:solidFill>
-                  <a:schemeClr val="tx2"/>
-                </a:solidFill>
-                <a:latin typeface="Kanit" pitchFamily="2" charset="-34"/>
-                <a:ea typeface="KaiTi" panose="02010609060101010101" pitchFamily="49" charset="-122"/>
-                <a:cs typeface="Kanit" pitchFamily="2" charset="-34"/>
-              </a:rPr>
-              <a:t>for adoption success</a:t>
-            </a:r>
-          </a:p>
-        </p:txBody>
-      </p:sp>
-      <p:sp>
-        <p:nvSpPr>
-          <p:cNvPr id="4" name="Rectangle 3">
-            <a:extLst>
-              <a:ext uri="{FF2B5EF4-FFF2-40B4-BE49-F238E27FC236}">
-                <a16:creationId xmlns:a16="http://schemas.microsoft.com/office/drawing/2014/main" id="{8786AAE4-FC2F-9097-CBBB-E344DA716C7F}"/>
-              </a:ext>
-            </a:extLst>
-          </p:cNvPr>
-          <p:cNvSpPr/>
-          <p:nvPr/>
-        </p:nvSpPr>
-        <p:spPr>
-          <a:xfrm>
-            <a:off x="10987548" y="6363929"/>
-            <a:ext cx="700549" cy="376084"/>
-          </a:xfrm>
-          <a:prstGeom prst="rect">
-            <a:avLst/>
-          </a:prstGeom>
-          <a:solidFill>
-            <a:srgbClr val="BFBFBF"/>
-          </a:solidFill>
-          <a:ln>
-            <a:noFill/>
-          </a:ln>
-        </p:spPr>
-        <p:style>
-          <a:lnRef idx="2">
-            <a:schemeClr val="accent1">
-              <a:shade val="50000"/>
-            </a:schemeClr>
-          </a:lnRef>
-          <a:fillRef idx="1">
-            <a:schemeClr val="accent1"/>
-          </a:fillRef>
-          <a:effectRef idx="0">
-            <a:schemeClr val="accent1"/>
-          </a:effectRef>
-          <a:fontRef idx="minor">
-            <a:schemeClr val="lt1"/>
-          </a:fontRef>
-        </p:style>
-        <p:txBody>
-          <a:bodyPr rtlCol="0" anchor="ctr"/>
-          <a:lstStyle/>
-          <a:p>
-            <a:pPr algn="ctr"/>
-            <a:endParaRPr lang="en-GB" sz="1400" dirty="0">
-              <a:solidFill>
-                <a:schemeClr val="bg1"/>
-              </a:solidFill>
-            </a:endParaRPr>
-          </a:p>
-        </p:txBody>
-      </p:sp>
-      <p:sp>
-        <p:nvSpPr>
-          <p:cNvPr id="5" name="Equals 4">
-            <a:extLst>
-              <a:ext uri="{FF2B5EF4-FFF2-40B4-BE49-F238E27FC236}">
-                <a16:creationId xmlns:a16="http://schemas.microsoft.com/office/drawing/2014/main" id="{B3C39181-B579-7759-6D07-42E57EEEF5A3}"/>
-              </a:ext>
-            </a:extLst>
-          </p:cNvPr>
-          <p:cNvSpPr/>
-          <p:nvPr/>
-        </p:nvSpPr>
-        <p:spPr>
-          <a:xfrm>
-            <a:off x="872614" y="479323"/>
-            <a:ext cx="10446774" cy="535855"/>
-          </a:xfrm>
-          <a:prstGeom prst="mathEqual">
-            <a:avLst/>
-          </a:prstGeom>
-          <a:solidFill>
-            <a:srgbClr val="C00000"/>
-          </a:solidFill>
-          <a:ln>
-            <a:noFill/>
-          </a:ln>
-        </p:spPr>
-        <p:style>
-          <a:lnRef idx="2">
-            <a:schemeClr val="accent1">
-              <a:shade val="50000"/>
-            </a:schemeClr>
-          </a:lnRef>
-          <a:fillRef idx="1">
-            <a:schemeClr val="accent1"/>
-          </a:fillRef>
-          <a:effectRef idx="0">
-            <a:schemeClr val="accent1"/>
-          </a:effectRef>
-          <a:fontRef idx="minor">
-            <a:schemeClr val="lt1"/>
-          </a:fontRef>
-        </p:style>
-        <p:txBody>
-          <a:bodyPr rtlCol="0" anchor="ctr"/>
-          <a:lstStyle/>
-          <a:p>
-            <a:pPr algn="ctr"/>
-            <a:endParaRPr lang="en-GB" sz="1400" dirty="0">
-              <a:solidFill>
-                <a:schemeClr val="bg1"/>
-              </a:solidFill>
-            </a:endParaRPr>
-          </a:p>
-        </p:txBody>
-      </p:sp>
-    </p:spTree>
-    <p:extLst>
-      <p:ext uri="{BB962C8B-B14F-4D97-AF65-F5344CB8AC3E}">
-        <p14:creationId xmlns:p14="http://schemas.microsoft.com/office/powerpoint/2010/main" val="1009424962"/>
-      </p:ext>
-    </p:extLst>
-  </p:cSld>
-  <p:clrMapOvr>
-    <a:masterClrMapping/>
-  </p:clrMapOvr>
-  <p:transition>
-    <p:fade/>
-  </p:transition>
-</p:sld>
-</file>
-
-<file path=ppt/slides/slide20.xml><?xml version="1.0" encoding="utf-8"?>
+<file path=ppt/slides/slide19.xml><?xml version="1.0" encoding="utf-8"?>
 <p:sld xmlns:a="http://schemas.openxmlformats.org/drawingml/2006/main" xmlns:r="http://schemas.openxmlformats.org/officeDocument/2006/relationships" xmlns:p="http://schemas.openxmlformats.org/presentationml/2006/main">
   <p:cSld>
     <p:spTree>
@@ -11035,7 +9630,7 @@
 </p:sld>
 </file>
 
-<file path=ppt/slides/slide21.xml><?xml version="1.0" encoding="utf-8"?>
+<file path=ppt/slides/slide2.xml><?xml version="1.0" encoding="utf-8"?>
 <p:sld xmlns:a="http://schemas.openxmlformats.org/drawingml/2006/main" xmlns:r="http://schemas.openxmlformats.org/officeDocument/2006/relationships" xmlns:p="http://schemas.openxmlformats.org/presentationml/2006/main">
   <p:cSld>
     <p:spTree>
@@ -11054,66 +9649,10 @@
       </p:grpSpPr>
       <p:sp>
         <p:nvSpPr>
-          <p:cNvPr id="2" name="Rectangle 1">
+          <p:cNvPr id="2" name="TextBox 1">
             <a:extLst>
               <a:ext uri="{FF2B5EF4-FFF2-40B4-BE49-F238E27FC236}">
-                <a16:creationId xmlns:a16="http://schemas.microsoft.com/office/drawing/2014/main" id="{CCA9979E-D658-1347-6EE3-07ABF94E530B}"/>
-              </a:ext>
-            </a:extLst>
-          </p:cNvPr>
-          <p:cNvSpPr/>
-          <p:nvPr/>
-        </p:nvSpPr>
-        <p:spPr>
-          <a:xfrm>
-            <a:off x="1386348" y="2333440"/>
-            <a:ext cx="2617839" cy="317090"/>
-          </a:xfrm>
-          <a:prstGeom prst="rect">
-            <a:avLst/>
-          </a:prstGeom>
-          <a:solidFill>
-            <a:schemeClr val="accent1"/>
-          </a:solidFill>
-          <a:ln>
-            <a:noFill/>
-          </a:ln>
-        </p:spPr>
-        <p:style>
-          <a:lnRef idx="2">
-            <a:schemeClr val="accent1">
-              <a:shade val="50000"/>
-            </a:schemeClr>
-          </a:lnRef>
-          <a:fillRef idx="1">
-            <a:schemeClr val="accent1"/>
-          </a:fillRef>
-          <a:effectRef idx="0">
-            <a:schemeClr val="accent1"/>
-          </a:effectRef>
-          <a:fontRef idx="minor">
-            <a:schemeClr val="lt1"/>
-          </a:fontRef>
-        </p:style>
-        <p:txBody>
-          <a:bodyPr rtlCol="0" anchor="ctr"/>
-          <a:lstStyle/>
-          <a:p>
-            <a:pPr algn="ctr"/>
-            <a:endParaRPr lang="en-GB" sz="1400" dirty="0">
-              <a:solidFill>
-                <a:schemeClr val="bg1"/>
-              </a:solidFill>
-            </a:endParaRPr>
-          </a:p>
-        </p:txBody>
-      </p:sp>
-      <p:sp>
-        <p:nvSpPr>
-          <p:cNvPr id="4" name="TextBox 3">
-            <a:extLst>
-              <a:ext uri="{FF2B5EF4-FFF2-40B4-BE49-F238E27FC236}">
-                <a16:creationId xmlns:a16="http://schemas.microsoft.com/office/drawing/2014/main" id="{87A0529C-3363-11EF-EC4D-EA461D4AD240}"/>
+                <a16:creationId xmlns:a16="http://schemas.microsoft.com/office/drawing/2014/main" id="{B743D43F-9878-C25C-48D6-67FC103BCF32}"/>
               </a:ext>
             </a:extLst>
           </p:cNvPr>
@@ -11122,8 +9661,8 @@
         </p:nvSpPr>
         <p:spPr>
           <a:xfrm>
-            <a:off x="1386348" y="1768095"/>
-            <a:ext cx="2905433" cy="2585323"/>
+            <a:off x="2223319" y="86034"/>
+            <a:ext cx="7745362" cy="1172497"/>
           </a:xfrm>
           <a:prstGeom prst="rect">
             <a:avLst/>
@@ -11131,2161 +9670,24 @@
           <a:noFill/>
         </p:spPr>
         <p:txBody>
-          <a:bodyPr wrap="square">
-            <a:spAutoFit/>
+          <a:bodyPr wrap="none" lIns="0" tIns="0" rIns="0" bIns="0" rtlCol="0">
+            <a:noAutofit/>
           </a:bodyPr>
           <a:lstStyle/>
           <a:p>
-            <a:endParaRPr lang="en-GB" b="1" dirty="0"/>
-          </a:p>
-          <a:p>
-            <a:endParaRPr lang="en-GB" dirty="0"/>
-          </a:p>
-          <a:p>
-            <a:r>
-              <a:rPr lang="en-GB" dirty="0">
+            <a:pPr algn="l"/>
+            <a:r>
+              <a:rPr lang="en-GB" sz="7200" dirty="0">
                 <a:solidFill>
-                  <a:schemeClr val="bg1"/>
+                  <a:schemeClr val="tx2"/>
                 </a:solidFill>
+                <a:latin typeface="Western" panose="02000500000000000000" pitchFamily="2" charset="0"/>
               </a:rPr>
-              <a:t>Create workspaces</a:t>
-            </a:r>
-          </a:p>
-          <a:p>
-            <a:endParaRPr lang="en-GB" dirty="0"/>
-          </a:p>
-          <a:p>
-            <a:r>
-              <a:rPr lang="en-GB" dirty="0"/>
-              <a:t>Build admin reports</a:t>
-            </a:r>
-          </a:p>
-          <a:p>
-            <a:endParaRPr lang="en-GB" dirty="0"/>
-          </a:p>
-          <a:p>
-            <a:r>
-              <a:rPr lang="en-GB" dirty="0"/>
-              <a:t>Install Gateways</a:t>
-            </a:r>
-          </a:p>
-          <a:p>
-            <a:r>
-              <a:rPr lang="en-GB" dirty="0"/>
-              <a:t>	</a:t>
-            </a:r>
-          </a:p>
-          <a:p>
-            <a:endParaRPr lang="en-GB" dirty="0"/>
+              <a:t>Respect my Authority!</a:t>
+            </a:r>
           </a:p>
         </p:txBody>
       </p:sp>
-      <p:cxnSp>
-        <p:nvCxnSpPr>
-          <p:cNvPr id="8" name="Straight Connector 7">
-            <a:extLst>
-              <a:ext uri="{FF2B5EF4-FFF2-40B4-BE49-F238E27FC236}">
-                <a16:creationId xmlns:a16="http://schemas.microsoft.com/office/drawing/2014/main" id="{0BBC3B1F-DDBC-BDE6-E35B-840BAC628D15}"/>
-              </a:ext>
-            </a:extLst>
-          </p:cNvPr>
-          <p:cNvCxnSpPr/>
-          <p:nvPr/>
-        </p:nvCxnSpPr>
-        <p:spPr>
-          <a:xfrm>
-            <a:off x="4277032" y="1768095"/>
-            <a:ext cx="0" cy="2585323"/>
-          </a:xfrm>
-          <a:prstGeom prst="line">
-            <a:avLst/>
-          </a:prstGeom>
-          <a:ln w="28575">
-            <a:solidFill>
-              <a:srgbClr val="C00000"/>
-            </a:solidFill>
-          </a:ln>
-        </p:spPr>
-        <p:style>
-          <a:lnRef idx="1">
-            <a:schemeClr val="accent1"/>
-          </a:lnRef>
-          <a:fillRef idx="0">
-            <a:schemeClr val="accent1"/>
-          </a:fillRef>
-          <a:effectRef idx="0">
-            <a:schemeClr val="accent1"/>
-          </a:effectRef>
-          <a:fontRef idx="minor">
-            <a:schemeClr val="tx1"/>
-          </a:fontRef>
-        </p:style>
-      </p:cxnSp>
-      <p:sp>
-        <p:nvSpPr>
-          <p:cNvPr id="11" name="TextBox 10">
-            <a:extLst>
-              <a:ext uri="{FF2B5EF4-FFF2-40B4-BE49-F238E27FC236}">
-                <a16:creationId xmlns:a16="http://schemas.microsoft.com/office/drawing/2014/main" id="{93D96092-7228-EF8F-3449-713B0DCD53F9}"/>
-              </a:ext>
-            </a:extLst>
-          </p:cNvPr>
-          <p:cNvSpPr txBox="1"/>
-          <p:nvPr/>
-        </p:nvSpPr>
-        <p:spPr>
-          <a:xfrm>
-            <a:off x="4446640" y="1704271"/>
-            <a:ext cx="7745360" cy="369332"/>
-          </a:xfrm>
-          <a:prstGeom prst="rect">
-            <a:avLst/>
-          </a:prstGeom>
-          <a:noFill/>
-        </p:spPr>
-        <p:txBody>
-          <a:bodyPr wrap="square">
-            <a:spAutoFit/>
-          </a:bodyPr>
-          <a:lstStyle/>
-          <a:p>
-            <a:r>
-              <a:rPr lang="en-GB" dirty="0"/>
-              <a:t>The door is open – come and see what we can do together!</a:t>
-            </a:r>
-          </a:p>
-        </p:txBody>
-      </p:sp>
-    </p:spTree>
-    <p:extLst>
-      <p:ext uri="{BB962C8B-B14F-4D97-AF65-F5344CB8AC3E}">
-        <p14:creationId xmlns:p14="http://schemas.microsoft.com/office/powerpoint/2010/main" val="69409716"/>
-      </p:ext>
-    </p:extLst>
-  </p:cSld>
-  <p:clrMapOvr>
-    <a:masterClrMapping/>
-  </p:clrMapOvr>
-  <p:transition>
-    <p:fade/>
-  </p:transition>
-</p:sld>
-</file>
-
-<file path=ppt/slides/slide22.xml><?xml version="1.0" encoding="utf-8"?>
-<p:sld xmlns:a="http://schemas.openxmlformats.org/drawingml/2006/main" xmlns:r="http://schemas.openxmlformats.org/officeDocument/2006/relationships" xmlns:p="http://schemas.openxmlformats.org/presentationml/2006/main">
-  <p:cSld>
-    <p:spTree>
-      <p:nvGrpSpPr>
-        <p:cNvPr id="1" name=""/>
-        <p:cNvGrpSpPr/>
-        <p:nvPr/>
-      </p:nvGrpSpPr>
-      <p:grpSpPr>
-        <a:xfrm>
-          <a:off x="0" y="0"/>
-          <a:ext cx="0" cy="0"/>
-          <a:chOff x="0" y="0"/>
-          <a:chExt cx="0" cy="0"/>
-        </a:xfrm>
-      </p:grpSpPr>
-      <p:sp>
-        <p:nvSpPr>
-          <p:cNvPr id="2" name="Rectangle 1">
-            <a:extLst>
-              <a:ext uri="{FF2B5EF4-FFF2-40B4-BE49-F238E27FC236}">
-                <a16:creationId xmlns:a16="http://schemas.microsoft.com/office/drawing/2014/main" id="{CCA9979E-D658-1347-6EE3-07ABF94E530B}"/>
-              </a:ext>
-            </a:extLst>
-          </p:cNvPr>
-          <p:cNvSpPr/>
-          <p:nvPr/>
-        </p:nvSpPr>
-        <p:spPr>
-          <a:xfrm>
-            <a:off x="1386348" y="2920180"/>
-            <a:ext cx="2617839" cy="317090"/>
-          </a:xfrm>
-          <a:prstGeom prst="rect">
-            <a:avLst/>
-          </a:prstGeom>
-          <a:solidFill>
-            <a:schemeClr val="accent1"/>
-          </a:solidFill>
-          <a:ln>
-            <a:noFill/>
-          </a:ln>
-        </p:spPr>
-        <p:style>
-          <a:lnRef idx="2">
-            <a:schemeClr val="accent1">
-              <a:shade val="50000"/>
-            </a:schemeClr>
-          </a:lnRef>
-          <a:fillRef idx="1">
-            <a:schemeClr val="accent1"/>
-          </a:fillRef>
-          <a:effectRef idx="0">
-            <a:schemeClr val="accent1"/>
-          </a:effectRef>
-          <a:fontRef idx="minor">
-            <a:schemeClr val="lt1"/>
-          </a:fontRef>
-        </p:style>
-        <p:txBody>
-          <a:bodyPr rtlCol="0" anchor="ctr"/>
-          <a:lstStyle/>
-          <a:p>
-            <a:pPr algn="ctr"/>
-            <a:endParaRPr lang="en-GB" sz="1400" dirty="0">
-              <a:solidFill>
-                <a:schemeClr val="bg1"/>
-              </a:solidFill>
-            </a:endParaRPr>
-          </a:p>
-        </p:txBody>
-      </p:sp>
-      <p:sp>
-        <p:nvSpPr>
-          <p:cNvPr id="4" name="TextBox 3">
-            <a:extLst>
-              <a:ext uri="{FF2B5EF4-FFF2-40B4-BE49-F238E27FC236}">
-                <a16:creationId xmlns:a16="http://schemas.microsoft.com/office/drawing/2014/main" id="{87A0529C-3363-11EF-EC4D-EA461D4AD240}"/>
-              </a:ext>
-            </a:extLst>
-          </p:cNvPr>
-          <p:cNvSpPr txBox="1"/>
-          <p:nvPr/>
-        </p:nvSpPr>
-        <p:spPr>
-          <a:xfrm>
-            <a:off x="1386348" y="1768095"/>
-            <a:ext cx="2905433" cy="2308324"/>
-          </a:xfrm>
-          <a:prstGeom prst="rect">
-            <a:avLst/>
-          </a:prstGeom>
-          <a:noFill/>
-        </p:spPr>
-        <p:txBody>
-          <a:bodyPr wrap="square">
-            <a:spAutoFit/>
-          </a:bodyPr>
-          <a:lstStyle/>
-          <a:p>
-            <a:endParaRPr lang="en-GB" b="1" dirty="0"/>
-          </a:p>
-          <a:p>
-            <a:endParaRPr lang="en-GB" dirty="0"/>
-          </a:p>
-          <a:p>
-            <a:r>
-              <a:rPr lang="en-GB" dirty="0"/>
-              <a:t>Create admin workspace</a:t>
-            </a:r>
-          </a:p>
-          <a:p>
-            <a:endParaRPr lang="en-GB" dirty="0"/>
-          </a:p>
-          <a:p>
-            <a:r>
-              <a:rPr lang="en-GB" dirty="0">
-                <a:solidFill>
-                  <a:schemeClr val="bg1"/>
-                </a:solidFill>
-              </a:rPr>
-              <a:t>Build admin reports</a:t>
-            </a:r>
-          </a:p>
-          <a:p>
-            <a:endParaRPr lang="en-GB" dirty="0"/>
-          </a:p>
-          <a:p>
-            <a:r>
-              <a:rPr lang="en-GB" dirty="0"/>
-              <a:t>Install Gateways</a:t>
-            </a:r>
-          </a:p>
-          <a:p>
-            <a:endParaRPr lang="en-GB" dirty="0"/>
-          </a:p>
-        </p:txBody>
-      </p:sp>
-      <p:cxnSp>
-        <p:nvCxnSpPr>
-          <p:cNvPr id="8" name="Straight Connector 7">
-            <a:extLst>
-              <a:ext uri="{FF2B5EF4-FFF2-40B4-BE49-F238E27FC236}">
-                <a16:creationId xmlns:a16="http://schemas.microsoft.com/office/drawing/2014/main" id="{0BBC3B1F-DDBC-BDE6-E35B-840BAC628D15}"/>
-              </a:ext>
-            </a:extLst>
-          </p:cNvPr>
-          <p:cNvCxnSpPr/>
-          <p:nvPr/>
-        </p:nvCxnSpPr>
-        <p:spPr>
-          <a:xfrm>
-            <a:off x="4277032" y="1768095"/>
-            <a:ext cx="0" cy="2585323"/>
-          </a:xfrm>
-          <a:prstGeom prst="line">
-            <a:avLst/>
-          </a:prstGeom>
-          <a:ln w="28575">
-            <a:solidFill>
-              <a:srgbClr val="C00000"/>
-            </a:solidFill>
-          </a:ln>
-        </p:spPr>
-        <p:style>
-          <a:lnRef idx="1">
-            <a:schemeClr val="accent1"/>
-          </a:lnRef>
-          <a:fillRef idx="0">
-            <a:schemeClr val="accent1"/>
-          </a:fillRef>
-          <a:effectRef idx="0">
-            <a:schemeClr val="accent1"/>
-          </a:effectRef>
-          <a:fontRef idx="minor">
-            <a:schemeClr val="tx1"/>
-          </a:fontRef>
-        </p:style>
-      </p:cxnSp>
-      <p:sp>
-        <p:nvSpPr>
-          <p:cNvPr id="3" name="TextBox 2">
-            <a:extLst>
-              <a:ext uri="{FF2B5EF4-FFF2-40B4-BE49-F238E27FC236}">
-                <a16:creationId xmlns:a16="http://schemas.microsoft.com/office/drawing/2014/main" id="{433405E0-F3D4-CEFB-3B12-4A2A91193DE7}"/>
-              </a:ext>
-            </a:extLst>
-          </p:cNvPr>
-          <p:cNvSpPr txBox="1"/>
-          <p:nvPr/>
-        </p:nvSpPr>
-        <p:spPr>
-          <a:xfrm>
-            <a:off x="4446640" y="1704271"/>
-            <a:ext cx="7745360" cy="4342856"/>
-          </a:xfrm>
-          <a:prstGeom prst="rect">
-            <a:avLst/>
-          </a:prstGeom>
-          <a:noFill/>
-        </p:spPr>
-        <p:txBody>
-          <a:bodyPr wrap="square">
-            <a:spAutoFit/>
-          </a:bodyPr>
-          <a:lstStyle/>
-          <a:p>
-            <a:r>
-              <a:rPr lang="en-GB" dirty="0"/>
-              <a:t>Can you answer these questions?</a:t>
-            </a:r>
-          </a:p>
-          <a:p>
-            <a:endParaRPr lang="en-GB" dirty="0"/>
-          </a:p>
-          <a:p>
-            <a:pPr marL="285750" indent="-285750">
-              <a:lnSpc>
-                <a:spcPct val="150000"/>
-              </a:lnSpc>
-              <a:buFont typeface="Arial" panose="020B0604020202020204" pitchFamily="34" charset="0"/>
-              <a:buChar char="•"/>
-            </a:pPr>
-            <a:r>
-              <a:rPr lang="en-GB" dirty="0"/>
-              <a:t>Who are most active users</a:t>
-            </a:r>
-          </a:p>
-          <a:p>
-            <a:pPr marL="285750" indent="-285750">
-              <a:lnSpc>
-                <a:spcPct val="150000"/>
-              </a:lnSpc>
-              <a:buFont typeface="Arial" panose="020B0604020202020204" pitchFamily="34" charset="0"/>
-              <a:buChar char="•"/>
-            </a:pPr>
-            <a:r>
-              <a:rPr lang="en-GB" dirty="0"/>
-              <a:t>Which Reports/Workspaces/Datasets/Apps are used every day</a:t>
-            </a:r>
-          </a:p>
-          <a:p>
-            <a:pPr marL="285750" indent="-285750">
-              <a:lnSpc>
-                <a:spcPct val="150000"/>
-              </a:lnSpc>
-              <a:buFont typeface="Arial" panose="020B0604020202020204" pitchFamily="34" charset="0"/>
-              <a:buChar char="•"/>
-            </a:pPr>
-            <a:r>
-              <a:rPr lang="en-GB" dirty="0"/>
-              <a:t>How is content being shared &amp; distributed? Any content on My Workspace</a:t>
-            </a:r>
-          </a:p>
-          <a:p>
-            <a:pPr marL="285750" indent="-285750">
-              <a:lnSpc>
-                <a:spcPct val="150000"/>
-              </a:lnSpc>
-              <a:buFont typeface="Arial" panose="020B0604020202020204" pitchFamily="34" charset="0"/>
-              <a:buChar char="•"/>
-            </a:pPr>
-            <a:r>
-              <a:rPr lang="en-GB" dirty="0"/>
-              <a:t>Do your users access from Browser/Mobile/Excel? Which browser</a:t>
-            </a:r>
-          </a:p>
-          <a:p>
-            <a:pPr marL="285750" indent="-285750">
-              <a:lnSpc>
-                <a:spcPct val="150000"/>
-              </a:lnSpc>
-              <a:buFont typeface="Arial" panose="020B0604020202020204" pitchFamily="34" charset="0"/>
-              <a:buChar char="•"/>
-            </a:pPr>
-            <a:r>
-              <a:rPr lang="en-GB" dirty="0"/>
-              <a:t>Top used Data Source’s</a:t>
-            </a:r>
-          </a:p>
-          <a:p>
-            <a:pPr marL="285750" indent="-285750">
-              <a:lnSpc>
-                <a:spcPct val="150000"/>
-              </a:lnSpc>
-              <a:buFont typeface="Arial" panose="020B0604020202020204" pitchFamily="34" charset="0"/>
-              <a:buChar char="•"/>
-            </a:pPr>
-            <a:r>
-              <a:rPr lang="en-GB" dirty="0"/>
-              <a:t>How many distinct users (Per Month, Per day, Per hour)</a:t>
-            </a:r>
-          </a:p>
-          <a:p>
-            <a:pPr marL="285750" indent="-285750">
-              <a:lnSpc>
-                <a:spcPct val="150000"/>
-              </a:lnSpc>
-              <a:buFont typeface="Arial" panose="020B0604020202020204" pitchFamily="34" charset="0"/>
-              <a:buChar char="•"/>
-            </a:pPr>
-            <a:r>
-              <a:rPr lang="en-GB" dirty="0"/>
-              <a:t>Datasets/Reports not used recently</a:t>
-            </a:r>
-          </a:p>
-          <a:p>
-            <a:pPr marL="285750" indent="-285750">
-              <a:lnSpc>
-                <a:spcPct val="150000"/>
-              </a:lnSpc>
-              <a:buFont typeface="Arial" panose="020B0604020202020204" pitchFamily="34" charset="0"/>
-              <a:buChar char="•"/>
-            </a:pPr>
-            <a:r>
-              <a:rPr lang="en-GB" dirty="0"/>
-              <a:t>How many users with license don’t use Power BI in more than 3 months</a:t>
-            </a:r>
-          </a:p>
-          <a:p>
-            <a:pPr marL="285750" indent="-285750">
-              <a:lnSpc>
-                <a:spcPct val="150000"/>
-              </a:lnSpc>
-              <a:buFont typeface="Arial" panose="020B0604020202020204" pitchFamily="34" charset="0"/>
-              <a:buChar char="•"/>
-            </a:pPr>
-            <a:r>
-              <a:rPr lang="en-GB" dirty="0"/>
-              <a:t>Are developers following the naming conventions</a:t>
-            </a:r>
-          </a:p>
-        </p:txBody>
-      </p:sp>
-    </p:spTree>
-    <p:extLst>
-      <p:ext uri="{BB962C8B-B14F-4D97-AF65-F5344CB8AC3E}">
-        <p14:creationId xmlns:p14="http://schemas.microsoft.com/office/powerpoint/2010/main" val="764134790"/>
-      </p:ext>
-    </p:extLst>
-  </p:cSld>
-  <p:clrMapOvr>
-    <a:masterClrMapping/>
-  </p:clrMapOvr>
-  <p:transition>
-    <p:fade/>
-  </p:transition>
-</p:sld>
-</file>
-
-<file path=ppt/slides/slide23.xml><?xml version="1.0" encoding="utf-8"?>
-<p:sld xmlns:a="http://schemas.openxmlformats.org/drawingml/2006/main" xmlns:r="http://schemas.openxmlformats.org/officeDocument/2006/relationships" xmlns:p="http://schemas.openxmlformats.org/presentationml/2006/main">
-  <p:cSld>
-    <p:spTree>
-      <p:nvGrpSpPr>
-        <p:cNvPr id="1" name=""/>
-        <p:cNvGrpSpPr/>
-        <p:nvPr/>
-      </p:nvGrpSpPr>
-      <p:grpSpPr>
-        <a:xfrm>
-          <a:off x="0" y="0"/>
-          <a:ext cx="0" cy="0"/>
-          <a:chOff x="0" y="0"/>
-          <a:chExt cx="0" cy="0"/>
-        </a:xfrm>
-      </p:grpSpPr>
-      <p:sp>
-        <p:nvSpPr>
-          <p:cNvPr id="2" name="Rectangle 1">
-            <a:extLst>
-              <a:ext uri="{FF2B5EF4-FFF2-40B4-BE49-F238E27FC236}">
-                <a16:creationId xmlns:a16="http://schemas.microsoft.com/office/drawing/2014/main" id="{CCA9979E-D658-1347-6EE3-07ABF94E530B}"/>
-              </a:ext>
-            </a:extLst>
-          </p:cNvPr>
-          <p:cNvSpPr/>
-          <p:nvPr/>
-        </p:nvSpPr>
-        <p:spPr>
-          <a:xfrm>
-            <a:off x="1386348" y="3445960"/>
-            <a:ext cx="2617839" cy="317090"/>
-          </a:xfrm>
-          <a:prstGeom prst="rect">
-            <a:avLst/>
-          </a:prstGeom>
-          <a:solidFill>
-            <a:schemeClr val="accent1"/>
-          </a:solidFill>
-          <a:ln>
-            <a:noFill/>
-          </a:ln>
-        </p:spPr>
-        <p:style>
-          <a:lnRef idx="2">
-            <a:schemeClr val="accent1">
-              <a:shade val="50000"/>
-            </a:schemeClr>
-          </a:lnRef>
-          <a:fillRef idx="1">
-            <a:schemeClr val="accent1"/>
-          </a:fillRef>
-          <a:effectRef idx="0">
-            <a:schemeClr val="accent1"/>
-          </a:effectRef>
-          <a:fontRef idx="minor">
-            <a:schemeClr val="lt1"/>
-          </a:fontRef>
-        </p:style>
-        <p:txBody>
-          <a:bodyPr rtlCol="0" anchor="ctr"/>
-          <a:lstStyle/>
-          <a:p>
-            <a:pPr algn="ctr"/>
-            <a:endParaRPr lang="en-GB" sz="1400" dirty="0">
-              <a:solidFill>
-                <a:schemeClr val="bg1"/>
-              </a:solidFill>
-            </a:endParaRPr>
-          </a:p>
-        </p:txBody>
-      </p:sp>
-      <p:sp>
-        <p:nvSpPr>
-          <p:cNvPr id="4" name="TextBox 3">
-            <a:extLst>
-              <a:ext uri="{FF2B5EF4-FFF2-40B4-BE49-F238E27FC236}">
-                <a16:creationId xmlns:a16="http://schemas.microsoft.com/office/drawing/2014/main" id="{87A0529C-3363-11EF-EC4D-EA461D4AD240}"/>
-              </a:ext>
-            </a:extLst>
-          </p:cNvPr>
-          <p:cNvSpPr txBox="1"/>
-          <p:nvPr/>
-        </p:nvSpPr>
-        <p:spPr>
-          <a:xfrm>
-            <a:off x="1386348" y="1768095"/>
-            <a:ext cx="2905433" cy="2308324"/>
-          </a:xfrm>
-          <a:prstGeom prst="rect">
-            <a:avLst/>
-          </a:prstGeom>
-          <a:noFill/>
-        </p:spPr>
-        <p:txBody>
-          <a:bodyPr wrap="square">
-            <a:spAutoFit/>
-          </a:bodyPr>
-          <a:lstStyle/>
-          <a:p>
-            <a:endParaRPr lang="en-GB" b="1" dirty="0"/>
-          </a:p>
-          <a:p>
-            <a:endParaRPr lang="en-GB" dirty="0"/>
-          </a:p>
-          <a:p>
-            <a:r>
-              <a:rPr lang="en-GB" dirty="0"/>
-              <a:t>Create admin workspace</a:t>
-            </a:r>
-          </a:p>
-          <a:p>
-            <a:endParaRPr lang="en-GB" dirty="0"/>
-          </a:p>
-          <a:p>
-            <a:r>
-              <a:rPr lang="en-GB" dirty="0"/>
-              <a:t>Build admin reports</a:t>
-            </a:r>
-          </a:p>
-          <a:p>
-            <a:endParaRPr lang="en-GB" dirty="0"/>
-          </a:p>
-          <a:p>
-            <a:r>
-              <a:rPr lang="en-GB" dirty="0">
-                <a:solidFill>
-                  <a:schemeClr val="bg1"/>
-                </a:solidFill>
-              </a:rPr>
-              <a:t>Install Gateways</a:t>
-            </a:r>
-          </a:p>
-          <a:p>
-            <a:endParaRPr lang="en-GB" dirty="0"/>
-          </a:p>
-        </p:txBody>
-      </p:sp>
-      <p:cxnSp>
-        <p:nvCxnSpPr>
-          <p:cNvPr id="8" name="Straight Connector 7">
-            <a:extLst>
-              <a:ext uri="{FF2B5EF4-FFF2-40B4-BE49-F238E27FC236}">
-                <a16:creationId xmlns:a16="http://schemas.microsoft.com/office/drawing/2014/main" id="{0BBC3B1F-DDBC-BDE6-E35B-840BAC628D15}"/>
-              </a:ext>
-            </a:extLst>
-          </p:cNvPr>
-          <p:cNvCxnSpPr/>
-          <p:nvPr/>
-        </p:nvCxnSpPr>
-        <p:spPr>
-          <a:xfrm>
-            <a:off x="4277032" y="1768095"/>
-            <a:ext cx="0" cy="2585323"/>
-          </a:xfrm>
-          <a:prstGeom prst="line">
-            <a:avLst/>
-          </a:prstGeom>
-          <a:ln w="28575">
-            <a:solidFill>
-              <a:srgbClr val="C00000"/>
-            </a:solidFill>
-          </a:ln>
-        </p:spPr>
-        <p:style>
-          <a:lnRef idx="1">
-            <a:schemeClr val="accent1"/>
-          </a:lnRef>
-          <a:fillRef idx="0">
-            <a:schemeClr val="accent1"/>
-          </a:fillRef>
-          <a:effectRef idx="0">
-            <a:schemeClr val="accent1"/>
-          </a:effectRef>
-          <a:fontRef idx="minor">
-            <a:schemeClr val="tx1"/>
-          </a:fontRef>
-        </p:style>
-      </p:cxnSp>
-      <p:sp>
-        <p:nvSpPr>
-          <p:cNvPr id="3" name="TextBox 2">
-            <a:extLst>
-              <a:ext uri="{FF2B5EF4-FFF2-40B4-BE49-F238E27FC236}">
-                <a16:creationId xmlns:a16="http://schemas.microsoft.com/office/drawing/2014/main" id="{433405E0-F3D4-CEFB-3B12-4A2A91193DE7}"/>
-              </a:ext>
-            </a:extLst>
-          </p:cNvPr>
-          <p:cNvSpPr txBox="1"/>
-          <p:nvPr/>
-        </p:nvSpPr>
-        <p:spPr>
-          <a:xfrm>
-            <a:off x="4446640" y="1704271"/>
-            <a:ext cx="7745360" cy="369332"/>
-          </a:xfrm>
-          <a:prstGeom prst="rect">
-            <a:avLst/>
-          </a:prstGeom>
-          <a:noFill/>
-        </p:spPr>
-        <p:txBody>
-          <a:bodyPr wrap="square">
-            <a:spAutoFit/>
-          </a:bodyPr>
-          <a:lstStyle/>
-          <a:p>
-            <a:r>
-              <a:rPr lang="en-GB" dirty="0"/>
-              <a:t>Install and configure on-premises data gateways</a:t>
-            </a:r>
-          </a:p>
-        </p:txBody>
-      </p:sp>
-      <p:pic>
-        <p:nvPicPr>
-          <p:cNvPr id="6" name="Picture 5">
-            <a:extLst>
-              <a:ext uri="{FF2B5EF4-FFF2-40B4-BE49-F238E27FC236}">
-                <a16:creationId xmlns:a16="http://schemas.microsoft.com/office/drawing/2014/main" id="{C43C9D60-61E7-9007-903D-B16B8425980F}"/>
-              </a:ext>
-            </a:extLst>
-          </p:cNvPr>
-          <p:cNvPicPr>
-            <a:picLocks noChangeAspect="1"/>
-          </p:cNvPicPr>
-          <p:nvPr/>
-        </p:nvPicPr>
-        <p:blipFill rotWithShape="1">
-          <a:blip r:embed="rId3" cstate="email">
-            <a:extLst>
-              <a:ext uri="{28A0092B-C50C-407E-A947-70E740481C1C}">
-                <a14:useLocalDpi xmlns:a14="http://schemas.microsoft.com/office/drawing/2010/main"/>
-              </a:ext>
-            </a:extLst>
-          </a:blip>
-          <a:srcRect/>
-          <a:stretch/>
-        </p:blipFill>
-        <p:spPr>
-          <a:xfrm>
-            <a:off x="4564086" y="2133600"/>
-            <a:ext cx="7627914" cy="4272094"/>
-          </a:xfrm>
-          <a:prstGeom prst="rect">
-            <a:avLst/>
-          </a:prstGeom>
-        </p:spPr>
-      </p:pic>
-    </p:spTree>
-    <p:extLst>
-      <p:ext uri="{BB962C8B-B14F-4D97-AF65-F5344CB8AC3E}">
-        <p14:creationId xmlns:p14="http://schemas.microsoft.com/office/powerpoint/2010/main" val="2495047023"/>
-      </p:ext>
-    </p:extLst>
-  </p:cSld>
-  <p:clrMapOvr>
-    <a:masterClrMapping/>
-  </p:clrMapOvr>
-  <p:transition>
-    <p:fade/>
-  </p:transition>
-</p:sld>
-</file>
-
-<file path=ppt/slides/slide24.xml><?xml version="1.0" encoding="utf-8"?>
-<p:sld xmlns:a="http://schemas.openxmlformats.org/drawingml/2006/main" xmlns:r="http://schemas.openxmlformats.org/officeDocument/2006/relationships" xmlns:p="http://schemas.openxmlformats.org/presentationml/2006/main">
-  <p:cSld>
-    <p:spTree>
-      <p:nvGrpSpPr>
-        <p:cNvPr id="1" name=""/>
-        <p:cNvGrpSpPr/>
-        <p:nvPr/>
-      </p:nvGrpSpPr>
-      <p:grpSpPr>
-        <a:xfrm>
-          <a:off x="0" y="0"/>
-          <a:ext cx="0" cy="0"/>
-          <a:chOff x="0" y="0"/>
-          <a:chExt cx="0" cy="0"/>
-        </a:xfrm>
-      </p:grpSpPr>
-      <p:sp>
-        <p:nvSpPr>
-          <p:cNvPr id="2" name="Text Placeholder 1">
-            <a:extLst>
-              <a:ext uri="{FF2B5EF4-FFF2-40B4-BE49-F238E27FC236}">
-                <a16:creationId xmlns:a16="http://schemas.microsoft.com/office/drawing/2014/main" id="{2C8E99AA-41AD-7417-5BBA-31B37C5AB258}"/>
-              </a:ext>
-            </a:extLst>
-          </p:cNvPr>
-          <p:cNvSpPr>
-            <a:spLocks noGrp="1"/>
-          </p:cNvSpPr>
-          <p:nvPr>
-            <p:ph type="body" sz="quarter" idx="14"/>
-          </p:nvPr>
-        </p:nvSpPr>
-        <p:spPr/>
-        <p:txBody>
-          <a:bodyPr/>
-          <a:lstStyle/>
-          <a:p>
-            <a:r>
-              <a:rPr lang="en-GB" dirty="0"/>
-              <a:t>Week</a:t>
-            </a:r>
-          </a:p>
-        </p:txBody>
-      </p:sp>
-      <p:sp>
-        <p:nvSpPr>
-          <p:cNvPr id="3" name="Rectangle 2">
-            <a:extLst>
-              <a:ext uri="{FF2B5EF4-FFF2-40B4-BE49-F238E27FC236}">
-                <a16:creationId xmlns:a16="http://schemas.microsoft.com/office/drawing/2014/main" id="{1813A65F-0117-737B-56C8-DEA172684BE0}"/>
-              </a:ext>
-            </a:extLst>
-          </p:cNvPr>
-          <p:cNvSpPr/>
-          <p:nvPr/>
-        </p:nvSpPr>
-        <p:spPr>
-          <a:xfrm>
-            <a:off x="11308556" y="6472238"/>
-            <a:ext cx="328613" cy="242888"/>
-          </a:xfrm>
-          <a:prstGeom prst="rect">
-            <a:avLst/>
-          </a:prstGeom>
-          <a:solidFill>
-            <a:srgbClr val="006E51"/>
-          </a:solidFill>
-          <a:ln>
-            <a:noFill/>
-          </a:ln>
-        </p:spPr>
-        <p:style>
-          <a:lnRef idx="2">
-            <a:schemeClr val="accent1">
-              <a:shade val="50000"/>
-            </a:schemeClr>
-          </a:lnRef>
-          <a:fillRef idx="1">
-            <a:schemeClr val="accent1"/>
-          </a:fillRef>
-          <a:effectRef idx="0">
-            <a:schemeClr val="accent1"/>
-          </a:effectRef>
-          <a:fontRef idx="minor">
-            <a:schemeClr val="lt1"/>
-          </a:fontRef>
-        </p:style>
-        <p:txBody>
-          <a:bodyPr rtlCol="0" anchor="ctr"/>
-          <a:lstStyle/>
-          <a:p>
-            <a:pPr algn="ctr"/>
-            <a:endParaRPr lang="en-GB" sz="1400" dirty="0">
-              <a:solidFill>
-                <a:schemeClr val="bg1"/>
-              </a:solidFill>
-            </a:endParaRPr>
-          </a:p>
-        </p:txBody>
-      </p:sp>
-      <p:pic>
-        <p:nvPicPr>
-          <p:cNvPr id="6" name="Graphic 5" descr="Badge 3 with solid fill">
-            <a:extLst>
-              <a:ext uri="{FF2B5EF4-FFF2-40B4-BE49-F238E27FC236}">
-                <a16:creationId xmlns:a16="http://schemas.microsoft.com/office/drawing/2014/main" id="{2BAAACCE-E677-80FA-4F16-94D7964BE268}"/>
-              </a:ext>
-            </a:extLst>
-          </p:cNvPr>
-          <p:cNvPicPr>
-            <a:picLocks noChangeAspect="1"/>
-          </p:cNvPicPr>
-          <p:nvPr/>
-        </p:nvPicPr>
-        <p:blipFill>
-          <a:blip r:embed="rId3">
-            <a:extLst>
-              <a:ext uri="{28A0092B-C50C-407E-A947-70E740481C1C}">
-                <a14:useLocalDpi xmlns:a14="http://schemas.microsoft.com/office/drawing/2010/main" val="0"/>
-              </a:ext>
-              <a:ext uri="{96DAC541-7B7A-43D3-8B79-37D633B846F1}">
-                <asvg:svgBlip xmlns:asvg="http://schemas.microsoft.com/office/drawing/2016/SVG/main" r:embed="rId4"/>
-              </a:ext>
-            </a:extLst>
-          </a:blip>
-          <a:stretch>
-            <a:fillRect/>
-          </a:stretch>
-        </p:blipFill>
-        <p:spPr>
-          <a:xfrm>
-            <a:off x="4680154" y="1043000"/>
-            <a:ext cx="1800000" cy="1800000"/>
-          </a:xfrm>
-          <a:prstGeom prst="rect">
-            <a:avLst/>
-          </a:prstGeom>
-        </p:spPr>
-      </p:pic>
-    </p:spTree>
-    <p:extLst>
-      <p:ext uri="{BB962C8B-B14F-4D97-AF65-F5344CB8AC3E}">
-        <p14:creationId xmlns:p14="http://schemas.microsoft.com/office/powerpoint/2010/main" val="1008900287"/>
-      </p:ext>
-    </p:extLst>
-  </p:cSld>
-  <p:clrMapOvr>
-    <a:masterClrMapping/>
-  </p:clrMapOvr>
-  <mc:AlternateContent xmlns:mc="http://schemas.openxmlformats.org/markup-compatibility/2006" xmlns:p159="http://schemas.microsoft.com/office/powerpoint/2015/09/main">
-    <mc:Choice Requires="p159">
-      <p:transition xmlns:p14="http://schemas.microsoft.com/office/powerpoint/2010/main" spd="slow" p14:dur="2000">
-        <p159:morph option="byObject"/>
-      </p:transition>
-    </mc:Choice>
-    <mc:Fallback xmlns="">
-      <p:transition spd="slow">
-        <p:fade/>
-      </p:transition>
-    </mc:Fallback>
-  </mc:AlternateContent>
-</p:sld>
-</file>
-
-<file path=ppt/slides/slide25.xml><?xml version="1.0" encoding="utf-8"?>
-<p:sld xmlns:a="http://schemas.openxmlformats.org/drawingml/2006/main" xmlns:r="http://schemas.openxmlformats.org/officeDocument/2006/relationships" xmlns:p="http://schemas.openxmlformats.org/presentationml/2006/main">
-  <p:cSld>
-    <p:spTree>
-      <p:nvGrpSpPr>
-        <p:cNvPr id="1" name=""/>
-        <p:cNvGrpSpPr/>
-        <p:nvPr/>
-      </p:nvGrpSpPr>
-      <p:grpSpPr>
-        <a:xfrm>
-          <a:off x="0" y="0"/>
-          <a:ext cx="0" cy="0"/>
-          <a:chOff x="0" y="0"/>
-          <a:chExt cx="0" cy="0"/>
-        </a:xfrm>
-      </p:grpSpPr>
-      <p:sp>
-        <p:nvSpPr>
-          <p:cNvPr id="14" name="Rectangle 13">
-            <a:extLst>
-              <a:ext uri="{FF2B5EF4-FFF2-40B4-BE49-F238E27FC236}">
-                <a16:creationId xmlns:a16="http://schemas.microsoft.com/office/drawing/2014/main" id="{81BBD68C-029C-D89F-4EF3-F0CA05B7B4E3}"/>
-              </a:ext>
-            </a:extLst>
-          </p:cNvPr>
-          <p:cNvSpPr/>
-          <p:nvPr/>
-        </p:nvSpPr>
-        <p:spPr>
-          <a:xfrm>
-            <a:off x="1386348" y="2371540"/>
-            <a:ext cx="2617839" cy="317090"/>
-          </a:xfrm>
-          <a:prstGeom prst="rect">
-            <a:avLst/>
-          </a:prstGeom>
-          <a:solidFill>
-            <a:schemeClr val="accent1"/>
-          </a:solidFill>
-          <a:ln>
-            <a:noFill/>
-          </a:ln>
-        </p:spPr>
-        <p:style>
-          <a:lnRef idx="2">
-            <a:schemeClr val="accent1">
-              <a:shade val="50000"/>
-            </a:schemeClr>
-          </a:lnRef>
-          <a:fillRef idx="1">
-            <a:schemeClr val="accent1"/>
-          </a:fillRef>
-          <a:effectRef idx="0">
-            <a:schemeClr val="accent1"/>
-          </a:effectRef>
-          <a:fontRef idx="minor">
-            <a:schemeClr val="lt1"/>
-          </a:fontRef>
-        </p:style>
-        <p:txBody>
-          <a:bodyPr rtlCol="0" anchor="ctr"/>
-          <a:lstStyle/>
-          <a:p>
-            <a:pPr algn="ctr"/>
-            <a:endParaRPr lang="en-GB" sz="1400" dirty="0">
-              <a:solidFill>
-                <a:schemeClr val="bg1"/>
-              </a:solidFill>
-            </a:endParaRPr>
-          </a:p>
-        </p:txBody>
-      </p:sp>
-      <p:sp>
-        <p:nvSpPr>
-          <p:cNvPr id="11" name="TextBox 10">
-            <a:extLst>
-              <a:ext uri="{FF2B5EF4-FFF2-40B4-BE49-F238E27FC236}">
-                <a16:creationId xmlns:a16="http://schemas.microsoft.com/office/drawing/2014/main" id="{159C7409-A483-0053-8979-3FFC20315DF3}"/>
-              </a:ext>
-            </a:extLst>
-          </p:cNvPr>
-          <p:cNvSpPr txBox="1"/>
-          <p:nvPr/>
-        </p:nvSpPr>
-        <p:spPr>
-          <a:xfrm>
-            <a:off x="1386348" y="1768095"/>
-            <a:ext cx="2905433" cy="2308324"/>
-          </a:xfrm>
-          <a:prstGeom prst="rect">
-            <a:avLst/>
-          </a:prstGeom>
-          <a:noFill/>
-        </p:spPr>
-        <p:txBody>
-          <a:bodyPr wrap="square">
-            <a:spAutoFit/>
-          </a:bodyPr>
-          <a:lstStyle/>
-          <a:p>
-            <a:endParaRPr lang="en-GB" b="1" dirty="0"/>
-          </a:p>
-          <a:p>
-            <a:endParaRPr lang="en-GB" dirty="0"/>
-          </a:p>
-          <a:p>
-            <a:r>
-              <a:rPr lang="en-GB" dirty="0">
-                <a:solidFill>
-                  <a:schemeClr val="bg1"/>
-                </a:solidFill>
-              </a:rPr>
-              <a:t>Create team workspaces</a:t>
-            </a:r>
-          </a:p>
-          <a:p>
-            <a:endParaRPr lang="en-GB" dirty="0"/>
-          </a:p>
-          <a:p>
-            <a:r>
-              <a:rPr lang="en-GB" dirty="0"/>
-              <a:t>Publish data sources</a:t>
-            </a:r>
-          </a:p>
-          <a:p>
-            <a:endParaRPr lang="en-GB" dirty="0"/>
-          </a:p>
-          <a:p>
-            <a:r>
-              <a:rPr lang="en-GB" dirty="0"/>
-              <a:t>Train Users</a:t>
-            </a:r>
-          </a:p>
-          <a:p>
-            <a:endParaRPr lang="en-GB" dirty="0"/>
-          </a:p>
-        </p:txBody>
-      </p:sp>
-      <p:cxnSp>
-        <p:nvCxnSpPr>
-          <p:cNvPr id="12" name="Straight Connector 11">
-            <a:extLst>
-              <a:ext uri="{FF2B5EF4-FFF2-40B4-BE49-F238E27FC236}">
-                <a16:creationId xmlns:a16="http://schemas.microsoft.com/office/drawing/2014/main" id="{BCE7AE86-89E3-A6C6-C374-F11EE1B9062C}"/>
-              </a:ext>
-            </a:extLst>
-          </p:cNvPr>
-          <p:cNvCxnSpPr/>
-          <p:nvPr/>
-        </p:nvCxnSpPr>
-        <p:spPr>
-          <a:xfrm>
-            <a:off x="4277032" y="1768095"/>
-            <a:ext cx="0" cy="2585323"/>
-          </a:xfrm>
-          <a:prstGeom prst="line">
-            <a:avLst/>
-          </a:prstGeom>
-          <a:ln w="28575">
-            <a:solidFill>
-              <a:srgbClr val="C00000"/>
-            </a:solidFill>
-          </a:ln>
-        </p:spPr>
-        <p:style>
-          <a:lnRef idx="1">
-            <a:schemeClr val="accent1"/>
-          </a:lnRef>
-          <a:fillRef idx="0">
-            <a:schemeClr val="accent1"/>
-          </a:fillRef>
-          <a:effectRef idx="0">
-            <a:schemeClr val="accent1"/>
-          </a:effectRef>
-          <a:fontRef idx="minor">
-            <a:schemeClr val="tx1"/>
-          </a:fontRef>
-        </p:style>
-      </p:cxnSp>
-      <p:sp>
-        <p:nvSpPr>
-          <p:cNvPr id="13" name="TextBox 12">
-            <a:extLst>
-              <a:ext uri="{FF2B5EF4-FFF2-40B4-BE49-F238E27FC236}">
-                <a16:creationId xmlns:a16="http://schemas.microsoft.com/office/drawing/2014/main" id="{B6F0FA31-A1FB-3F42-74C2-0FB81D419F76}"/>
-              </a:ext>
-            </a:extLst>
-          </p:cNvPr>
-          <p:cNvSpPr txBox="1"/>
-          <p:nvPr/>
-        </p:nvSpPr>
-        <p:spPr>
-          <a:xfrm>
-            <a:off x="4446640" y="1704271"/>
-            <a:ext cx="7745360" cy="369332"/>
-          </a:xfrm>
-          <a:prstGeom prst="rect">
-            <a:avLst/>
-          </a:prstGeom>
-          <a:noFill/>
-        </p:spPr>
-        <p:txBody>
-          <a:bodyPr wrap="square">
-            <a:spAutoFit/>
-          </a:bodyPr>
-          <a:lstStyle/>
-          <a:p>
-            <a:r>
-              <a:rPr lang="en-GB" dirty="0"/>
-              <a:t>Collaboration spaces for business units with designated admins</a:t>
-            </a:r>
-          </a:p>
-        </p:txBody>
-      </p:sp>
-      <p:pic>
-        <p:nvPicPr>
-          <p:cNvPr id="2" name="Graphic 1" descr="Badge 3 with solid fill">
-            <a:extLst>
-              <a:ext uri="{FF2B5EF4-FFF2-40B4-BE49-F238E27FC236}">
-                <a16:creationId xmlns:a16="http://schemas.microsoft.com/office/drawing/2014/main" id="{CBDDF97E-E2A0-3F7A-CE95-CE5D5037D7A2}"/>
-              </a:ext>
-            </a:extLst>
-          </p:cNvPr>
-          <p:cNvPicPr>
-            <a:picLocks noChangeAspect="1"/>
-          </p:cNvPicPr>
-          <p:nvPr/>
-        </p:nvPicPr>
-        <p:blipFill>
-          <a:blip r:embed="rId3">
-            <a:extLst>
-              <a:ext uri="{28A0092B-C50C-407E-A947-70E740481C1C}">
-                <a14:useLocalDpi xmlns:a14="http://schemas.microsoft.com/office/drawing/2010/main" val="0"/>
-              </a:ext>
-              <a:ext uri="{96DAC541-7B7A-43D3-8B79-37D633B846F1}">
-                <asvg:svgBlip xmlns:asvg="http://schemas.microsoft.com/office/drawing/2016/SVG/main" r:embed="rId4"/>
-              </a:ext>
-            </a:extLst>
-          </a:blip>
-          <a:stretch>
-            <a:fillRect/>
-          </a:stretch>
-        </p:blipFill>
-        <p:spPr>
-          <a:xfrm>
-            <a:off x="1386348" y="245561"/>
-            <a:ext cx="1800000" cy="1800000"/>
-          </a:xfrm>
-          <a:prstGeom prst="rect">
-            <a:avLst/>
-          </a:prstGeom>
-        </p:spPr>
-      </p:pic>
-    </p:spTree>
-    <p:extLst>
-      <p:ext uri="{BB962C8B-B14F-4D97-AF65-F5344CB8AC3E}">
-        <p14:creationId xmlns:p14="http://schemas.microsoft.com/office/powerpoint/2010/main" val="3680473739"/>
-      </p:ext>
-    </p:extLst>
-  </p:cSld>
-  <p:clrMapOvr>
-    <a:masterClrMapping/>
-  </p:clrMapOvr>
-  <p:transition>
-    <p:fade/>
-  </p:transition>
-</p:sld>
-</file>
-
-<file path=ppt/slides/slide26.xml><?xml version="1.0" encoding="utf-8"?>
-<p:sld xmlns:a="http://schemas.openxmlformats.org/drawingml/2006/main" xmlns:r="http://schemas.openxmlformats.org/officeDocument/2006/relationships" xmlns:p="http://schemas.openxmlformats.org/presentationml/2006/main">
-  <p:cSld>
-    <p:spTree>
-      <p:nvGrpSpPr>
-        <p:cNvPr id="1" name=""/>
-        <p:cNvGrpSpPr/>
-        <p:nvPr/>
-      </p:nvGrpSpPr>
-      <p:grpSpPr>
-        <a:xfrm>
-          <a:off x="0" y="0"/>
-          <a:ext cx="0" cy="0"/>
-          <a:chOff x="0" y="0"/>
-          <a:chExt cx="0" cy="0"/>
-        </a:xfrm>
-      </p:grpSpPr>
-      <p:sp>
-        <p:nvSpPr>
-          <p:cNvPr id="12" name="Rectangle 11">
-            <a:extLst>
-              <a:ext uri="{FF2B5EF4-FFF2-40B4-BE49-F238E27FC236}">
-                <a16:creationId xmlns:a16="http://schemas.microsoft.com/office/drawing/2014/main" id="{502CDBBF-367F-B01A-28DD-4580E04BD9F7}"/>
-              </a:ext>
-            </a:extLst>
-          </p:cNvPr>
-          <p:cNvSpPr/>
-          <p:nvPr/>
-        </p:nvSpPr>
-        <p:spPr>
-          <a:xfrm>
-            <a:off x="1386348" y="2874460"/>
-            <a:ext cx="2617839" cy="317090"/>
-          </a:xfrm>
-          <a:prstGeom prst="rect">
-            <a:avLst/>
-          </a:prstGeom>
-          <a:solidFill>
-            <a:schemeClr val="accent1"/>
-          </a:solidFill>
-          <a:ln>
-            <a:noFill/>
-          </a:ln>
-        </p:spPr>
-        <p:style>
-          <a:lnRef idx="2">
-            <a:schemeClr val="accent1">
-              <a:shade val="50000"/>
-            </a:schemeClr>
-          </a:lnRef>
-          <a:fillRef idx="1">
-            <a:schemeClr val="accent1"/>
-          </a:fillRef>
-          <a:effectRef idx="0">
-            <a:schemeClr val="accent1"/>
-          </a:effectRef>
-          <a:fontRef idx="minor">
-            <a:schemeClr val="lt1"/>
-          </a:fontRef>
-        </p:style>
-        <p:txBody>
-          <a:bodyPr rtlCol="0" anchor="ctr"/>
-          <a:lstStyle/>
-          <a:p>
-            <a:pPr algn="ctr"/>
-            <a:endParaRPr lang="en-GB" sz="1400" dirty="0">
-              <a:solidFill>
-                <a:schemeClr val="bg1"/>
-              </a:solidFill>
-            </a:endParaRPr>
-          </a:p>
-        </p:txBody>
-      </p:sp>
-      <p:sp>
-        <p:nvSpPr>
-          <p:cNvPr id="6" name="TextBox 5">
-            <a:extLst>
-              <a:ext uri="{FF2B5EF4-FFF2-40B4-BE49-F238E27FC236}">
-                <a16:creationId xmlns:a16="http://schemas.microsoft.com/office/drawing/2014/main" id="{91BFE73E-BFB8-3049-F81E-89BA504D0FAC}"/>
-              </a:ext>
-            </a:extLst>
-          </p:cNvPr>
-          <p:cNvSpPr txBox="1"/>
-          <p:nvPr/>
-        </p:nvSpPr>
-        <p:spPr>
-          <a:xfrm>
-            <a:off x="1386348" y="1768095"/>
-            <a:ext cx="2905433" cy="2308324"/>
-          </a:xfrm>
-          <a:prstGeom prst="rect">
-            <a:avLst/>
-          </a:prstGeom>
-          <a:noFill/>
-        </p:spPr>
-        <p:txBody>
-          <a:bodyPr wrap="square">
-            <a:spAutoFit/>
-          </a:bodyPr>
-          <a:lstStyle/>
-          <a:p>
-            <a:endParaRPr lang="en-GB" b="1" dirty="0"/>
-          </a:p>
-          <a:p>
-            <a:endParaRPr lang="en-GB" dirty="0"/>
-          </a:p>
-          <a:p>
-            <a:r>
-              <a:rPr lang="en-GB" dirty="0"/>
-              <a:t>Create team workspaces</a:t>
-            </a:r>
-          </a:p>
-          <a:p>
-            <a:endParaRPr lang="en-GB" dirty="0"/>
-          </a:p>
-          <a:p>
-            <a:r>
-              <a:rPr lang="en-GB" dirty="0">
-                <a:solidFill>
-                  <a:schemeClr val="bg1"/>
-                </a:solidFill>
-              </a:rPr>
-              <a:t>Publish data sources</a:t>
-            </a:r>
-          </a:p>
-          <a:p>
-            <a:endParaRPr lang="en-GB" dirty="0"/>
-          </a:p>
-          <a:p>
-            <a:r>
-              <a:rPr lang="en-GB" dirty="0"/>
-              <a:t>Train Users</a:t>
-            </a:r>
-          </a:p>
-          <a:p>
-            <a:endParaRPr lang="en-GB" dirty="0"/>
-          </a:p>
-        </p:txBody>
-      </p:sp>
-      <p:cxnSp>
-        <p:nvCxnSpPr>
-          <p:cNvPr id="10" name="Straight Connector 9">
-            <a:extLst>
-              <a:ext uri="{FF2B5EF4-FFF2-40B4-BE49-F238E27FC236}">
-                <a16:creationId xmlns:a16="http://schemas.microsoft.com/office/drawing/2014/main" id="{EA655B2B-4DFE-02BA-8468-AEB5AE5B30FC}"/>
-              </a:ext>
-            </a:extLst>
-          </p:cNvPr>
-          <p:cNvCxnSpPr/>
-          <p:nvPr/>
-        </p:nvCxnSpPr>
-        <p:spPr>
-          <a:xfrm>
-            <a:off x="4277032" y="1768095"/>
-            <a:ext cx="0" cy="2585323"/>
-          </a:xfrm>
-          <a:prstGeom prst="line">
-            <a:avLst/>
-          </a:prstGeom>
-          <a:ln w="28575">
-            <a:solidFill>
-              <a:srgbClr val="C00000"/>
-            </a:solidFill>
-          </a:ln>
-        </p:spPr>
-        <p:style>
-          <a:lnRef idx="1">
-            <a:schemeClr val="accent1"/>
-          </a:lnRef>
-          <a:fillRef idx="0">
-            <a:schemeClr val="accent1"/>
-          </a:fillRef>
-          <a:effectRef idx="0">
-            <a:schemeClr val="accent1"/>
-          </a:effectRef>
-          <a:fontRef idx="minor">
-            <a:schemeClr val="tx1"/>
-          </a:fontRef>
-        </p:style>
-      </p:cxnSp>
-      <p:sp>
-        <p:nvSpPr>
-          <p:cNvPr id="11" name="TextBox 10">
-            <a:extLst>
-              <a:ext uri="{FF2B5EF4-FFF2-40B4-BE49-F238E27FC236}">
-                <a16:creationId xmlns:a16="http://schemas.microsoft.com/office/drawing/2014/main" id="{631C5C13-AF4A-55D7-11DC-80239E4E60F6}"/>
-              </a:ext>
-            </a:extLst>
-          </p:cNvPr>
-          <p:cNvSpPr txBox="1"/>
-          <p:nvPr/>
-        </p:nvSpPr>
-        <p:spPr>
-          <a:xfrm>
-            <a:off x="4446640" y="1704271"/>
-            <a:ext cx="7745360" cy="369332"/>
-          </a:xfrm>
-          <a:prstGeom prst="rect">
-            <a:avLst/>
-          </a:prstGeom>
-          <a:noFill/>
-        </p:spPr>
-        <p:txBody>
-          <a:bodyPr wrap="square">
-            <a:spAutoFit/>
-          </a:bodyPr>
-          <a:lstStyle/>
-          <a:p>
-            <a:r>
-              <a:rPr lang="en-GB" dirty="0"/>
-              <a:t>Enable users to discover certified data sources</a:t>
-            </a:r>
-          </a:p>
-        </p:txBody>
-      </p:sp>
-    </p:spTree>
-    <p:extLst>
-      <p:ext uri="{BB962C8B-B14F-4D97-AF65-F5344CB8AC3E}">
-        <p14:creationId xmlns:p14="http://schemas.microsoft.com/office/powerpoint/2010/main" val="91301702"/>
-      </p:ext>
-    </p:extLst>
-  </p:cSld>
-  <p:clrMapOvr>
-    <a:masterClrMapping/>
-  </p:clrMapOvr>
-  <p:transition>
-    <p:fade/>
-  </p:transition>
-</p:sld>
-</file>
-
-<file path=ppt/slides/slide27.xml><?xml version="1.0" encoding="utf-8"?>
-<p:sld xmlns:a="http://schemas.openxmlformats.org/drawingml/2006/main" xmlns:r="http://schemas.openxmlformats.org/officeDocument/2006/relationships" xmlns:p="http://schemas.openxmlformats.org/presentationml/2006/main">
-  <p:cSld>
-    <p:spTree>
-      <p:nvGrpSpPr>
-        <p:cNvPr id="1" name=""/>
-        <p:cNvGrpSpPr/>
-        <p:nvPr/>
-      </p:nvGrpSpPr>
-      <p:grpSpPr>
-        <a:xfrm>
-          <a:off x="0" y="0"/>
-          <a:ext cx="0" cy="0"/>
-          <a:chOff x="0" y="0"/>
-          <a:chExt cx="0" cy="0"/>
-        </a:xfrm>
-      </p:grpSpPr>
-      <p:sp>
-        <p:nvSpPr>
-          <p:cNvPr id="12" name="Rectangle 11">
-            <a:extLst>
-              <a:ext uri="{FF2B5EF4-FFF2-40B4-BE49-F238E27FC236}">
-                <a16:creationId xmlns:a16="http://schemas.microsoft.com/office/drawing/2014/main" id="{21FECACE-425A-7E74-7224-C94EBBE1EE09}"/>
-              </a:ext>
-            </a:extLst>
-          </p:cNvPr>
-          <p:cNvSpPr/>
-          <p:nvPr/>
-        </p:nvSpPr>
-        <p:spPr>
-          <a:xfrm>
-            <a:off x="1386348" y="3453580"/>
-            <a:ext cx="2617839" cy="317090"/>
-          </a:xfrm>
-          <a:prstGeom prst="rect">
-            <a:avLst/>
-          </a:prstGeom>
-          <a:solidFill>
-            <a:schemeClr val="accent1"/>
-          </a:solidFill>
-          <a:ln>
-            <a:noFill/>
-          </a:ln>
-        </p:spPr>
-        <p:style>
-          <a:lnRef idx="2">
-            <a:schemeClr val="accent1">
-              <a:shade val="50000"/>
-            </a:schemeClr>
-          </a:lnRef>
-          <a:fillRef idx="1">
-            <a:schemeClr val="accent1"/>
-          </a:fillRef>
-          <a:effectRef idx="0">
-            <a:schemeClr val="accent1"/>
-          </a:effectRef>
-          <a:fontRef idx="minor">
-            <a:schemeClr val="lt1"/>
-          </a:fontRef>
-        </p:style>
-        <p:txBody>
-          <a:bodyPr rtlCol="0" anchor="ctr"/>
-          <a:lstStyle/>
-          <a:p>
-            <a:pPr algn="ctr"/>
-            <a:endParaRPr lang="en-GB" sz="1400" dirty="0">
-              <a:solidFill>
-                <a:schemeClr val="bg1"/>
-              </a:solidFill>
-            </a:endParaRPr>
-          </a:p>
-        </p:txBody>
-      </p:sp>
-      <p:sp>
-        <p:nvSpPr>
-          <p:cNvPr id="6" name="TextBox 5">
-            <a:extLst>
-              <a:ext uri="{FF2B5EF4-FFF2-40B4-BE49-F238E27FC236}">
-                <a16:creationId xmlns:a16="http://schemas.microsoft.com/office/drawing/2014/main" id="{CF33E851-097D-5DB0-13AF-52B49DFD083F}"/>
-              </a:ext>
-            </a:extLst>
-          </p:cNvPr>
-          <p:cNvSpPr txBox="1"/>
-          <p:nvPr/>
-        </p:nvSpPr>
-        <p:spPr>
-          <a:xfrm>
-            <a:off x="1386348" y="1768095"/>
-            <a:ext cx="2905433" cy="2308324"/>
-          </a:xfrm>
-          <a:prstGeom prst="rect">
-            <a:avLst/>
-          </a:prstGeom>
-          <a:noFill/>
-        </p:spPr>
-        <p:txBody>
-          <a:bodyPr wrap="square">
-            <a:spAutoFit/>
-          </a:bodyPr>
-          <a:lstStyle/>
-          <a:p>
-            <a:endParaRPr lang="en-GB" b="1" dirty="0"/>
-          </a:p>
-          <a:p>
-            <a:endParaRPr lang="en-GB" dirty="0"/>
-          </a:p>
-          <a:p>
-            <a:r>
-              <a:rPr lang="en-GB" dirty="0"/>
-              <a:t>Create team workspaces</a:t>
-            </a:r>
-          </a:p>
-          <a:p>
-            <a:endParaRPr lang="en-GB" dirty="0"/>
-          </a:p>
-          <a:p>
-            <a:r>
-              <a:rPr lang="en-GB" dirty="0"/>
-              <a:t>Publish data sources</a:t>
-            </a:r>
-          </a:p>
-          <a:p>
-            <a:endParaRPr lang="en-GB" dirty="0"/>
-          </a:p>
-          <a:p>
-            <a:r>
-              <a:rPr lang="en-GB" dirty="0">
-                <a:solidFill>
-                  <a:schemeClr val="bg1"/>
-                </a:solidFill>
-              </a:rPr>
-              <a:t>Train Users</a:t>
-            </a:r>
-          </a:p>
-          <a:p>
-            <a:endParaRPr lang="en-GB" dirty="0"/>
-          </a:p>
-        </p:txBody>
-      </p:sp>
-      <p:cxnSp>
-        <p:nvCxnSpPr>
-          <p:cNvPr id="10" name="Straight Connector 9">
-            <a:extLst>
-              <a:ext uri="{FF2B5EF4-FFF2-40B4-BE49-F238E27FC236}">
-                <a16:creationId xmlns:a16="http://schemas.microsoft.com/office/drawing/2014/main" id="{B138F17F-2634-4023-0189-30BCAB5903BA}"/>
-              </a:ext>
-            </a:extLst>
-          </p:cNvPr>
-          <p:cNvCxnSpPr/>
-          <p:nvPr/>
-        </p:nvCxnSpPr>
-        <p:spPr>
-          <a:xfrm>
-            <a:off x="4277032" y="1768095"/>
-            <a:ext cx="0" cy="2585323"/>
-          </a:xfrm>
-          <a:prstGeom prst="line">
-            <a:avLst/>
-          </a:prstGeom>
-          <a:ln w="28575">
-            <a:solidFill>
-              <a:srgbClr val="C00000"/>
-            </a:solidFill>
-          </a:ln>
-        </p:spPr>
-        <p:style>
-          <a:lnRef idx="1">
-            <a:schemeClr val="accent1"/>
-          </a:lnRef>
-          <a:fillRef idx="0">
-            <a:schemeClr val="accent1"/>
-          </a:fillRef>
-          <a:effectRef idx="0">
-            <a:schemeClr val="accent1"/>
-          </a:effectRef>
-          <a:fontRef idx="minor">
-            <a:schemeClr val="tx1"/>
-          </a:fontRef>
-        </p:style>
-      </p:cxnSp>
-      <p:sp>
-        <p:nvSpPr>
-          <p:cNvPr id="11" name="TextBox 10">
-            <a:extLst>
-              <a:ext uri="{FF2B5EF4-FFF2-40B4-BE49-F238E27FC236}">
-                <a16:creationId xmlns:a16="http://schemas.microsoft.com/office/drawing/2014/main" id="{E16B5ED8-34DA-6373-E101-BA761F47226B}"/>
-              </a:ext>
-            </a:extLst>
-          </p:cNvPr>
-          <p:cNvSpPr txBox="1"/>
-          <p:nvPr/>
-        </p:nvSpPr>
-        <p:spPr>
-          <a:xfrm>
-            <a:off x="4446640" y="1704271"/>
-            <a:ext cx="7745360" cy="369332"/>
-          </a:xfrm>
-          <a:prstGeom prst="rect">
-            <a:avLst/>
-          </a:prstGeom>
-          <a:noFill/>
-        </p:spPr>
-        <p:txBody>
-          <a:bodyPr wrap="square">
-            <a:spAutoFit/>
-          </a:bodyPr>
-          <a:lstStyle/>
-          <a:p>
-            <a:r>
-              <a:rPr lang="en-GB" dirty="0"/>
-              <a:t>Conduct training webinars on new features and self-service</a:t>
-            </a:r>
-          </a:p>
-        </p:txBody>
-      </p:sp>
-      <p:pic>
-        <p:nvPicPr>
-          <p:cNvPr id="2" name="Graphic 1" descr="Badge 3 with solid fill">
-            <a:extLst>
-              <a:ext uri="{FF2B5EF4-FFF2-40B4-BE49-F238E27FC236}">
-                <a16:creationId xmlns:a16="http://schemas.microsoft.com/office/drawing/2014/main" id="{4C9B97D5-95F7-343E-2A0E-E03C1FC50E58}"/>
-              </a:ext>
-            </a:extLst>
-          </p:cNvPr>
-          <p:cNvPicPr>
-            <a:picLocks noChangeAspect="1"/>
-          </p:cNvPicPr>
-          <p:nvPr/>
-        </p:nvPicPr>
-        <p:blipFill>
-          <a:blip r:embed="rId3">
-            <a:extLst>
-              <a:ext uri="{28A0092B-C50C-407E-A947-70E740481C1C}">
-                <a14:useLocalDpi xmlns:a14="http://schemas.microsoft.com/office/drawing/2010/main" val="0"/>
-              </a:ext>
-              <a:ext uri="{96DAC541-7B7A-43D3-8B79-37D633B846F1}">
-                <asvg:svgBlip xmlns:asvg="http://schemas.microsoft.com/office/drawing/2016/SVG/main" r:embed="rId4"/>
-              </a:ext>
-            </a:extLst>
-          </a:blip>
-          <a:stretch>
-            <a:fillRect/>
-          </a:stretch>
-        </p:blipFill>
-        <p:spPr>
-          <a:xfrm>
-            <a:off x="1386348" y="245561"/>
-            <a:ext cx="1800000" cy="1800000"/>
-          </a:xfrm>
-          <a:prstGeom prst="rect">
-            <a:avLst/>
-          </a:prstGeom>
-        </p:spPr>
-      </p:pic>
-    </p:spTree>
-    <p:extLst>
-      <p:ext uri="{BB962C8B-B14F-4D97-AF65-F5344CB8AC3E}">
-        <p14:creationId xmlns:p14="http://schemas.microsoft.com/office/powerpoint/2010/main" val="2185778901"/>
-      </p:ext>
-    </p:extLst>
-  </p:cSld>
-  <p:clrMapOvr>
-    <a:masterClrMapping/>
-  </p:clrMapOvr>
-  <p:transition>
-    <p:fade/>
-  </p:transition>
-</p:sld>
-</file>
-
-<file path=ppt/slides/slide28.xml><?xml version="1.0" encoding="utf-8"?>
-<p:sld xmlns:a="http://schemas.openxmlformats.org/drawingml/2006/main" xmlns:r="http://schemas.openxmlformats.org/officeDocument/2006/relationships" xmlns:p="http://schemas.openxmlformats.org/presentationml/2006/main">
-  <p:cSld>
-    <p:spTree>
-      <p:nvGrpSpPr>
-        <p:cNvPr id="1" name=""/>
-        <p:cNvGrpSpPr/>
-        <p:nvPr/>
-      </p:nvGrpSpPr>
-      <p:grpSpPr>
-        <a:xfrm>
-          <a:off x="0" y="0"/>
-          <a:ext cx="0" cy="0"/>
-          <a:chOff x="0" y="0"/>
-          <a:chExt cx="0" cy="0"/>
-        </a:xfrm>
-      </p:grpSpPr>
-      <p:sp>
-        <p:nvSpPr>
-          <p:cNvPr id="2" name="Text Placeholder 1">
-            <a:extLst>
-              <a:ext uri="{FF2B5EF4-FFF2-40B4-BE49-F238E27FC236}">
-                <a16:creationId xmlns:a16="http://schemas.microsoft.com/office/drawing/2014/main" id="{2C8E99AA-41AD-7417-5BBA-31B37C5AB258}"/>
-              </a:ext>
-            </a:extLst>
-          </p:cNvPr>
-          <p:cNvSpPr>
-            <a:spLocks noGrp="1"/>
-          </p:cNvSpPr>
-          <p:nvPr>
-            <p:ph type="body" sz="quarter" idx="14"/>
-          </p:nvPr>
-        </p:nvSpPr>
-        <p:spPr/>
-        <p:txBody>
-          <a:bodyPr/>
-          <a:lstStyle/>
-          <a:p>
-            <a:r>
-              <a:rPr lang="en-GB" dirty="0"/>
-              <a:t>Week</a:t>
-            </a:r>
-          </a:p>
-        </p:txBody>
-      </p:sp>
-      <p:sp>
-        <p:nvSpPr>
-          <p:cNvPr id="3" name="Rectangle 2">
-            <a:extLst>
-              <a:ext uri="{FF2B5EF4-FFF2-40B4-BE49-F238E27FC236}">
-                <a16:creationId xmlns:a16="http://schemas.microsoft.com/office/drawing/2014/main" id="{1813A65F-0117-737B-56C8-DEA172684BE0}"/>
-              </a:ext>
-            </a:extLst>
-          </p:cNvPr>
-          <p:cNvSpPr/>
-          <p:nvPr/>
-        </p:nvSpPr>
-        <p:spPr>
-          <a:xfrm>
-            <a:off x="11308556" y="6472238"/>
-            <a:ext cx="328613" cy="242888"/>
-          </a:xfrm>
-          <a:prstGeom prst="rect">
-            <a:avLst/>
-          </a:prstGeom>
-          <a:solidFill>
-            <a:srgbClr val="006E51"/>
-          </a:solidFill>
-          <a:ln>
-            <a:noFill/>
-          </a:ln>
-        </p:spPr>
-        <p:style>
-          <a:lnRef idx="2">
-            <a:schemeClr val="accent1">
-              <a:shade val="50000"/>
-            </a:schemeClr>
-          </a:lnRef>
-          <a:fillRef idx="1">
-            <a:schemeClr val="accent1"/>
-          </a:fillRef>
-          <a:effectRef idx="0">
-            <a:schemeClr val="accent1"/>
-          </a:effectRef>
-          <a:fontRef idx="minor">
-            <a:schemeClr val="lt1"/>
-          </a:fontRef>
-        </p:style>
-        <p:txBody>
-          <a:bodyPr rtlCol="0" anchor="ctr"/>
-          <a:lstStyle/>
-          <a:p>
-            <a:pPr algn="ctr"/>
-            <a:endParaRPr lang="en-GB" sz="1400" dirty="0">
-              <a:solidFill>
-                <a:schemeClr val="bg1"/>
-              </a:solidFill>
-            </a:endParaRPr>
-          </a:p>
-        </p:txBody>
-      </p:sp>
-      <p:pic>
-        <p:nvPicPr>
-          <p:cNvPr id="6" name="Graphic 5" descr="Badge 4 with solid fill">
-            <a:extLst>
-              <a:ext uri="{FF2B5EF4-FFF2-40B4-BE49-F238E27FC236}">
-                <a16:creationId xmlns:a16="http://schemas.microsoft.com/office/drawing/2014/main" id="{649AC456-703D-FBCC-39A1-C898320D8E35}"/>
-              </a:ext>
-            </a:extLst>
-          </p:cNvPr>
-          <p:cNvPicPr>
-            <a:picLocks noChangeAspect="1"/>
-          </p:cNvPicPr>
-          <p:nvPr/>
-        </p:nvPicPr>
-        <p:blipFill>
-          <a:blip r:embed="rId3">
-            <a:extLst>
-              <a:ext uri="{28A0092B-C50C-407E-A947-70E740481C1C}">
-                <a14:useLocalDpi xmlns:a14="http://schemas.microsoft.com/office/drawing/2010/main" val="0"/>
-              </a:ext>
-              <a:ext uri="{96DAC541-7B7A-43D3-8B79-37D633B846F1}">
-                <asvg:svgBlip xmlns:asvg="http://schemas.microsoft.com/office/drawing/2016/SVG/main" r:embed="rId4"/>
-              </a:ext>
-            </a:extLst>
-          </a:blip>
-          <a:stretch>
-            <a:fillRect/>
-          </a:stretch>
-        </p:blipFill>
-        <p:spPr>
-          <a:xfrm>
-            <a:off x="4650658" y="1043000"/>
-            <a:ext cx="1800000" cy="1800000"/>
-          </a:xfrm>
-          <a:prstGeom prst="rect">
-            <a:avLst/>
-          </a:prstGeom>
-        </p:spPr>
-      </p:pic>
-    </p:spTree>
-    <p:extLst>
-      <p:ext uri="{BB962C8B-B14F-4D97-AF65-F5344CB8AC3E}">
-        <p14:creationId xmlns:p14="http://schemas.microsoft.com/office/powerpoint/2010/main" val="923180448"/>
-      </p:ext>
-    </p:extLst>
-  </p:cSld>
-  <p:clrMapOvr>
-    <a:masterClrMapping/>
-  </p:clrMapOvr>
-  <mc:AlternateContent xmlns:mc="http://schemas.openxmlformats.org/markup-compatibility/2006" xmlns:p159="http://schemas.microsoft.com/office/powerpoint/2015/09/main">
-    <mc:Choice Requires="p159">
-      <p:transition xmlns:p14="http://schemas.microsoft.com/office/powerpoint/2010/main" spd="slow" p14:dur="2000">
-        <p159:morph option="byObject"/>
-      </p:transition>
-    </mc:Choice>
-    <mc:Fallback xmlns="">
-      <p:transition spd="slow">
-        <p:fade/>
-      </p:transition>
-    </mc:Fallback>
-  </mc:AlternateContent>
-</p:sld>
-</file>
-
-<file path=ppt/slides/slide29.xml><?xml version="1.0" encoding="utf-8"?>
-<p:sld xmlns:a="http://schemas.openxmlformats.org/drawingml/2006/main" xmlns:r="http://schemas.openxmlformats.org/officeDocument/2006/relationships" xmlns:p="http://schemas.openxmlformats.org/presentationml/2006/main">
-  <p:cSld>
-    <p:spTree>
-      <p:nvGrpSpPr>
-        <p:cNvPr id="1" name=""/>
-        <p:cNvGrpSpPr/>
-        <p:nvPr/>
-      </p:nvGrpSpPr>
-      <p:grpSpPr>
-        <a:xfrm>
-          <a:off x="0" y="0"/>
-          <a:ext cx="0" cy="0"/>
-          <a:chOff x="0" y="0"/>
-          <a:chExt cx="0" cy="0"/>
-        </a:xfrm>
-      </p:grpSpPr>
-      <p:sp>
-        <p:nvSpPr>
-          <p:cNvPr id="9" name="Rectangle 8">
-            <a:extLst>
-              <a:ext uri="{FF2B5EF4-FFF2-40B4-BE49-F238E27FC236}">
-                <a16:creationId xmlns:a16="http://schemas.microsoft.com/office/drawing/2014/main" id="{8B5DC9F1-59BD-0D85-0CCC-5AD9241A853B}"/>
-              </a:ext>
-            </a:extLst>
-          </p:cNvPr>
-          <p:cNvSpPr/>
-          <p:nvPr/>
-        </p:nvSpPr>
-        <p:spPr>
-          <a:xfrm>
-            <a:off x="1386348" y="2371540"/>
-            <a:ext cx="2617839" cy="317090"/>
-          </a:xfrm>
-          <a:prstGeom prst="rect">
-            <a:avLst/>
-          </a:prstGeom>
-          <a:solidFill>
-            <a:schemeClr val="accent1"/>
-          </a:solidFill>
-          <a:ln>
-            <a:noFill/>
-          </a:ln>
-        </p:spPr>
-        <p:style>
-          <a:lnRef idx="2">
-            <a:schemeClr val="accent1">
-              <a:shade val="50000"/>
-            </a:schemeClr>
-          </a:lnRef>
-          <a:fillRef idx="1">
-            <a:schemeClr val="accent1"/>
-          </a:fillRef>
-          <a:effectRef idx="0">
-            <a:schemeClr val="accent1"/>
-          </a:effectRef>
-          <a:fontRef idx="minor">
-            <a:schemeClr val="lt1"/>
-          </a:fontRef>
-        </p:style>
-        <p:txBody>
-          <a:bodyPr rtlCol="0" anchor="ctr"/>
-          <a:lstStyle/>
-          <a:p>
-            <a:pPr algn="ctr"/>
-            <a:endParaRPr lang="en-GB" sz="1400" dirty="0">
-              <a:solidFill>
-                <a:schemeClr val="bg1"/>
-              </a:solidFill>
-            </a:endParaRPr>
-          </a:p>
-        </p:txBody>
-      </p:sp>
-      <p:sp>
-        <p:nvSpPr>
-          <p:cNvPr id="4" name="TextBox 3">
-            <a:extLst>
-              <a:ext uri="{FF2B5EF4-FFF2-40B4-BE49-F238E27FC236}">
-                <a16:creationId xmlns:a16="http://schemas.microsoft.com/office/drawing/2014/main" id="{A0D4B8DA-9E5C-6C7A-8106-0046AF892D1F}"/>
-              </a:ext>
-            </a:extLst>
-          </p:cNvPr>
-          <p:cNvSpPr txBox="1"/>
-          <p:nvPr/>
-        </p:nvSpPr>
-        <p:spPr>
-          <a:xfrm>
-            <a:off x="1386348" y="1768095"/>
-            <a:ext cx="2905433" cy="2862322"/>
-          </a:xfrm>
-          <a:prstGeom prst="rect">
-            <a:avLst/>
-          </a:prstGeom>
-          <a:noFill/>
-        </p:spPr>
-        <p:txBody>
-          <a:bodyPr wrap="square">
-            <a:spAutoFit/>
-          </a:bodyPr>
-          <a:lstStyle/>
-          <a:p>
-            <a:endParaRPr lang="en-GB" b="1" dirty="0"/>
-          </a:p>
-          <a:p>
-            <a:endParaRPr lang="en-GB" dirty="0"/>
-          </a:p>
-          <a:p>
-            <a:r>
-              <a:rPr lang="en-GB" dirty="0">
-                <a:solidFill>
-                  <a:schemeClr val="bg1"/>
-                </a:solidFill>
-              </a:rPr>
-              <a:t>Monitor usage</a:t>
-            </a:r>
-          </a:p>
-          <a:p>
-            <a:endParaRPr lang="en-GB" dirty="0"/>
-          </a:p>
-          <a:p>
-            <a:r>
-              <a:rPr lang="en-GB" dirty="0"/>
-              <a:t>Address issues</a:t>
-            </a:r>
-          </a:p>
-          <a:p>
-            <a:endParaRPr lang="en-GB" dirty="0"/>
-          </a:p>
-          <a:p>
-            <a:r>
-              <a:rPr lang="en-GB" dirty="0"/>
-              <a:t>Promote content</a:t>
-            </a:r>
-          </a:p>
-          <a:p>
-            <a:endParaRPr lang="en-GB" dirty="0"/>
-          </a:p>
-          <a:p>
-            <a:r>
-              <a:rPr lang="en-GB" dirty="0"/>
-              <a:t>Report to stakeholders</a:t>
-            </a:r>
-          </a:p>
-          <a:p>
-            <a:endParaRPr lang="en-GB" dirty="0"/>
-          </a:p>
-        </p:txBody>
-      </p:sp>
-      <p:cxnSp>
-        <p:nvCxnSpPr>
-          <p:cNvPr id="7" name="Straight Connector 6">
-            <a:extLst>
-              <a:ext uri="{FF2B5EF4-FFF2-40B4-BE49-F238E27FC236}">
-                <a16:creationId xmlns:a16="http://schemas.microsoft.com/office/drawing/2014/main" id="{895742FE-6C27-FBE0-7154-5C28B35A8C9A}"/>
-              </a:ext>
-            </a:extLst>
-          </p:cNvPr>
-          <p:cNvCxnSpPr/>
-          <p:nvPr/>
-        </p:nvCxnSpPr>
-        <p:spPr>
-          <a:xfrm>
-            <a:off x="4277032" y="1768095"/>
-            <a:ext cx="0" cy="2585323"/>
-          </a:xfrm>
-          <a:prstGeom prst="line">
-            <a:avLst/>
-          </a:prstGeom>
-          <a:ln w="28575">
-            <a:solidFill>
-              <a:srgbClr val="C00000"/>
-            </a:solidFill>
-          </a:ln>
-        </p:spPr>
-        <p:style>
-          <a:lnRef idx="1">
-            <a:schemeClr val="accent1"/>
-          </a:lnRef>
-          <a:fillRef idx="0">
-            <a:schemeClr val="accent1"/>
-          </a:fillRef>
-          <a:effectRef idx="0">
-            <a:schemeClr val="accent1"/>
-          </a:effectRef>
-          <a:fontRef idx="minor">
-            <a:schemeClr val="tx1"/>
-          </a:fontRef>
-        </p:style>
-      </p:cxnSp>
-      <p:sp>
-        <p:nvSpPr>
-          <p:cNvPr id="8" name="TextBox 7">
-            <a:extLst>
-              <a:ext uri="{FF2B5EF4-FFF2-40B4-BE49-F238E27FC236}">
-                <a16:creationId xmlns:a16="http://schemas.microsoft.com/office/drawing/2014/main" id="{36A95714-5DE7-784A-34C5-9327B5DC7DEA}"/>
-              </a:ext>
-            </a:extLst>
-          </p:cNvPr>
-          <p:cNvSpPr txBox="1"/>
-          <p:nvPr/>
-        </p:nvSpPr>
-        <p:spPr>
-          <a:xfrm>
-            <a:off x="4446640" y="1704271"/>
-            <a:ext cx="7745360" cy="369332"/>
-          </a:xfrm>
-          <a:prstGeom prst="rect">
-            <a:avLst/>
-          </a:prstGeom>
-          <a:noFill/>
-        </p:spPr>
-        <p:txBody>
-          <a:bodyPr wrap="square">
-            <a:spAutoFit/>
-          </a:bodyPr>
-          <a:lstStyle/>
-          <a:p>
-            <a:r>
-              <a:rPr lang="en-GB" dirty="0"/>
-              <a:t>Review adoption, consumption, most used reports</a:t>
-            </a:r>
-          </a:p>
-        </p:txBody>
-      </p:sp>
-      <p:pic>
-        <p:nvPicPr>
-          <p:cNvPr id="5" name="Graphic 4" descr="Badge 4 with solid fill">
-            <a:extLst>
-              <a:ext uri="{FF2B5EF4-FFF2-40B4-BE49-F238E27FC236}">
-                <a16:creationId xmlns:a16="http://schemas.microsoft.com/office/drawing/2014/main" id="{06B24BFA-7C2A-D9B5-367F-4594297272D7}"/>
-              </a:ext>
-            </a:extLst>
-          </p:cNvPr>
-          <p:cNvPicPr>
-            <a:picLocks noChangeAspect="1"/>
-          </p:cNvPicPr>
-          <p:nvPr/>
-        </p:nvPicPr>
-        <p:blipFill>
-          <a:blip r:embed="rId3">
-            <a:extLst>
-              <a:ext uri="{28A0092B-C50C-407E-A947-70E740481C1C}">
-                <a14:useLocalDpi xmlns:a14="http://schemas.microsoft.com/office/drawing/2010/main" val="0"/>
-              </a:ext>
-              <a:ext uri="{96DAC541-7B7A-43D3-8B79-37D633B846F1}">
-                <asvg:svgBlip xmlns:asvg="http://schemas.microsoft.com/office/drawing/2016/SVG/main" r:embed="rId4"/>
-              </a:ext>
-            </a:extLst>
-          </a:blip>
-          <a:stretch>
-            <a:fillRect/>
-          </a:stretch>
-        </p:blipFill>
-        <p:spPr>
-          <a:xfrm>
-            <a:off x="1492229" y="88937"/>
-            <a:ext cx="1800000" cy="1800000"/>
-          </a:xfrm>
-          <a:prstGeom prst="rect">
-            <a:avLst/>
-          </a:prstGeom>
-        </p:spPr>
-      </p:pic>
-    </p:spTree>
-    <p:extLst>
-      <p:ext uri="{BB962C8B-B14F-4D97-AF65-F5344CB8AC3E}">
-        <p14:creationId xmlns:p14="http://schemas.microsoft.com/office/powerpoint/2010/main" val="3382724744"/>
-      </p:ext>
-    </p:extLst>
-  </p:cSld>
-  <p:clrMapOvr>
-    <a:masterClrMapping/>
-  </p:clrMapOvr>
-  <p:transition>
-    <p:fade/>
-  </p:transition>
-</p:sld>
-</file>
-
-<file path=ppt/slides/slide3.xml><?xml version="1.0" encoding="utf-8"?>
-<p:sld xmlns:a="http://schemas.openxmlformats.org/drawingml/2006/main" xmlns:r="http://schemas.openxmlformats.org/officeDocument/2006/relationships" xmlns:p="http://schemas.openxmlformats.org/presentationml/2006/main">
-  <p:cSld>
-    <p:spTree>
-      <p:nvGrpSpPr>
-        <p:cNvPr id="1" name=""/>
-        <p:cNvGrpSpPr/>
-        <p:nvPr/>
-      </p:nvGrpSpPr>
-      <p:grpSpPr>
-        <a:xfrm>
-          <a:off x="0" y="0"/>
-          <a:ext cx="0" cy="0"/>
-          <a:chOff x="0" y="0"/>
-          <a:chExt cx="0" cy="0"/>
-        </a:xfrm>
-      </p:grpSpPr>
       <p:pic>
         <p:nvPicPr>
           <p:cNvPr id="1026" name="Picture 2">
@@ -13448,49 +9850,64 @@
       </p:sp>
       <p:sp>
         <p:nvSpPr>
-          <p:cNvPr id="7" name="TextBox 6">
+          <p:cNvPr id="5" name="Equals 4">
             <a:extLst>
               <a:ext uri="{FF2B5EF4-FFF2-40B4-BE49-F238E27FC236}">
-                <a16:creationId xmlns:a16="http://schemas.microsoft.com/office/drawing/2014/main" id="{6F2D8052-970D-8D9B-10D3-A25147F7E9BD}"/>
+                <a16:creationId xmlns:a16="http://schemas.microsoft.com/office/drawing/2014/main" id="{B3C39181-B579-7759-6D07-42E57EEEF5A3}"/>
               </a:ext>
             </a:extLst>
           </p:cNvPr>
-          <p:cNvSpPr txBox="1"/>
+          <p:cNvSpPr/>
           <p:nvPr/>
         </p:nvSpPr>
         <p:spPr>
           <a:xfrm>
-            <a:off x="2223319" y="86034"/>
-            <a:ext cx="7745362" cy="1172497"/>
+            <a:off x="872614" y="479323"/>
+            <a:ext cx="10446774" cy="535855"/>
           </a:xfrm>
-          <a:prstGeom prst="rect">
+          <a:prstGeom prst="mathEqual">
             <a:avLst/>
           </a:prstGeom>
-          <a:noFill/>
+          <a:solidFill>
+            <a:srgbClr val="C00000"/>
+          </a:solidFill>
+          <a:ln>
+            <a:noFill/>
+          </a:ln>
         </p:spPr>
+        <p:style>
+          <a:lnRef idx="2">
+            <a:schemeClr val="accent1">
+              <a:shade val="50000"/>
+            </a:schemeClr>
+          </a:lnRef>
+          <a:fillRef idx="1">
+            <a:schemeClr val="accent1"/>
+          </a:fillRef>
+          <a:effectRef idx="0">
+            <a:schemeClr val="accent1"/>
+          </a:effectRef>
+          <a:fontRef idx="minor">
+            <a:schemeClr val="lt1"/>
+          </a:fontRef>
+        </p:style>
         <p:txBody>
-          <a:bodyPr wrap="none" lIns="0" tIns="0" rIns="0" bIns="0" rtlCol="0">
-            <a:noAutofit/>
-          </a:bodyPr>
+          <a:bodyPr rtlCol="0" anchor="ctr"/>
           <a:lstStyle/>
           <a:p>
             <a:pPr algn="ctr"/>
-            <a:r>
-              <a:rPr lang="en-GB" sz="7200" dirty="0">
-                <a:solidFill>
-                  <a:schemeClr val="tx2"/>
-                </a:solidFill>
-                <a:latin typeface="Western" panose="02000500000000000000" pitchFamily="2" charset="0"/>
-              </a:rPr>
-              <a:t>Lets work together</a:t>
-            </a:r>
+            <a:endParaRPr lang="en-GB" sz="1400" dirty="0">
+              <a:solidFill>
+                <a:schemeClr val="bg1"/>
+              </a:solidFill>
+            </a:endParaRPr>
           </a:p>
         </p:txBody>
       </p:sp>
     </p:spTree>
     <p:extLst>
       <p:ext uri="{BB962C8B-B14F-4D97-AF65-F5344CB8AC3E}">
-        <p14:creationId xmlns:p14="http://schemas.microsoft.com/office/powerpoint/2010/main" val="1846339984"/>
+        <p14:creationId xmlns:p14="http://schemas.microsoft.com/office/powerpoint/2010/main" val="1009424962"/>
       </p:ext>
     </p:extLst>
   </p:cSld>
@@ -13500,96 +9917,10 @@
   <p:transition>
     <p:fade/>
   </p:transition>
-  <p:timing>
-    <p:tnLst>
-      <p:par>
-        <p:cTn id="1" dur="indefinite" restart="never" nodeType="tmRoot">
-          <p:childTnLst>
-            <p:seq concurrent="1" nextAc="seek">
-              <p:cTn id="2" dur="indefinite" nodeType="mainSeq">
-                <p:childTnLst>
-                  <p:par>
-                    <p:cTn id="3" fill="hold">
-                      <p:stCondLst>
-                        <p:cond delay="indefinite"/>
-                        <p:cond evt="onBegin" delay="0">
-                          <p:tn val="2"/>
-                        </p:cond>
-                      </p:stCondLst>
-                      <p:childTnLst>
-                        <p:par>
-                          <p:cTn id="4" fill="hold">
-                            <p:stCondLst>
-                              <p:cond delay="0"/>
-                            </p:stCondLst>
-                            <p:childTnLst>
-                              <p:par>
-                                <p:cTn id="5" presetID="10" presetClass="exit" presetSubtype="0" fill="hold" nodeType="withEffect">
-                                  <p:stCondLst>
-                                    <p:cond delay="0"/>
-                                  </p:stCondLst>
-                                  <p:childTnLst>
-                                    <p:animEffect transition="out" filter="fade">
-                                      <p:cBhvr>
-                                        <p:cTn id="6" dur="500"/>
-                                        <p:tgtEl>
-                                          <p:spTgt spid="1026"/>
-                                        </p:tgtEl>
-                                      </p:cBhvr>
-                                    </p:animEffect>
-                                    <p:set>
-                                      <p:cBhvr>
-                                        <p:cTn id="7" dur="1" fill="hold">
-                                          <p:stCondLst>
-                                            <p:cond delay="499"/>
-                                          </p:stCondLst>
-                                        </p:cTn>
-                                        <p:tgtEl>
-                                          <p:spTgt spid="1026"/>
-                                        </p:tgtEl>
-                                        <p:attrNameLst>
-                                          <p:attrName>style.visibility</p:attrName>
-                                        </p:attrNameLst>
-                                      </p:cBhvr>
-                                      <p:to>
-                                        <p:strVal val="hidden"/>
-                                      </p:to>
-                                    </p:set>
-                                  </p:childTnLst>
-                                </p:cTn>
-                              </p:par>
-                            </p:childTnLst>
-                          </p:cTn>
-                        </p:par>
-                      </p:childTnLst>
-                    </p:cTn>
-                  </p:par>
-                </p:childTnLst>
-              </p:cTn>
-              <p:prevCondLst>
-                <p:cond evt="onPrev" delay="0">
-                  <p:tgtEl>
-                    <p:sldTgt/>
-                  </p:tgtEl>
-                </p:cond>
-              </p:prevCondLst>
-              <p:nextCondLst>
-                <p:cond evt="onNext" delay="0">
-                  <p:tgtEl>
-                    <p:sldTgt/>
-                  </p:tgtEl>
-                </p:cond>
-              </p:nextCondLst>
-            </p:seq>
-          </p:childTnLst>
-        </p:cTn>
-      </p:par>
-    </p:tnLst>
-  </p:timing>
 </p:sld>
 </file>
 
-<file path=ppt/slides/slide30.xml><?xml version="1.0" encoding="utf-8"?>
+<file path=ppt/slides/slide20.xml><?xml version="1.0" encoding="utf-8"?>
 <p:sld xmlns:a="http://schemas.openxmlformats.org/drawingml/2006/main" xmlns:r="http://schemas.openxmlformats.org/officeDocument/2006/relationships" xmlns:p="http://schemas.openxmlformats.org/presentationml/2006/main">
   <p:cSld>
     <p:spTree>
@@ -13608,10 +9939,10 @@
       </p:grpSpPr>
       <p:sp>
         <p:nvSpPr>
-          <p:cNvPr id="6" name="Rectangle 5">
+          <p:cNvPr id="2" name="Rectangle 1">
             <a:extLst>
               <a:ext uri="{FF2B5EF4-FFF2-40B4-BE49-F238E27FC236}">
-                <a16:creationId xmlns:a16="http://schemas.microsoft.com/office/drawing/2014/main" id="{9005057E-ED35-EAB2-6C12-365079A1D0B4}"/>
+                <a16:creationId xmlns:a16="http://schemas.microsoft.com/office/drawing/2014/main" id="{CCA9979E-D658-1347-6EE3-07ABF94E530B}"/>
               </a:ext>
             </a:extLst>
           </p:cNvPr>
@@ -13620,7 +9951,7 @@
         </p:nvSpPr>
         <p:spPr>
           <a:xfrm>
-            <a:off x="1386348" y="2912560"/>
+            <a:off x="1386348" y="2920180"/>
             <a:ext cx="2617839" cy="317090"/>
           </a:xfrm>
           <a:prstGeom prst="rect">
@@ -13667,7 +9998,7 @@
           <p:cNvPr id="4" name="TextBox 3">
             <a:extLst>
               <a:ext uri="{FF2B5EF4-FFF2-40B4-BE49-F238E27FC236}">
-                <a16:creationId xmlns:a16="http://schemas.microsoft.com/office/drawing/2014/main" id="{A0D4B8DA-9E5C-6C7A-8106-0046AF892D1F}"/>
+                <a16:creationId xmlns:a16="http://schemas.microsoft.com/office/drawing/2014/main" id="{87A0529C-3363-11EF-EC4D-EA461D4AD240}"/>
               </a:ext>
             </a:extLst>
           </p:cNvPr>
@@ -13677,7 +10008,7 @@
         <p:spPr>
           <a:xfrm>
             <a:off x="1386348" y="1768095"/>
-            <a:ext cx="2905433" cy="2862322"/>
+            <a:ext cx="2905433" cy="2308324"/>
           </a:xfrm>
           <a:prstGeom prst="rect">
             <a:avLst/>
@@ -13698,7 +10029,7 @@
           <a:p>
             <a:r>
               <a:rPr lang="en-GB" dirty="0"/>
-              <a:t>Monitor usage</a:t>
+              <a:t>Create admin workspace</a:t>
             </a:r>
           </a:p>
           <a:p>
@@ -13711,6 +10042,846 @@
                   <a:schemeClr val="bg1"/>
                 </a:solidFill>
               </a:rPr>
+              <a:t>Build admin reports</a:t>
+            </a:r>
+          </a:p>
+          <a:p>
+            <a:endParaRPr lang="en-GB" dirty="0"/>
+          </a:p>
+          <a:p>
+            <a:r>
+              <a:rPr lang="en-GB" dirty="0"/>
+              <a:t>Install Gateways</a:t>
+            </a:r>
+          </a:p>
+          <a:p>
+            <a:endParaRPr lang="en-GB" dirty="0"/>
+          </a:p>
+        </p:txBody>
+      </p:sp>
+      <p:cxnSp>
+        <p:nvCxnSpPr>
+          <p:cNvPr id="8" name="Straight Connector 7">
+            <a:extLst>
+              <a:ext uri="{FF2B5EF4-FFF2-40B4-BE49-F238E27FC236}">
+                <a16:creationId xmlns:a16="http://schemas.microsoft.com/office/drawing/2014/main" id="{0BBC3B1F-DDBC-BDE6-E35B-840BAC628D15}"/>
+              </a:ext>
+            </a:extLst>
+          </p:cNvPr>
+          <p:cNvCxnSpPr/>
+          <p:nvPr/>
+        </p:nvCxnSpPr>
+        <p:spPr>
+          <a:xfrm>
+            <a:off x="4277032" y="1768095"/>
+            <a:ext cx="0" cy="2585323"/>
+          </a:xfrm>
+          <a:prstGeom prst="line">
+            <a:avLst/>
+          </a:prstGeom>
+          <a:ln w="28575">
+            <a:solidFill>
+              <a:srgbClr val="C00000"/>
+            </a:solidFill>
+          </a:ln>
+        </p:spPr>
+        <p:style>
+          <a:lnRef idx="1">
+            <a:schemeClr val="accent1"/>
+          </a:lnRef>
+          <a:fillRef idx="0">
+            <a:schemeClr val="accent1"/>
+          </a:fillRef>
+          <a:effectRef idx="0">
+            <a:schemeClr val="accent1"/>
+          </a:effectRef>
+          <a:fontRef idx="minor">
+            <a:schemeClr val="tx1"/>
+          </a:fontRef>
+        </p:style>
+      </p:cxnSp>
+      <p:sp>
+        <p:nvSpPr>
+          <p:cNvPr id="3" name="TextBox 2">
+            <a:extLst>
+              <a:ext uri="{FF2B5EF4-FFF2-40B4-BE49-F238E27FC236}">
+                <a16:creationId xmlns:a16="http://schemas.microsoft.com/office/drawing/2014/main" id="{433405E0-F3D4-CEFB-3B12-4A2A91193DE7}"/>
+              </a:ext>
+            </a:extLst>
+          </p:cNvPr>
+          <p:cNvSpPr txBox="1"/>
+          <p:nvPr/>
+        </p:nvSpPr>
+        <p:spPr>
+          <a:xfrm>
+            <a:off x="4446640" y="1704271"/>
+            <a:ext cx="7745360" cy="4342856"/>
+          </a:xfrm>
+          <a:prstGeom prst="rect">
+            <a:avLst/>
+          </a:prstGeom>
+          <a:noFill/>
+        </p:spPr>
+        <p:txBody>
+          <a:bodyPr wrap="square">
+            <a:spAutoFit/>
+          </a:bodyPr>
+          <a:lstStyle/>
+          <a:p>
+            <a:r>
+              <a:rPr lang="en-GB" dirty="0"/>
+              <a:t>Can you answer these questions?</a:t>
+            </a:r>
+          </a:p>
+          <a:p>
+            <a:endParaRPr lang="en-GB" dirty="0"/>
+          </a:p>
+          <a:p>
+            <a:pPr marL="285750" indent="-285750">
+              <a:lnSpc>
+                <a:spcPct val="150000"/>
+              </a:lnSpc>
+              <a:buFont typeface="Arial" panose="020B0604020202020204" pitchFamily="34" charset="0"/>
+              <a:buChar char="•"/>
+            </a:pPr>
+            <a:r>
+              <a:rPr lang="en-GB" dirty="0"/>
+              <a:t>Who are most active users</a:t>
+            </a:r>
+          </a:p>
+          <a:p>
+            <a:pPr marL="285750" indent="-285750">
+              <a:lnSpc>
+                <a:spcPct val="150000"/>
+              </a:lnSpc>
+              <a:buFont typeface="Arial" panose="020B0604020202020204" pitchFamily="34" charset="0"/>
+              <a:buChar char="•"/>
+            </a:pPr>
+            <a:r>
+              <a:rPr lang="en-GB" dirty="0"/>
+              <a:t>Which Reports/Workspaces/Datasets/Apps are used every day</a:t>
+            </a:r>
+          </a:p>
+          <a:p>
+            <a:pPr marL="285750" indent="-285750">
+              <a:lnSpc>
+                <a:spcPct val="150000"/>
+              </a:lnSpc>
+              <a:buFont typeface="Arial" panose="020B0604020202020204" pitchFamily="34" charset="0"/>
+              <a:buChar char="•"/>
+            </a:pPr>
+            <a:r>
+              <a:rPr lang="en-GB" dirty="0"/>
+              <a:t>How is content being shared &amp; distributed? Any content on My Workspace</a:t>
+            </a:r>
+          </a:p>
+          <a:p>
+            <a:pPr marL="285750" indent="-285750">
+              <a:lnSpc>
+                <a:spcPct val="150000"/>
+              </a:lnSpc>
+              <a:buFont typeface="Arial" panose="020B0604020202020204" pitchFamily="34" charset="0"/>
+              <a:buChar char="•"/>
+            </a:pPr>
+            <a:r>
+              <a:rPr lang="en-GB" dirty="0"/>
+              <a:t>Do your users access from Browser/Mobile/Excel? Which browser</a:t>
+            </a:r>
+          </a:p>
+          <a:p>
+            <a:pPr marL="285750" indent="-285750">
+              <a:lnSpc>
+                <a:spcPct val="150000"/>
+              </a:lnSpc>
+              <a:buFont typeface="Arial" panose="020B0604020202020204" pitchFamily="34" charset="0"/>
+              <a:buChar char="•"/>
+            </a:pPr>
+            <a:r>
+              <a:rPr lang="en-GB" dirty="0"/>
+              <a:t>Top used Data Source’s</a:t>
+            </a:r>
+          </a:p>
+          <a:p>
+            <a:pPr marL="285750" indent="-285750">
+              <a:lnSpc>
+                <a:spcPct val="150000"/>
+              </a:lnSpc>
+              <a:buFont typeface="Arial" panose="020B0604020202020204" pitchFamily="34" charset="0"/>
+              <a:buChar char="•"/>
+            </a:pPr>
+            <a:r>
+              <a:rPr lang="en-GB" dirty="0"/>
+              <a:t>How many distinct users (Per Month, Per day, Per hour)</a:t>
+            </a:r>
+          </a:p>
+          <a:p>
+            <a:pPr marL="285750" indent="-285750">
+              <a:lnSpc>
+                <a:spcPct val="150000"/>
+              </a:lnSpc>
+              <a:buFont typeface="Arial" panose="020B0604020202020204" pitchFamily="34" charset="0"/>
+              <a:buChar char="•"/>
+            </a:pPr>
+            <a:r>
+              <a:rPr lang="en-GB" dirty="0"/>
+              <a:t>Datasets/Reports not used recently</a:t>
+            </a:r>
+          </a:p>
+          <a:p>
+            <a:pPr marL="285750" indent="-285750">
+              <a:lnSpc>
+                <a:spcPct val="150000"/>
+              </a:lnSpc>
+              <a:buFont typeface="Arial" panose="020B0604020202020204" pitchFamily="34" charset="0"/>
+              <a:buChar char="•"/>
+            </a:pPr>
+            <a:r>
+              <a:rPr lang="en-GB" dirty="0"/>
+              <a:t>How many users with license don’t use Power BI in more than 3 months</a:t>
+            </a:r>
+          </a:p>
+          <a:p>
+            <a:pPr marL="285750" indent="-285750">
+              <a:lnSpc>
+                <a:spcPct val="150000"/>
+              </a:lnSpc>
+              <a:buFont typeface="Arial" panose="020B0604020202020204" pitchFamily="34" charset="0"/>
+              <a:buChar char="•"/>
+            </a:pPr>
+            <a:r>
+              <a:rPr lang="en-GB" dirty="0"/>
+              <a:t>Are developers following the naming conventions</a:t>
+            </a:r>
+          </a:p>
+        </p:txBody>
+      </p:sp>
+    </p:spTree>
+    <p:extLst>
+      <p:ext uri="{BB962C8B-B14F-4D97-AF65-F5344CB8AC3E}">
+        <p14:creationId xmlns:p14="http://schemas.microsoft.com/office/powerpoint/2010/main" val="764134790"/>
+      </p:ext>
+    </p:extLst>
+  </p:cSld>
+  <p:clrMapOvr>
+    <a:masterClrMapping/>
+  </p:clrMapOvr>
+  <p:transition>
+    <p:fade/>
+  </p:transition>
+</p:sld>
+</file>
+
+<file path=ppt/slides/slide21.xml><?xml version="1.0" encoding="utf-8"?>
+<p:sld xmlns:a="http://schemas.openxmlformats.org/drawingml/2006/main" xmlns:r="http://schemas.openxmlformats.org/officeDocument/2006/relationships" xmlns:p="http://schemas.openxmlformats.org/presentationml/2006/main">
+  <p:cSld>
+    <p:spTree>
+      <p:nvGrpSpPr>
+        <p:cNvPr id="1" name=""/>
+        <p:cNvGrpSpPr/>
+        <p:nvPr/>
+      </p:nvGrpSpPr>
+      <p:grpSpPr>
+        <a:xfrm>
+          <a:off x="0" y="0"/>
+          <a:ext cx="0" cy="0"/>
+          <a:chOff x="0" y="0"/>
+          <a:chExt cx="0" cy="0"/>
+        </a:xfrm>
+      </p:grpSpPr>
+      <p:sp>
+        <p:nvSpPr>
+          <p:cNvPr id="2" name="Rectangle 1">
+            <a:extLst>
+              <a:ext uri="{FF2B5EF4-FFF2-40B4-BE49-F238E27FC236}">
+                <a16:creationId xmlns:a16="http://schemas.microsoft.com/office/drawing/2014/main" id="{CCA9979E-D658-1347-6EE3-07ABF94E530B}"/>
+              </a:ext>
+            </a:extLst>
+          </p:cNvPr>
+          <p:cNvSpPr/>
+          <p:nvPr/>
+        </p:nvSpPr>
+        <p:spPr>
+          <a:xfrm>
+            <a:off x="1386348" y="3445960"/>
+            <a:ext cx="2617839" cy="317090"/>
+          </a:xfrm>
+          <a:prstGeom prst="rect">
+            <a:avLst/>
+          </a:prstGeom>
+          <a:solidFill>
+            <a:schemeClr val="accent1"/>
+          </a:solidFill>
+          <a:ln>
+            <a:noFill/>
+          </a:ln>
+        </p:spPr>
+        <p:style>
+          <a:lnRef idx="2">
+            <a:schemeClr val="accent1">
+              <a:shade val="50000"/>
+            </a:schemeClr>
+          </a:lnRef>
+          <a:fillRef idx="1">
+            <a:schemeClr val="accent1"/>
+          </a:fillRef>
+          <a:effectRef idx="0">
+            <a:schemeClr val="accent1"/>
+          </a:effectRef>
+          <a:fontRef idx="minor">
+            <a:schemeClr val="lt1"/>
+          </a:fontRef>
+        </p:style>
+        <p:txBody>
+          <a:bodyPr rtlCol="0" anchor="ctr"/>
+          <a:lstStyle/>
+          <a:p>
+            <a:pPr algn="ctr"/>
+            <a:endParaRPr lang="en-GB" sz="1400" dirty="0">
+              <a:solidFill>
+                <a:schemeClr val="bg1"/>
+              </a:solidFill>
+            </a:endParaRPr>
+          </a:p>
+        </p:txBody>
+      </p:sp>
+      <p:sp>
+        <p:nvSpPr>
+          <p:cNvPr id="4" name="TextBox 3">
+            <a:extLst>
+              <a:ext uri="{FF2B5EF4-FFF2-40B4-BE49-F238E27FC236}">
+                <a16:creationId xmlns:a16="http://schemas.microsoft.com/office/drawing/2014/main" id="{87A0529C-3363-11EF-EC4D-EA461D4AD240}"/>
+              </a:ext>
+            </a:extLst>
+          </p:cNvPr>
+          <p:cNvSpPr txBox="1"/>
+          <p:nvPr/>
+        </p:nvSpPr>
+        <p:spPr>
+          <a:xfrm>
+            <a:off x="1386348" y="1768095"/>
+            <a:ext cx="2905433" cy="2308324"/>
+          </a:xfrm>
+          <a:prstGeom prst="rect">
+            <a:avLst/>
+          </a:prstGeom>
+          <a:noFill/>
+        </p:spPr>
+        <p:txBody>
+          <a:bodyPr wrap="square">
+            <a:spAutoFit/>
+          </a:bodyPr>
+          <a:lstStyle/>
+          <a:p>
+            <a:endParaRPr lang="en-GB" b="1" dirty="0"/>
+          </a:p>
+          <a:p>
+            <a:endParaRPr lang="en-GB" dirty="0"/>
+          </a:p>
+          <a:p>
+            <a:r>
+              <a:rPr lang="en-GB" dirty="0"/>
+              <a:t>Create admin workspace</a:t>
+            </a:r>
+          </a:p>
+          <a:p>
+            <a:endParaRPr lang="en-GB" dirty="0"/>
+          </a:p>
+          <a:p>
+            <a:r>
+              <a:rPr lang="en-GB" dirty="0"/>
+              <a:t>Build admin reports</a:t>
+            </a:r>
+          </a:p>
+          <a:p>
+            <a:endParaRPr lang="en-GB" dirty="0"/>
+          </a:p>
+          <a:p>
+            <a:r>
+              <a:rPr lang="en-GB" dirty="0">
+                <a:solidFill>
+                  <a:schemeClr val="bg1"/>
+                </a:solidFill>
+              </a:rPr>
+              <a:t>Install Gateways</a:t>
+            </a:r>
+          </a:p>
+          <a:p>
+            <a:endParaRPr lang="en-GB" dirty="0"/>
+          </a:p>
+        </p:txBody>
+      </p:sp>
+      <p:cxnSp>
+        <p:nvCxnSpPr>
+          <p:cNvPr id="8" name="Straight Connector 7">
+            <a:extLst>
+              <a:ext uri="{FF2B5EF4-FFF2-40B4-BE49-F238E27FC236}">
+                <a16:creationId xmlns:a16="http://schemas.microsoft.com/office/drawing/2014/main" id="{0BBC3B1F-DDBC-BDE6-E35B-840BAC628D15}"/>
+              </a:ext>
+            </a:extLst>
+          </p:cNvPr>
+          <p:cNvCxnSpPr/>
+          <p:nvPr/>
+        </p:nvCxnSpPr>
+        <p:spPr>
+          <a:xfrm>
+            <a:off x="4277032" y="1768095"/>
+            <a:ext cx="0" cy="2585323"/>
+          </a:xfrm>
+          <a:prstGeom prst="line">
+            <a:avLst/>
+          </a:prstGeom>
+          <a:ln w="28575">
+            <a:solidFill>
+              <a:srgbClr val="C00000"/>
+            </a:solidFill>
+          </a:ln>
+        </p:spPr>
+        <p:style>
+          <a:lnRef idx="1">
+            <a:schemeClr val="accent1"/>
+          </a:lnRef>
+          <a:fillRef idx="0">
+            <a:schemeClr val="accent1"/>
+          </a:fillRef>
+          <a:effectRef idx="0">
+            <a:schemeClr val="accent1"/>
+          </a:effectRef>
+          <a:fontRef idx="minor">
+            <a:schemeClr val="tx1"/>
+          </a:fontRef>
+        </p:style>
+      </p:cxnSp>
+      <p:sp>
+        <p:nvSpPr>
+          <p:cNvPr id="3" name="TextBox 2">
+            <a:extLst>
+              <a:ext uri="{FF2B5EF4-FFF2-40B4-BE49-F238E27FC236}">
+                <a16:creationId xmlns:a16="http://schemas.microsoft.com/office/drawing/2014/main" id="{433405E0-F3D4-CEFB-3B12-4A2A91193DE7}"/>
+              </a:ext>
+            </a:extLst>
+          </p:cNvPr>
+          <p:cNvSpPr txBox="1"/>
+          <p:nvPr/>
+        </p:nvSpPr>
+        <p:spPr>
+          <a:xfrm>
+            <a:off x="4446640" y="1704271"/>
+            <a:ext cx="7745360" cy="369332"/>
+          </a:xfrm>
+          <a:prstGeom prst="rect">
+            <a:avLst/>
+          </a:prstGeom>
+          <a:noFill/>
+        </p:spPr>
+        <p:txBody>
+          <a:bodyPr wrap="square">
+            <a:spAutoFit/>
+          </a:bodyPr>
+          <a:lstStyle/>
+          <a:p>
+            <a:r>
+              <a:rPr lang="en-GB" dirty="0"/>
+              <a:t>Install and configure on-premises data gateways</a:t>
+            </a:r>
+          </a:p>
+        </p:txBody>
+      </p:sp>
+      <p:pic>
+        <p:nvPicPr>
+          <p:cNvPr id="6" name="Picture 5">
+            <a:extLst>
+              <a:ext uri="{FF2B5EF4-FFF2-40B4-BE49-F238E27FC236}">
+                <a16:creationId xmlns:a16="http://schemas.microsoft.com/office/drawing/2014/main" id="{C43C9D60-61E7-9007-903D-B16B8425980F}"/>
+              </a:ext>
+            </a:extLst>
+          </p:cNvPr>
+          <p:cNvPicPr>
+            <a:picLocks noChangeAspect="1"/>
+          </p:cNvPicPr>
+          <p:nvPr/>
+        </p:nvPicPr>
+        <p:blipFill rotWithShape="1">
+          <a:blip r:embed="rId3" cstate="email">
+            <a:extLst>
+              <a:ext uri="{28A0092B-C50C-407E-A947-70E740481C1C}">
+                <a14:useLocalDpi xmlns:a14="http://schemas.microsoft.com/office/drawing/2010/main"/>
+              </a:ext>
+            </a:extLst>
+          </a:blip>
+          <a:srcRect/>
+          <a:stretch/>
+        </p:blipFill>
+        <p:spPr>
+          <a:xfrm>
+            <a:off x="4564086" y="2133600"/>
+            <a:ext cx="7627914" cy="4272094"/>
+          </a:xfrm>
+          <a:prstGeom prst="rect">
+            <a:avLst/>
+          </a:prstGeom>
+        </p:spPr>
+      </p:pic>
+    </p:spTree>
+    <p:extLst>
+      <p:ext uri="{BB962C8B-B14F-4D97-AF65-F5344CB8AC3E}">
+        <p14:creationId xmlns:p14="http://schemas.microsoft.com/office/powerpoint/2010/main" val="2495047023"/>
+      </p:ext>
+    </p:extLst>
+  </p:cSld>
+  <p:clrMapOvr>
+    <a:masterClrMapping/>
+  </p:clrMapOvr>
+  <p:transition>
+    <p:fade/>
+  </p:transition>
+</p:sld>
+</file>
+
+<file path=ppt/slides/slide22.xml><?xml version="1.0" encoding="utf-8"?>
+<p:sld xmlns:a="http://schemas.openxmlformats.org/drawingml/2006/main" xmlns:r="http://schemas.openxmlformats.org/officeDocument/2006/relationships" xmlns:p="http://schemas.openxmlformats.org/presentationml/2006/main">
+  <p:cSld>
+    <p:spTree>
+      <p:nvGrpSpPr>
+        <p:cNvPr id="1" name=""/>
+        <p:cNvGrpSpPr/>
+        <p:nvPr/>
+      </p:nvGrpSpPr>
+      <p:grpSpPr>
+        <a:xfrm>
+          <a:off x="0" y="0"/>
+          <a:ext cx="0" cy="0"/>
+          <a:chOff x="0" y="0"/>
+          <a:chExt cx="0" cy="0"/>
+        </a:xfrm>
+      </p:grpSpPr>
+      <p:sp>
+        <p:nvSpPr>
+          <p:cNvPr id="2" name="Text Placeholder 1">
+            <a:extLst>
+              <a:ext uri="{FF2B5EF4-FFF2-40B4-BE49-F238E27FC236}">
+                <a16:creationId xmlns:a16="http://schemas.microsoft.com/office/drawing/2014/main" id="{2C8E99AA-41AD-7417-5BBA-31B37C5AB258}"/>
+              </a:ext>
+            </a:extLst>
+          </p:cNvPr>
+          <p:cNvSpPr>
+            <a:spLocks noGrp="1"/>
+          </p:cNvSpPr>
+          <p:nvPr>
+            <p:ph type="body" sz="quarter" idx="14"/>
+          </p:nvPr>
+        </p:nvSpPr>
+        <p:spPr/>
+        <p:txBody>
+          <a:bodyPr/>
+          <a:lstStyle/>
+          <a:p>
+            <a:r>
+              <a:rPr lang="en-GB" dirty="0"/>
+              <a:t>Week</a:t>
+            </a:r>
+          </a:p>
+        </p:txBody>
+      </p:sp>
+      <p:sp>
+        <p:nvSpPr>
+          <p:cNvPr id="3" name="Rectangle 2">
+            <a:extLst>
+              <a:ext uri="{FF2B5EF4-FFF2-40B4-BE49-F238E27FC236}">
+                <a16:creationId xmlns:a16="http://schemas.microsoft.com/office/drawing/2014/main" id="{1813A65F-0117-737B-56C8-DEA172684BE0}"/>
+              </a:ext>
+            </a:extLst>
+          </p:cNvPr>
+          <p:cNvSpPr/>
+          <p:nvPr/>
+        </p:nvSpPr>
+        <p:spPr>
+          <a:xfrm>
+            <a:off x="11308556" y="6472238"/>
+            <a:ext cx="328613" cy="242888"/>
+          </a:xfrm>
+          <a:prstGeom prst="rect">
+            <a:avLst/>
+          </a:prstGeom>
+          <a:solidFill>
+            <a:srgbClr val="006E51"/>
+          </a:solidFill>
+          <a:ln>
+            <a:noFill/>
+          </a:ln>
+        </p:spPr>
+        <p:style>
+          <a:lnRef idx="2">
+            <a:schemeClr val="accent1">
+              <a:shade val="50000"/>
+            </a:schemeClr>
+          </a:lnRef>
+          <a:fillRef idx="1">
+            <a:schemeClr val="accent1"/>
+          </a:fillRef>
+          <a:effectRef idx="0">
+            <a:schemeClr val="accent1"/>
+          </a:effectRef>
+          <a:fontRef idx="minor">
+            <a:schemeClr val="lt1"/>
+          </a:fontRef>
+        </p:style>
+        <p:txBody>
+          <a:bodyPr rtlCol="0" anchor="ctr"/>
+          <a:lstStyle/>
+          <a:p>
+            <a:pPr algn="ctr"/>
+            <a:endParaRPr lang="en-GB" sz="1400" dirty="0">
+              <a:solidFill>
+                <a:schemeClr val="bg1"/>
+              </a:solidFill>
+            </a:endParaRPr>
+          </a:p>
+        </p:txBody>
+      </p:sp>
+      <p:pic>
+        <p:nvPicPr>
+          <p:cNvPr id="4" name="Graphic 3" descr="Badge with solid fill">
+            <a:extLst>
+              <a:ext uri="{FF2B5EF4-FFF2-40B4-BE49-F238E27FC236}">
+                <a16:creationId xmlns:a16="http://schemas.microsoft.com/office/drawing/2014/main" id="{091C9D2B-525B-CC43-A8E2-7F8A01C13797}"/>
+              </a:ext>
+            </a:extLst>
+          </p:cNvPr>
+          <p:cNvPicPr>
+            <a:picLocks noChangeAspect="1"/>
+          </p:cNvPicPr>
+          <p:nvPr/>
+        </p:nvPicPr>
+        <p:blipFill>
+          <a:blip r:embed="rId3">
+            <a:extLst>
+              <a:ext uri="{28A0092B-C50C-407E-A947-70E740481C1C}">
+                <a14:useLocalDpi xmlns:a14="http://schemas.microsoft.com/office/drawing/2010/main" val="0"/>
+              </a:ext>
+              <a:ext uri="{96DAC541-7B7A-43D3-8B79-37D633B846F1}">
+                <asvg:svgBlip xmlns:asvg="http://schemas.microsoft.com/office/drawing/2016/SVG/main" r:embed="rId4"/>
+              </a:ext>
+            </a:extLst>
+          </a:blip>
+          <a:stretch>
+            <a:fillRect/>
+          </a:stretch>
+        </p:blipFill>
+        <p:spPr>
+          <a:xfrm>
+            <a:off x="4686422" y="1043000"/>
+            <a:ext cx="1800000" cy="1800000"/>
+          </a:xfrm>
+          <a:prstGeom prst="rect">
+            <a:avLst/>
+          </a:prstGeom>
+        </p:spPr>
+      </p:pic>
+      <p:sp>
+        <p:nvSpPr>
+          <p:cNvPr id="7" name="Plus Sign 6">
+            <a:extLst>
+              <a:ext uri="{FF2B5EF4-FFF2-40B4-BE49-F238E27FC236}">
+                <a16:creationId xmlns:a16="http://schemas.microsoft.com/office/drawing/2014/main" id="{644B18B7-A2D1-82BC-3EA6-4D539EB7357B}"/>
+              </a:ext>
+            </a:extLst>
+          </p:cNvPr>
+          <p:cNvSpPr/>
+          <p:nvPr/>
+        </p:nvSpPr>
+        <p:spPr>
+          <a:xfrm>
+            <a:off x="6370675" y="1485800"/>
+            <a:ext cx="914400" cy="914400"/>
+          </a:xfrm>
+          <a:prstGeom prst="mathPlus">
+            <a:avLst/>
+          </a:prstGeom>
+          <a:solidFill>
+            <a:schemeClr val="accent1"/>
+          </a:solidFill>
+          <a:ln w="76200">
+            <a:solidFill>
+              <a:schemeClr val="bg1"/>
+            </a:solidFill>
+          </a:ln>
+        </p:spPr>
+        <p:style>
+          <a:lnRef idx="2">
+            <a:schemeClr val="accent1">
+              <a:shade val="50000"/>
+            </a:schemeClr>
+          </a:lnRef>
+          <a:fillRef idx="1">
+            <a:schemeClr val="accent1"/>
+          </a:fillRef>
+          <a:effectRef idx="0">
+            <a:schemeClr val="accent1"/>
+          </a:effectRef>
+          <a:fontRef idx="minor">
+            <a:schemeClr val="lt1"/>
+          </a:fontRef>
+        </p:style>
+        <p:txBody>
+          <a:bodyPr rtlCol="0" anchor="ctr"/>
+          <a:lstStyle/>
+          <a:p>
+            <a:pPr algn="ctr"/>
+            <a:endParaRPr lang="en-GB" sz="1400" dirty="0">
+              <a:solidFill>
+                <a:schemeClr val="bg1"/>
+              </a:solidFill>
+            </a:endParaRPr>
+          </a:p>
+        </p:txBody>
+      </p:sp>
+    </p:spTree>
+    <p:extLst>
+      <p:ext uri="{BB962C8B-B14F-4D97-AF65-F5344CB8AC3E}">
+        <p14:creationId xmlns:p14="http://schemas.microsoft.com/office/powerpoint/2010/main" val="923180448"/>
+      </p:ext>
+    </p:extLst>
+  </p:cSld>
+  <p:clrMapOvr>
+    <a:masterClrMapping/>
+  </p:clrMapOvr>
+  <mc:AlternateContent xmlns:mc="http://schemas.openxmlformats.org/markup-compatibility/2006" xmlns:p159="http://schemas.microsoft.com/office/powerpoint/2015/09/main">
+    <mc:Choice Requires="p159">
+      <p:transition xmlns:p14="http://schemas.microsoft.com/office/powerpoint/2010/main" spd="slow" p14:dur="2000">
+        <p159:morph option="byObject"/>
+      </p:transition>
+    </mc:Choice>
+    <mc:Fallback xmlns="">
+      <p:transition spd="slow">
+        <p:fade/>
+      </p:transition>
+    </mc:Fallback>
+  </mc:AlternateContent>
+</p:sld>
+</file>
+
+<file path=ppt/slides/slide23.xml><?xml version="1.0" encoding="utf-8"?>
+<p:sld xmlns:a="http://schemas.openxmlformats.org/drawingml/2006/main" xmlns:r="http://schemas.openxmlformats.org/officeDocument/2006/relationships" xmlns:p="http://schemas.openxmlformats.org/presentationml/2006/main">
+  <p:cSld>
+    <p:spTree>
+      <p:nvGrpSpPr>
+        <p:cNvPr id="1" name=""/>
+        <p:cNvGrpSpPr/>
+        <p:nvPr/>
+      </p:nvGrpSpPr>
+      <p:grpSpPr>
+        <a:xfrm>
+          <a:off x="0" y="0"/>
+          <a:ext cx="0" cy="0"/>
+          <a:chOff x="0" y="0"/>
+          <a:chExt cx="0" cy="0"/>
+        </a:xfrm>
+      </p:grpSpPr>
+      <p:sp>
+        <p:nvSpPr>
+          <p:cNvPr id="9" name="Rectangle 8">
+            <a:extLst>
+              <a:ext uri="{FF2B5EF4-FFF2-40B4-BE49-F238E27FC236}">
+                <a16:creationId xmlns:a16="http://schemas.microsoft.com/office/drawing/2014/main" id="{8B5DC9F1-59BD-0D85-0CCC-5AD9241A853B}"/>
+              </a:ext>
+            </a:extLst>
+          </p:cNvPr>
+          <p:cNvSpPr/>
+          <p:nvPr/>
+        </p:nvSpPr>
+        <p:spPr>
+          <a:xfrm>
+            <a:off x="1386348" y="2371540"/>
+            <a:ext cx="2617839" cy="317090"/>
+          </a:xfrm>
+          <a:prstGeom prst="rect">
+            <a:avLst/>
+          </a:prstGeom>
+          <a:solidFill>
+            <a:schemeClr val="accent1"/>
+          </a:solidFill>
+          <a:ln>
+            <a:noFill/>
+          </a:ln>
+        </p:spPr>
+        <p:style>
+          <a:lnRef idx="2">
+            <a:schemeClr val="accent1">
+              <a:shade val="50000"/>
+            </a:schemeClr>
+          </a:lnRef>
+          <a:fillRef idx="1">
+            <a:schemeClr val="accent1"/>
+          </a:fillRef>
+          <a:effectRef idx="0">
+            <a:schemeClr val="accent1"/>
+          </a:effectRef>
+          <a:fontRef idx="minor">
+            <a:schemeClr val="lt1"/>
+          </a:fontRef>
+        </p:style>
+        <p:txBody>
+          <a:bodyPr rtlCol="0" anchor="ctr"/>
+          <a:lstStyle/>
+          <a:p>
+            <a:pPr algn="ctr"/>
+            <a:endParaRPr lang="en-GB" sz="1400" dirty="0">
+              <a:solidFill>
+                <a:schemeClr val="bg1"/>
+              </a:solidFill>
+            </a:endParaRPr>
+          </a:p>
+        </p:txBody>
+      </p:sp>
+      <p:sp>
+        <p:nvSpPr>
+          <p:cNvPr id="4" name="TextBox 3">
+            <a:extLst>
+              <a:ext uri="{FF2B5EF4-FFF2-40B4-BE49-F238E27FC236}">
+                <a16:creationId xmlns:a16="http://schemas.microsoft.com/office/drawing/2014/main" id="{A0D4B8DA-9E5C-6C7A-8106-0046AF892D1F}"/>
+              </a:ext>
+            </a:extLst>
+          </p:cNvPr>
+          <p:cNvSpPr txBox="1"/>
+          <p:nvPr/>
+        </p:nvSpPr>
+        <p:spPr>
+          <a:xfrm>
+            <a:off x="1386348" y="1768095"/>
+            <a:ext cx="2905433" cy="3139321"/>
+          </a:xfrm>
+          <a:prstGeom prst="rect">
+            <a:avLst/>
+          </a:prstGeom>
+          <a:noFill/>
+        </p:spPr>
+        <p:txBody>
+          <a:bodyPr wrap="square">
+            <a:spAutoFit/>
+          </a:bodyPr>
+          <a:lstStyle/>
+          <a:p>
+            <a:endParaRPr lang="en-GB" b="1" dirty="0"/>
+          </a:p>
+          <a:p>
+            <a:endParaRPr lang="en-GB" dirty="0"/>
+          </a:p>
+          <a:p>
+            <a:r>
+              <a:rPr lang="en-GB" dirty="0">
+                <a:solidFill>
+                  <a:schemeClr val="bg1"/>
+                </a:solidFill>
+              </a:rPr>
+              <a:t>Monitor usage</a:t>
+            </a:r>
+          </a:p>
+          <a:p>
+            <a:endParaRPr lang="en-GB" dirty="0"/>
+          </a:p>
+          <a:p>
+            <a:r>
+              <a:rPr lang="en-GB" dirty="0"/>
               <a:t>Address issues</a:t>
             </a:r>
           </a:p>
@@ -13731,9 +10902,16 @@
               <a:rPr lang="en-GB" dirty="0"/>
               <a:t>Report to stakeholders</a:t>
             </a:r>
-          </a:p>
-          <a:p>
-            <a:endParaRPr lang="en-GB" dirty="0"/>
+            <a:br>
+              <a:rPr lang="en-GB" dirty="0"/>
+            </a:br>
+            <a:br>
+              <a:rPr lang="en-GB" dirty="0"/>
+            </a:br>
+            <a:r>
+              <a:rPr lang="en-GB" dirty="0"/>
+              <a:t>Train Users</a:t>
+            </a:r>
           </a:p>
         </p:txBody>
       </p:sp>
@@ -13808,62 +10986,15 @@
           <a:p>
             <a:r>
               <a:rPr lang="en-GB" dirty="0"/>
-              <a:t>Troubleshoot based on user feedback</a:t>
+              <a:t>Review adoption, consumption, most used reports</a:t>
             </a:r>
           </a:p>
         </p:txBody>
       </p:sp>
-      <p:pic>
-        <p:nvPicPr>
-          <p:cNvPr id="9" name="Picture 2">
-            <a:extLst>
-              <a:ext uri="{FF2B5EF4-FFF2-40B4-BE49-F238E27FC236}">
-                <a16:creationId xmlns:a16="http://schemas.microsoft.com/office/drawing/2014/main" id="{C8AFCCA2-4AD3-6258-292E-0D7D0186A840}"/>
-              </a:ext>
-            </a:extLst>
-          </p:cNvPr>
-          <p:cNvPicPr>
-            <a:picLocks noChangeAspect="1" noChangeArrowheads="1"/>
-          </p:cNvPicPr>
-          <p:nvPr/>
-        </p:nvPicPr>
-        <p:blipFill>
-          <a:blip r:embed="rId3" cstate="email">
-            <a:extLst>
-              <a:ext uri="{28A0092B-C50C-407E-A947-70E740481C1C}">
-                <a14:useLocalDpi xmlns:a14="http://schemas.microsoft.com/office/drawing/2010/main"/>
-              </a:ext>
-            </a:extLst>
-          </a:blip>
-          <a:srcRect/>
-          <a:stretch>
-            <a:fillRect/>
-          </a:stretch>
-        </p:blipFill>
-        <p:spPr bwMode="auto">
-          <a:xfrm>
-            <a:off x="6200345" y="2346959"/>
-            <a:ext cx="3677851" cy="3677851"/>
-          </a:xfrm>
-          <a:prstGeom prst="rect">
-            <a:avLst/>
-          </a:prstGeom>
-          <a:noFill/>
-          <a:extLst>
-            <a:ext uri="{909E8E84-426E-40DD-AFC4-6F175D3DCCD1}">
-              <a14:hiddenFill xmlns:a14="http://schemas.microsoft.com/office/drawing/2010/main">
-                <a:solidFill>
-                  <a:srgbClr val="FFFFFF"/>
-                </a:solidFill>
-              </a14:hiddenFill>
-            </a:ext>
-          </a:extLst>
-        </p:spPr>
-      </p:pic>
     </p:spTree>
     <p:extLst>
       <p:ext uri="{BB962C8B-B14F-4D97-AF65-F5344CB8AC3E}">
-        <p14:creationId xmlns:p14="http://schemas.microsoft.com/office/powerpoint/2010/main" val="2474075790"/>
+        <p14:creationId xmlns:p14="http://schemas.microsoft.com/office/powerpoint/2010/main" val="3382724744"/>
       </p:ext>
     </p:extLst>
   </p:cSld>
@@ -13876,7 +11007,7 @@
 </p:sld>
 </file>
 
-<file path=ppt/slides/slide31.xml><?xml version="1.0" encoding="utf-8"?>
+<file path=ppt/slides/slide24.xml><?xml version="1.0" encoding="utf-8"?>
 <p:sld xmlns:a="http://schemas.openxmlformats.org/drawingml/2006/main" xmlns:r="http://schemas.openxmlformats.org/officeDocument/2006/relationships" xmlns:p="http://schemas.openxmlformats.org/presentationml/2006/main">
   <p:cSld>
     <p:spTree>
@@ -13898,7 +11029,7 @@
           <p:cNvPr id="6" name="Rectangle 5">
             <a:extLst>
               <a:ext uri="{FF2B5EF4-FFF2-40B4-BE49-F238E27FC236}">
-                <a16:creationId xmlns:a16="http://schemas.microsoft.com/office/drawing/2014/main" id="{F9BE1FD0-68FD-5F53-4E28-5C14CED7BFDC}"/>
+                <a16:creationId xmlns:a16="http://schemas.microsoft.com/office/drawing/2014/main" id="{9005057E-ED35-EAB2-6C12-365079A1D0B4}"/>
               </a:ext>
             </a:extLst>
           </p:cNvPr>
@@ -13907,7 +11038,7 @@
         </p:nvSpPr>
         <p:spPr>
           <a:xfrm>
-            <a:off x="1386348" y="3445960"/>
+            <a:off x="1386348" y="2912560"/>
             <a:ext cx="2617839" cy="317090"/>
           </a:xfrm>
           <a:prstGeom prst="rect">
@@ -13964,7 +11095,7 @@
         <p:spPr>
           <a:xfrm>
             <a:off x="1386348" y="1768095"/>
-            <a:ext cx="2905433" cy="2862322"/>
+            <a:ext cx="2905433" cy="3139321"/>
           </a:xfrm>
           <a:prstGeom prst="rect">
             <a:avLst/>
@@ -13993,20 +11124,20 @@
           </a:p>
           <a:p>
             <a:r>
-              <a:rPr lang="en-GB" dirty="0"/>
-              <a:t>Address issues</a:t>
-            </a:r>
-          </a:p>
-          <a:p>
-            <a:endParaRPr lang="en-GB" dirty="0"/>
-          </a:p>
-          <a:p>
-            <a:r>
               <a:rPr lang="en-GB" dirty="0">
                 <a:solidFill>
                   <a:schemeClr val="bg1"/>
                 </a:solidFill>
               </a:rPr>
+              <a:t>Address issues</a:t>
+            </a:r>
+          </a:p>
+          <a:p>
+            <a:endParaRPr lang="en-GB" dirty="0"/>
+          </a:p>
+          <a:p>
+            <a:r>
+              <a:rPr lang="en-GB" dirty="0"/>
               <a:t>Promote content</a:t>
             </a:r>
           </a:p>
@@ -14021,6 +11152,12 @@
           </a:p>
           <a:p>
             <a:endParaRPr lang="en-GB" dirty="0"/>
+          </a:p>
+          <a:p>
+            <a:r>
+              <a:rPr lang="en-GB" dirty="0"/>
+              <a:t>Train Users</a:t>
+            </a:r>
           </a:p>
         </p:txBody>
       </p:sp>
@@ -14095,15 +11232,62 @@
           <a:p>
             <a:r>
               <a:rPr lang="en-GB" dirty="0"/>
-              <a:t>Feature examples and best practices from users</a:t>
+              <a:t>Troubleshoot based on user feedback</a:t>
             </a:r>
           </a:p>
         </p:txBody>
       </p:sp>
+      <p:pic>
+        <p:nvPicPr>
+          <p:cNvPr id="9" name="Picture 2">
+            <a:extLst>
+              <a:ext uri="{FF2B5EF4-FFF2-40B4-BE49-F238E27FC236}">
+                <a16:creationId xmlns:a16="http://schemas.microsoft.com/office/drawing/2014/main" id="{C8AFCCA2-4AD3-6258-292E-0D7D0186A840}"/>
+              </a:ext>
+            </a:extLst>
+          </p:cNvPr>
+          <p:cNvPicPr>
+            <a:picLocks noChangeAspect="1" noChangeArrowheads="1"/>
+          </p:cNvPicPr>
+          <p:nvPr/>
+        </p:nvPicPr>
+        <p:blipFill>
+          <a:blip r:embed="rId3" cstate="email">
+            <a:extLst>
+              <a:ext uri="{28A0092B-C50C-407E-A947-70E740481C1C}">
+                <a14:useLocalDpi xmlns:a14="http://schemas.microsoft.com/office/drawing/2010/main"/>
+              </a:ext>
+            </a:extLst>
+          </a:blip>
+          <a:srcRect/>
+          <a:stretch>
+            <a:fillRect/>
+          </a:stretch>
+        </p:blipFill>
+        <p:spPr bwMode="auto">
+          <a:xfrm>
+            <a:off x="6200345" y="2346959"/>
+            <a:ext cx="3677851" cy="3677851"/>
+          </a:xfrm>
+          <a:prstGeom prst="rect">
+            <a:avLst/>
+          </a:prstGeom>
+          <a:noFill/>
+          <a:extLst>
+            <a:ext uri="{909E8E84-426E-40DD-AFC4-6F175D3DCCD1}">
+              <a14:hiddenFill xmlns:a14="http://schemas.microsoft.com/office/drawing/2010/main">
+                <a:solidFill>
+                  <a:srgbClr val="FFFFFF"/>
+                </a:solidFill>
+              </a14:hiddenFill>
+            </a:ext>
+          </a:extLst>
+        </p:spPr>
+      </p:pic>
     </p:spTree>
     <p:extLst>
       <p:ext uri="{BB962C8B-B14F-4D97-AF65-F5344CB8AC3E}">
-        <p14:creationId xmlns:p14="http://schemas.microsoft.com/office/powerpoint/2010/main" val="2714633039"/>
+        <p14:creationId xmlns:p14="http://schemas.microsoft.com/office/powerpoint/2010/main" val="2474075790"/>
       </p:ext>
     </p:extLst>
   </p:cSld>
@@ -14116,7 +11300,7 @@
 </p:sld>
 </file>
 
-<file path=ppt/slides/slide32.xml><?xml version="1.0" encoding="utf-8"?>
+<file path=ppt/slides/slide25.xml><?xml version="1.0" encoding="utf-8"?>
 <p:sld xmlns:a="http://schemas.openxmlformats.org/drawingml/2006/main" xmlns:r="http://schemas.openxmlformats.org/officeDocument/2006/relationships" xmlns:p="http://schemas.openxmlformats.org/presentationml/2006/main">
   <p:cSld>
     <p:spTree>
@@ -14138,7 +11322,7 @@
           <p:cNvPr id="6" name="Rectangle 5">
             <a:extLst>
               <a:ext uri="{FF2B5EF4-FFF2-40B4-BE49-F238E27FC236}">
-                <a16:creationId xmlns:a16="http://schemas.microsoft.com/office/drawing/2014/main" id="{1388578F-97A9-F3E0-6445-F2094997979F}"/>
+                <a16:creationId xmlns:a16="http://schemas.microsoft.com/office/drawing/2014/main" id="{F9BE1FD0-68FD-5F53-4E28-5C14CED7BFDC}"/>
               </a:ext>
             </a:extLst>
           </p:cNvPr>
@@ -14147,7 +11331,7 @@
         </p:nvSpPr>
         <p:spPr>
           <a:xfrm>
-            <a:off x="1386348" y="3971740"/>
+            <a:off x="1386348" y="3445960"/>
             <a:ext cx="2617839" cy="317090"/>
           </a:xfrm>
           <a:prstGeom prst="rect">
@@ -14204,7 +11388,7 @@
         <p:spPr>
           <a:xfrm>
             <a:off x="1386348" y="1768095"/>
-            <a:ext cx="2905433" cy="2862322"/>
+            <a:ext cx="2905433" cy="3139321"/>
           </a:xfrm>
           <a:prstGeom prst="rect">
             <a:avLst/>
@@ -14242,25 +11426,31 @@
           </a:p>
           <a:p>
             <a:r>
-              <a:rPr lang="en-GB" dirty="0"/>
-              <a:t>Promote content</a:t>
-            </a:r>
-          </a:p>
-          <a:p>
-            <a:endParaRPr lang="en-GB" dirty="0"/>
-          </a:p>
-          <a:p>
-            <a:r>
               <a:rPr lang="en-GB" dirty="0">
                 <a:solidFill>
                   <a:schemeClr val="bg1"/>
                 </a:solidFill>
               </a:rPr>
+              <a:t>Promote content</a:t>
+            </a:r>
+          </a:p>
+          <a:p>
+            <a:endParaRPr lang="en-GB" dirty="0"/>
+          </a:p>
+          <a:p>
+            <a:r>
+              <a:rPr lang="en-GB" dirty="0"/>
               <a:t>Report to stakeholders</a:t>
             </a:r>
           </a:p>
           <a:p>
             <a:endParaRPr lang="en-GB" dirty="0"/>
+          </a:p>
+          <a:p>
+            <a:r>
+              <a:rPr lang="en-GB" dirty="0"/>
+              <a:t>Train Users</a:t>
+            </a:r>
           </a:p>
         </p:txBody>
       </p:sp>
@@ -14335,50 +11525,261 @@
           <a:p>
             <a:r>
               <a:rPr lang="en-GB" dirty="0"/>
-              <a:t>Share Power BI rollout insights and next steps</a:t>
+              <a:t>Feature examples and best practices from users</a:t>
             </a:r>
           </a:p>
         </p:txBody>
       </p:sp>
-      <p:pic>
-        <p:nvPicPr>
-          <p:cNvPr id="5" name="Graphic 4" descr="Badge 4 with solid fill">
+    </p:spTree>
+    <p:extLst>
+      <p:ext uri="{BB962C8B-B14F-4D97-AF65-F5344CB8AC3E}">
+        <p14:creationId xmlns:p14="http://schemas.microsoft.com/office/powerpoint/2010/main" val="2714633039"/>
+      </p:ext>
+    </p:extLst>
+  </p:cSld>
+  <p:clrMapOvr>
+    <a:masterClrMapping/>
+  </p:clrMapOvr>
+  <p:transition>
+    <p:fade/>
+  </p:transition>
+</p:sld>
+</file>
+
+<file path=ppt/slides/slide26.xml><?xml version="1.0" encoding="utf-8"?>
+<p:sld xmlns:a="http://schemas.openxmlformats.org/drawingml/2006/main" xmlns:r="http://schemas.openxmlformats.org/officeDocument/2006/relationships" xmlns:p="http://schemas.openxmlformats.org/presentationml/2006/main">
+  <p:cSld>
+    <p:spTree>
+      <p:nvGrpSpPr>
+        <p:cNvPr id="1" name=""/>
+        <p:cNvGrpSpPr/>
+        <p:nvPr/>
+      </p:nvGrpSpPr>
+      <p:grpSpPr>
+        <a:xfrm>
+          <a:off x="0" y="0"/>
+          <a:ext cx="0" cy="0"/>
+          <a:chOff x="0" y="0"/>
+          <a:chExt cx="0" cy="0"/>
+        </a:xfrm>
+      </p:grpSpPr>
+      <p:sp>
+        <p:nvSpPr>
+          <p:cNvPr id="6" name="Rectangle 5">
             <a:extLst>
               <a:ext uri="{FF2B5EF4-FFF2-40B4-BE49-F238E27FC236}">
-                <a16:creationId xmlns:a16="http://schemas.microsoft.com/office/drawing/2014/main" id="{08AA710B-5363-0035-0046-C529FB2F5D9C}"/>
+                <a16:creationId xmlns:a16="http://schemas.microsoft.com/office/drawing/2014/main" id="{1388578F-97A9-F3E0-6445-F2094997979F}"/>
               </a:ext>
             </a:extLst>
           </p:cNvPr>
-          <p:cNvPicPr>
-            <a:picLocks noChangeAspect="1"/>
-          </p:cNvPicPr>
+          <p:cNvSpPr/>
           <p:nvPr/>
-        </p:nvPicPr>
-        <p:blipFill>
-          <a:blip r:embed="rId3">
-            <a:extLst>
-              <a:ext uri="{28A0092B-C50C-407E-A947-70E740481C1C}">
-                <a14:useLocalDpi xmlns:a14="http://schemas.microsoft.com/office/drawing/2010/main" val="0"/>
-              </a:ext>
-              <a:ext uri="{96DAC541-7B7A-43D3-8B79-37D633B846F1}">
-                <asvg:svgBlip xmlns:asvg="http://schemas.microsoft.com/office/drawing/2016/SVG/main" r:embed="rId4"/>
-              </a:ext>
-            </a:extLst>
-          </a:blip>
-          <a:stretch>
-            <a:fillRect/>
-          </a:stretch>
-        </p:blipFill>
+        </p:nvSpPr>
         <p:spPr>
           <a:xfrm>
-            <a:off x="1492229" y="88937"/>
-            <a:ext cx="1800000" cy="1800000"/>
+            <a:off x="1386348" y="3971740"/>
+            <a:ext cx="2617839" cy="317090"/>
           </a:xfrm>
           <a:prstGeom prst="rect">
             <a:avLst/>
           </a:prstGeom>
+          <a:solidFill>
+            <a:schemeClr val="accent1"/>
+          </a:solidFill>
+          <a:ln>
+            <a:noFill/>
+          </a:ln>
         </p:spPr>
-      </p:pic>
+        <p:style>
+          <a:lnRef idx="2">
+            <a:schemeClr val="accent1">
+              <a:shade val="50000"/>
+            </a:schemeClr>
+          </a:lnRef>
+          <a:fillRef idx="1">
+            <a:schemeClr val="accent1"/>
+          </a:fillRef>
+          <a:effectRef idx="0">
+            <a:schemeClr val="accent1"/>
+          </a:effectRef>
+          <a:fontRef idx="minor">
+            <a:schemeClr val="lt1"/>
+          </a:fontRef>
+        </p:style>
+        <p:txBody>
+          <a:bodyPr rtlCol="0" anchor="ctr"/>
+          <a:lstStyle/>
+          <a:p>
+            <a:pPr algn="ctr"/>
+            <a:endParaRPr lang="en-GB" sz="1400" dirty="0">
+              <a:solidFill>
+                <a:schemeClr val="bg1"/>
+              </a:solidFill>
+            </a:endParaRPr>
+          </a:p>
+        </p:txBody>
+      </p:sp>
+      <p:sp>
+        <p:nvSpPr>
+          <p:cNvPr id="4" name="TextBox 3">
+            <a:extLst>
+              <a:ext uri="{FF2B5EF4-FFF2-40B4-BE49-F238E27FC236}">
+                <a16:creationId xmlns:a16="http://schemas.microsoft.com/office/drawing/2014/main" id="{A0D4B8DA-9E5C-6C7A-8106-0046AF892D1F}"/>
+              </a:ext>
+            </a:extLst>
+          </p:cNvPr>
+          <p:cNvSpPr txBox="1"/>
+          <p:nvPr/>
+        </p:nvSpPr>
+        <p:spPr>
+          <a:xfrm>
+            <a:off x="1386348" y="1768095"/>
+            <a:ext cx="2905433" cy="3139321"/>
+          </a:xfrm>
+          <a:prstGeom prst="rect">
+            <a:avLst/>
+          </a:prstGeom>
+          <a:noFill/>
+        </p:spPr>
+        <p:txBody>
+          <a:bodyPr wrap="square">
+            <a:spAutoFit/>
+          </a:bodyPr>
+          <a:lstStyle/>
+          <a:p>
+            <a:endParaRPr lang="en-GB" b="1" dirty="0"/>
+          </a:p>
+          <a:p>
+            <a:endParaRPr lang="en-GB" dirty="0"/>
+          </a:p>
+          <a:p>
+            <a:r>
+              <a:rPr lang="en-GB" dirty="0"/>
+              <a:t>Monitor usage</a:t>
+            </a:r>
+          </a:p>
+          <a:p>
+            <a:endParaRPr lang="en-GB" dirty="0"/>
+          </a:p>
+          <a:p>
+            <a:r>
+              <a:rPr lang="en-GB" dirty="0"/>
+              <a:t>Address issues</a:t>
+            </a:r>
+          </a:p>
+          <a:p>
+            <a:endParaRPr lang="en-GB" dirty="0"/>
+          </a:p>
+          <a:p>
+            <a:r>
+              <a:rPr lang="en-GB" dirty="0"/>
+              <a:t>Promote content</a:t>
+            </a:r>
+          </a:p>
+          <a:p>
+            <a:endParaRPr lang="en-GB" dirty="0"/>
+          </a:p>
+          <a:p>
+            <a:r>
+              <a:rPr lang="en-GB" dirty="0">
+                <a:solidFill>
+                  <a:schemeClr val="bg1"/>
+                </a:solidFill>
+              </a:rPr>
+              <a:t>Report to stakeholders</a:t>
+            </a:r>
+          </a:p>
+          <a:p>
+            <a:endParaRPr lang="en-GB" dirty="0">
+              <a:solidFill>
+                <a:schemeClr val="bg1"/>
+              </a:solidFill>
+            </a:endParaRPr>
+          </a:p>
+          <a:p>
+            <a:r>
+              <a:rPr lang="en-GB" dirty="0"/>
+              <a:t>Train Users</a:t>
+            </a:r>
+          </a:p>
+        </p:txBody>
+      </p:sp>
+      <p:cxnSp>
+        <p:nvCxnSpPr>
+          <p:cNvPr id="7" name="Straight Connector 6">
+            <a:extLst>
+              <a:ext uri="{FF2B5EF4-FFF2-40B4-BE49-F238E27FC236}">
+                <a16:creationId xmlns:a16="http://schemas.microsoft.com/office/drawing/2014/main" id="{895742FE-6C27-FBE0-7154-5C28B35A8C9A}"/>
+              </a:ext>
+            </a:extLst>
+          </p:cNvPr>
+          <p:cNvCxnSpPr/>
+          <p:nvPr/>
+        </p:nvCxnSpPr>
+        <p:spPr>
+          <a:xfrm>
+            <a:off x="4277032" y="1768095"/>
+            <a:ext cx="0" cy="2585323"/>
+          </a:xfrm>
+          <a:prstGeom prst="line">
+            <a:avLst/>
+          </a:prstGeom>
+          <a:ln w="28575">
+            <a:solidFill>
+              <a:srgbClr val="C00000"/>
+            </a:solidFill>
+          </a:ln>
+        </p:spPr>
+        <p:style>
+          <a:lnRef idx="1">
+            <a:schemeClr val="accent1"/>
+          </a:lnRef>
+          <a:fillRef idx="0">
+            <a:schemeClr val="accent1"/>
+          </a:fillRef>
+          <a:effectRef idx="0">
+            <a:schemeClr val="accent1"/>
+          </a:effectRef>
+          <a:fontRef idx="minor">
+            <a:schemeClr val="tx1"/>
+          </a:fontRef>
+        </p:style>
+      </p:cxnSp>
+      <p:sp>
+        <p:nvSpPr>
+          <p:cNvPr id="8" name="TextBox 7">
+            <a:extLst>
+              <a:ext uri="{FF2B5EF4-FFF2-40B4-BE49-F238E27FC236}">
+                <a16:creationId xmlns:a16="http://schemas.microsoft.com/office/drawing/2014/main" id="{36A95714-5DE7-784A-34C5-9327B5DC7DEA}"/>
+              </a:ext>
+            </a:extLst>
+          </p:cNvPr>
+          <p:cNvSpPr txBox="1"/>
+          <p:nvPr/>
+        </p:nvSpPr>
+        <p:spPr>
+          <a:xfrm>
+            <a:off x="4446640" y="1704271"/>
+            <a:ext cx="7745360" cy="369332"/>
+          </a:xfrm>
+          <a:prstGeom prst="rect">
+            <a:avLst/>
+          </a:prstGeom>
+          <a:noFill/>
+        </p:spPr>
+        <p:txBody>
+          <a:bodyPr wrap="square">
+            <a:spAutoFit/>
+          </a:bodyPr>
+          <a:lstStyle/>
+          <a:p>
+            <a:r>
+              <a:rPr lang="en-GB" dirty="0"/>
+              <a:t>Share Power BI rollout insights and next steps</a:t>
+            </a:r>
+          </a:p>
+        </p:txBody>
+      </p:sp>
     </p:spTree>
     <p:extLst>
       <p:ext uri="{BB962C8B-B14F-4D97-AF65-F5344CB8AC3E}">
@@ -14395,7 +11796,257 @@
 </p:sld>
 </file>
 
-<file path=ppt/slides/slide33.xml><?xml version="1.0" encoding="utf-8"?>
+<file path=ppt/slides/slide27.xml><?xml version="1.0" encoding="utf-8"?>
+<p:sld xmlns:a="http://schemas.openxmlformats.org/drawingml/2006/main" xmlns:r="http://schemas.openxmlformats.org/officeDocument/2006/relationships" xmlns:p="http://schemas.openxmlformats.org/presentationml/2006/main">
+  <p:cSld>
+    <p:spTree>
+      <p:nvGrpSpPr>
+        <p:cNvPr id="1" name=""/>
+        <p:cNvGrpSpPr/>
+        <p:nvPr/>
+      </p:nvGrpSpPr>
+      <p:grpSpPr>
+        <a:xfrm>
+          <a:off x="0" y="0"/>
+          <a:ext cx="0" cy="0"/>
+          <a:chOff x="0" y="0"/>
+          <a:chExt cx="0" cy="0"/>
+        </a:xfrm>
+      </p:grpSpPr>
+      <p:sp>
+        <p:nvSpPr>
+          <p:cNvPr id="6" name="Rectangle 5">
+            <a:extLst>
+              <a:ext uri="{FF2B5EF4-FFF2-40B4-BE49-F238E27FC236}">
+                <a16:creationId xmlns:a16="http://schemas.microsoft.com/office/drawing/2014/main" id="{1388578F-97A9-F3E0-6445-F2094997979F}"/>
+              </a:ext>
+            </a:extLst>
+          </p:cNvPr>
+          <p:cNvSpPr/>
+          <p:nvPr/>
+        </p:nvSpPr>
+        <p:spPr>
+          <a:xfrm>
+            <a:off x="1386348" y="4538900"/>
+            <a:ext cx="2617839" cy="317090"/>
+          </a:xfrm>
+          <a:prstGeom prst="rect">
+            <a:avLst/>
+          </a:prstGeom>
+          <a:solidFill>
+            <a:schemeClr val="accent1"/>
+          </a:solidFill>
+          <a:ln>
+            <a:noFill/>
+          </a:ln>
+        </p:spPr>
+        <p:style>
+          <a:lnRef idx="2">
+            <a:schemeClr val="accent1">
+              <a:shade val="50000"/>
+            </a:schemeClr>
+          </a:lnRef>
+          <a:fillRef idx="1">
+            <a:schemeClr val="accent1"/>
+          </a:fillRef>
+          <a:effectRef idx="0">
+            <a:schemeClr val="accent1"/>
+          </a:effectRef>
+          <a:fontRef idx="minor">
+            <a:schemeClr val="lt1"/>
+          </a:fontRef>
+        </p:style>
+        <p:txBody>
+          <a:bodyPr rtlCol="0" anchor="ctr"/>
+          <a:lstStyle/>
+          <a:p>
+            <a:pPr algn="ctr"/>
+            <a:endParaRPr lang="en-GB" sz="1400" dirty="0">
+              <a:solidFill>
+                <a:schemeClr val="bg1"/>
+              </a:solidFill>
+            </a:endParaRPr>
+          </a:p>
+        </p:txBody>
+      </p:sp>
+      <p:sp>
+        <p:nvSpPr>
+          <p:cNvPr id="4" name="TextBox 3">
+            <a:extLst>
+              <a:ext uri="{FF2B5EF4-FFF2-40B4-BE49-F238E27FC236}">
+                <a16:creationId xmlns:a16="http://schemas.microsoft.com/office/drawing/2014/main" id="{A0D4B8DA-9E5C-6C7A-8106-0046AF892D1F}"/>
+              </a:ext>
+            </a:extLst>
+          </p:cNvPr>
+          <p:cNvSpPr txBox="1"/>
+          <p:nvPr/>
+        </p:nvSpPr>
+        <p:spPr>
+          <a:xfrm>
+            <a:off x="1386348" y="1768095"/>
+            <a:ext cx="2905433" cy="3139321"/>
+          </a:xfrm>
+          <a:prstGeom prst="rect">
+            <a:avLst/>
+          </a:prstGeom>
+          <a:noFill/>
+        </p:spPr>
+        <p:txBody>
+          <a:bodyPr wrap="square">
+            <a:spAutoFit/>
+          </a:bodyPr>
+          <a:lstStyle/>
+          <a:p>
+            <a:endParaRPr lang="en-GB" b="1" dirty="0"/>
+          </a:p>
+          <a:p>
+            <a:endParaRPr lang="en-GB" dirty="0"/>
+          </a:p>
+          <a:p>
+            <a:r>
+              <a:rPr lang="en-GB" dirty="0"/>
+              <a:t>Monitor usage</a:t>
+            </a:r>
+          </a:p>
+          <a:p>
+            <a:endParaRPr lang="en-GB" dirty="0"/>
+          </a:p>
+          <a:p>
+            <a:r>
+              <a:rPr lang="en-GB" dirty="0"/>
+              <a:t>Address issues</a:t>
+            </a:r>
+          </a:p>
+          <a:p>
+            <a:endParaRPr lang="en-GB" dirty="0"/>
+          </a:p>
+          <a:p>
+            <a:r>
+              <a:rPr lang="en-GB" dirty="0"/>
+              <a:t>Promote content</a:t>
+            </a:r>
+          </a:p>
+          <a:p>
+            <a:endParaRPr lang="en-GB" dirty="0"/>
+          </a:p>
+          <a:p>
+            <a:r>
+              <a:rPr lang="en-GB" dirty="0"/>
+              <a:t>Report to stakeholders</a:t>
+            </a:r>
+          </a:p>
+          <a:p>
+            <a:endParaRPr lang="en-GB" dirty="0">
+              <a:solidFill>
+                <a:schemeClr val="bg1"/>
+              </a:solidFill>
+            </a:endParaRPr>
+          </a:p>
+          <a:p>
+            <a:r>
+              <a:rPr lang="en-GB" dirty="0">
+                <a:solidFill>
+                  <a:schemeClr val="bg1"/>
+                </a:solidFill>
+              </a:rPr>
+              <a:t>Train Users</a:t>
+            </a:r>
+          </a:p>
+        </p:txBody>
+      </p:sp>
+      <p:cxnSp>
+        <p:nvCxnSpPr>
+          <p:cNvPr id="7" name="Straight Connector 6">
+            <a:extLst>
+              <a:ext uri="{FF2B5EF4-FFF2-40B4-BE49-F238E27FC236}">
+                <a16:creationId xmlns:a16="http://schemas.microsoft.com/office/drawing/2014/main" id="{895742FE-6C27-FBE0-7154-5C28B35A8C9A}"/>
+              </a:ext>
+            </a:extLst>
+          </p:cNvPr>
+          <p:cNvCxnSpPr/>
+          <p:nvPr/>
+        </p:nvCxnSpPr>
+        <p:spPr>
+          <a:xfrm>
+            <a:off x="4277032" y="1768095"/>
+            <a:ext cx="0" cy="2585323"/>
+          </a:xfrm>
+          <a:prstGeom prst="line">
+            <a:avLst/>
+          </a:prstGeom>
+          <a:ln w="28575">
+            <a:solidFill>
+              <a:srgbClr val="C00000"/>
+            </a:solidFill>
+          </a:ln>
+        </p:spPr>
+        <p:style>
+          <a:lnRef idx="1">
+            <a:schemeClr val="accent1"/>
+          </a:lnRef>
+          <a:fillRef idx="0">
+            <a:schemeClr val="accent1"/>
+          </a:fillRef>
+          <a:effectRef idx="0">
+            <a:schemeClr val="accent1"/>
+          </a:effectRef>
+          <a:fontRef idx="minor">
+            <a:schemeClr val="tx1"/>
+          </a:fontRef>
+        </p:style>
+      </p:cxnSp>
+      <p:sp>
+        <p:nvSpPr>
+          <p:cNvPr id="8" name="TextBox 7">
+            <a:extLst>
+              <a:ext uri="{FF2B5EF4-FFF2-40B4-BE49-F238E27FC236}">
+                <a16:creationId xmlns:a16="http://schemas.microsoft.com/office/drawing/2014/main" id="{36A95714-5DE7-784A-34C5-9327B5DC7DEA}"/>
+              </a:ext>
+            </a:extLst>
+          </p:cNvPr>
+          <p:cNvSpPr txBox="1"/>
+          <p:nvPr/>
+        </p:nvSpPr>
+        <p:spPr>
+          <a:xfrm>
+            <a:off x="4446640" y="1704271"/>
+            <a:ext cx="7745360" cy="369332"/>
+          </a:xfrm>
+          <a:prstGeom prst="rect">
+            <a:avLst/>
+          </a:prstGeom>
+          <a:noFill/>
+        </p:spPr>
+        <p:txBody>
+          <a:bodyPr wrap="square">
+            <a:spAutoFit/>
+          </a:bodyPr>
+          <a:lstStyle/>
+          <a:p>
+            <a:r>
+              <a:rPr lang="en-GB" dirty="0"/>
+              <a:t>Conduct training webinars on new features and self-service</a:t>
+            </a:r>
+          </a:p>
+        </p:txBody>
+      </p:sp>
+    </p:spTree>
+    <p:extLst>
+      <p:ext uri="{BB962C8B-B14F-4D97-AF65-F5344CB8AC3E}">
+        <p14:creationId xmlns:p14="http://schemas.microsoft.com/office/powerpoint/2010/main" val="108703625"/>
+      </p:ext>
+    </p:extLst>
+  </p:cSld>
+  <p:clrMapOvr>
+    <a:masterClrMapping/>
+  </p:clrMapOvr>
+  <p:transition>
+    <p:fade/>
+  </p:transition>
+</p:sld>
+</file>
+
+<file path=ppt/slides/slide28.xml><?xml version="1.0" encoding="utf-8"?>
 <p:sld xmlns:a="http://schemas.openxmlformats.org/drawingml/2006/main" xmlns:r="http://schemas.openxmlformats.org/officeDocument/2006/relationships" xmlns:p="http://schemas.openxmlformats.org/presentationml/2006/main">
   <p:cSld>
     <p:spTree>
@@ -19015,6 +16666,326 @@
 </p:sld>
 </file>
 
+<file path=ppt/slides/slide3.xml><?xml version="1.0" encoding="utf-8"?>
+<p:sld xmlns:a="http://schemas.openxmlformats.org/drawingml/2006/main" xmlns:r="http://schemas.openxmlformats.org/officeDocument/2006/relationships" xmlns:p="http://schemas.openxmlformats.org/presentationml/2006/main">
+  <p:cSld>
+    <p:spTree>
+      <p:nvGrpSpPr>
+        <p:cNvPr id="1" name=""/>
+        <p:cNvGrpSpPr/>
+        <p:nvPr/>
+      </p:nvGrpSpPr>
+      <p:grpSpPr>
+        <a:xfrm>
+          <a:off x="0" y="0"/>
+          <a:ext cx="0" cy="0"/>
+          <a:chOff x="0" y="0"/>
+          <a:chExt cx="0" cy="0"/>
+        </a:xfrm>
+      </p:grpSpPr>
+      <p:pic>
+        <p:nvPicPr>
+          <p:cNvPr id="1026" name="Picture 2">
+            <a:extLst>
+              <a:ext uri="{FF2B5EF4-FFF2-40B4-BE49-F238E27FC236}">
+                <a16:creationId xmlns:a16="http://schemas.microsoft.com/office/drawing/2014/main" id="{3790D5E8-6E9F-5A94-0E75-246431438A43}"/>
+              </a:ext>
+            </a:extLst>
+          </p:cNvPr>
+          <p:cNvPicPr>
+            <a:picLocks noChangeAspect="1" noChangeArrowheads="1"/>
+          </p:cNvPicPr>
+          <p:nvPr/>
+        </p:nvPicPr>
+        <p:blipFill>
+          <a:blip r:embed="rId3" cstate="email">
+            <a:extLst>
+              <a:ext uri="{28A0092B-C50C-407E-A947-70E740481C1C}">
+                <a14:useLocalDpi xmlns:a14="http://schemas.microsoft.com/office/drawing/2010/main"/>
+              </a:ext>
+            </a:extLst>
+          </a:blip>
+          <a:srcRect/>
+          <a:stretch>
+            <a:fillRect/>
+          </a:stretch>
+        </p:blipFill>
+        <p:spPr bwMode="auto">
+          <a:xfrm>
+            <a:off x="4199604" y="1258531"/>
+            <a:ext cx="3792792" cy="3792792"/>
+          </a:xfrm>
+          <a:prstGeom prst="rect">
+            <a:avLst/>
+          </a:prstGeom>
+          <a:noFill/>
+          <a:extLst>
+            <a:ext uri="{909E8E84-426E-40DD-AFC4-6F175D3DCCD1}">
+              <a14:hiddenFill xmlns:a14="http://schemas.microsoft.com/office/drawing/2010/main">
+                <a:solidFill>
+                  <a:srgbClr val="FFFFFF"/>
+                </a:solidFill>
+              </a14:hiddenFill>
+            </a:ext>
+          </a:extLst>
+        </p:spPr>
+      </p:pic>
+      <p:sp>
+        <p:nvSpPr>
+          <p:cNvPr id="3" name="TextBox 2">
+            <a:extLst>
+              <a:ext uri="{FF2B5EF4-FFF2-40B4-BE49-F238E27FC236}">
+                <a16:creationId xmlns:a16="http://schemas.microsoft.com/office/drawing/2014/main" id="{77426AEB-3548-8EFD-DB6A-C76D643D3468}"/>
+              </a:ext>
+            </a:extLst>
+          </p:cNvPr>
+          <p:cNvSpPr txBox="1"/>
+          <p:nvPr/>
+        </p:nvSpPr>
+        <p:spPr>
+          <a:xfrm>
+            <a:off x="2223319" y="5206181"/>
+            <a:ext cx="7745362" cy="636641"/>
+          </a:xfrm>
+          <a:prstGeom prst="rect">
+            <a:avLst/>
+          </a:prstGeom>
+          <a:noFill/>
+        </p:spPr>
+        <p:txBody>
+          <a:bodyPr wrap="none" lIns="0" tIns="0" rIns="0" bIns="0" rtlCol="0">
+            <a:noAutofit/>
+          </a:bodyPr>
+          <a:lstStyle/>
+          <a:p>
+            <a:pPr algn="ctr"/>
+            <a:r>
+              <a:rPr lang="en-GB" sz="4000" dirty="0">
+                <a:solidFill>
+                  <a:schemeClr val="tx2"/>
+                </a:solidFill>
+                <a:latin typeface="Kanit" pitchFamily="2" charset="-34"/>
+                <a:ea typeface="KaiTi" panose="02010609060101010101" pitchFamily="49" charset="-122"/>
+                <a:cs typeface="Kanit" pitchFamily="2" charset="-34"/>
+              </a:rPr>
+              <a:t>A Power BI Admin’s Roadmap</a:t>
+            </a:r>
+          </a:p>
+          <a:p>
+            <a:pPr algn="ctr"/>
+            <a:r>
+              <a:rPr lang="en-GB" sz="4000" dirty="0">
+                <a:solidFill>
+                  <a:schemeClr val="tx2"/>
+                </a:solidFill>
+                <a:latin typeface="Kanit" pitchFamily="2" charset="-34"/>
+                <a:ea typeface="KaiTi" panose="02010609060101010101" pitchFamily="49" charset="-122"/>
+                <a:cs typeface="Kanit" pitchFamily="2" charset="-34"/>
+              </a:rPr>
+              <a:t>for adoption success</a:t>
+            </a:r>
+          </a:p>
+        </p:txBody>
+      </p:sp>
+      <p:sp>
+        <p:nvSpPr>
+          <p:cNvPr id="4" name="Rectangle 3">
+            <a:extLst>
+              <a:ext uri="{FF2B5EF4-FFF2-40B4-BE49-F238E27FC236}">
+                <a16:creationId xmlns:a16="http://schemas.microsoft.com/office/drawing/2014/main" id="{8786AAE4-FC2F-9097-CBBB-E344DA716C7F}"/>
+              </a:ext>
+            </a:extLst>
+          </p:cNvPr>
+          <p:cNvSpPr/>
+          <p:nvPr/>
+        </p:nvSpPr>
+        <p:spPr>
+          <a:xfrm>
+            <a:off x="10987548" y="6363929"/>
+            <a:ext cx="700549" cy="376084"/>
+          </a:xfrm>
+          <a:prstGeom prst="rect">
+            <a:avLst/>
+          </a:prstGeom>
+          <a:solidFill>
+            <a:srgbClr val="BFBFBF"/>
+          </a:solidFill>
+          <a:ln>
+            <a:noFill/>
+          </a:ln>
+        </p:spPr>
+        <p:style>
+          <a:lnRef idx="2">
+            <a:schemeClr val="accent1">
+              <a:shade val="50000"/>
+            </a:schemeClr>
+          </a:lnRef>
+          <a:fillRef idx="1">
+            <a:schemeClr val="accent1"/>
+          </a:fillRef>
+          <a:effectRef idx="0">
+            <a:schemeClr val="accent1"/>
+          </a:effectRef>
+          <a:fontRef idx="minor">
+            <a:schemeClr val="lt1"/>
+          </a:fontRef>
+        </p:style>
+        <p:txBody>
+          <a:bodyPr rtlCol="0" anchor="ctr"/>
+          <a:lstStyle/>
+          <a:p>
+            <a:pPr algn="ctr"/>
+            <a:endParaRPr lang="en-GB" sz="1400" dirty="0">
+              <a:solidFill>
+                <a:schemeClr val="bg1"/>
+              </a:solidFill>
+            </a:endParaRPr>
+          </a:p>
+        </p:txBody>
+      </p:sp>
+      <p:sp>
+        <p:nvSpPr>
+          <p:cNvPr id="7" name="TextBox 6">
+            <a:extLst>
+              <a:ext uri="{FF2B5EF4-FFF2-40B4-BE49-F238E27FC236}">
+                <a16:creationId xmlns:a16="http://schemas.microsoft.com/office/drawing/2014/main" id="{6F2D8052-970D-8D9B-10D3-A25147F7E9BD}"/>
+              </a:ext>
+            </a:extLst>
+          </p:cNvPr>
+          <p:cNvSpPr txBox="1"/>
+          <p:nvPr/>
+        </p:nvSpPr>
+        <p:spPr>
+          <a:xfrm>
+            <a:off x="2223319" y="86034"/>
+            <a:ext cx="7745362" cy="1172497"/>
+          </a:xfrm>
+          <a:prstGeom prst="rect">
+            <a:avLst/>
+          </a:prstGeom>
+          <a:noFill/>
+        </p:spPr>
+        <p:txBody>
+          <a:bodyPr wrap="none" lIns="0" tIns="0" rIns="0" bIns="0" rtlCol="0">
+            <a:noAutofit/>
+          </a:bodyPr>
+          <a:lstStyle/>
+          <a:p>
+            <a:pPr algn="ctr"/>
+            <a:r>
+              <a:rPr lang="en-GB" sz="7200" dirty="0">
+                <a:solidFill>
+                  <a:schemeClr val="tx2"/>
+                </a:solidFill>
+                <a:latin typeface="Western" panose="02000500000000000000" pitchFamily="2" charset="0"/>
+              </a:rPr>
+              <a:t>Lets work together</a:t>
+            </a:r>
+          </a:p>
+        </p:txBody>
+      </p:sp>
+    </p:spTree>
+    <p:extLst>
+      <p:ext uri="{BB962C8B-B14F-4D97-AF65-F5344CB8AC3E}">
+        <p14:creationId xmlns:p14="http://schemas.microsoft.com/office/powerpoint/2010/main" val="1846339984"/>
+      </p:ext>
+    </p:extLst>
+  </p:cSld>
+  <p:clrMapOvr>
+    <a:masterClrMapping/>
+  </p:clrMapOvr>
+  <p:transition>
+    <p:fade/>
+  </p:transition>
+  <p:timing>
+    <p:tnLst>
+      <p:par>
+        <p:cTn id="1" dur="indefinite" restart="never" nodeType="tmRoot">
+          <p:childTnLst>
+            <p:seq concurrent="1" nextAc="seek">
+              <p:cTn id="2" dur="indefinite" nodeType="mainSeq">
+                <p:childTnLst>
+                  <p:par>
+                    <p:cTn id="3" fill="hold">
+                      <p:stCondLst>
+                        <p:cond delay="indefinite"/>
+                        <p:cond evt="onBegin" delay="0">
+                          <p:tn val="2"/>
+                        </p:cond>
+                      </p:stCondLst>
+                      <p:childTnLst>
+                        <p:par>
+                          <p:cTn id="4" fill="hold">
+                            <p:stCondLst>
+                              <p:cond delay="0"/>
+                            </p:stCondLst>
+                            <p:childTnLst>
+                              <p:par>
+                                <p:cTn id="5" presetID="10" presetClass="exit" presetSubtype="0" fill="hold" nodeType="withEffect">
+                                  <p:stCondLst>
+                                    <p:cond delay="0"/>
+                                  </p:stCondLst>
+                                  <p:childTnLst>
+                                    <p:animEffect transition="out" filter="fade">
+                                      <p:cBhvr>
+                                        <p:cTn id="6" dur="500"/>
+                                        <p:tgtEl>
+                                          <p:spTgt spid="1026"/>
+                                        </p:tgtEl>
+                                      </p:cBhvr>
+                                    </p:animEffect>
+                                    <p:set>
+                                      <p:cBhvr>
+                                        <p:cTn id="7" dur="1" fill="hold">
+                                          <p:stCondLst>
+                                            <p:cond delay="499"/>
+                                          </p:stCondLst>
+                                        </p:cTn>
+                                        <p:tgtEl>
+                                          <p:spTgt spid="1026"/>
+                                        </p:tgtEl>
+                                        <p:attrNameLst>
+                                          <p:attrName>style.visibility</p:attrName>
+                                        </p:attrNameLst>
+                                      </p:cBhvr>
+                                      <p:to>
+                                        <p:strVal val="hidden"/>
+                                      </p:to>
+                                    </p:set>
+                                  </p:childTnLst>
+                                </p:cTn>
+                              </p:par>
+                            </p:childTnLst>
+                          </p:cTn>
+                        </p:par>
+                      </p:childTnLst>
+                    </p:cTn>
+                  </p:par>
+                </p:childTnLst>
+              </p:cTn>
+              <p:prevCondLst>
+                <p:cond evt="onPrev" delay="0">
+                  <p:tgtEl>
+                    <p:sldTgt/>
+                  </p:tgtEl>
+                </p:cond>
+              </p:prevCondLst>
+              <p:nextCondLst>
+                <p:cond evt="onNext" delay="0">
+                  <p:tgtEl>
+                    <p:sldTgt/>
+                  </p:tgtEl>
+                </p:cond>
+              </p:nextCondLst>
+            </p:seq>
+          </p:childTnLst>
+        </p:cTn>
+      </p:par>
+    </p:tnLst>
+  </p:timing>
+</p:sld>
+</file>
+
 <file path=ppt/slides/slide4.xml><?xml version="1.0" encoding="utf-8"?>
 <p:sld xmlns:a="http://schemas.openxmlformats.org/drawingml/2006/main" xmlns:r="http://schemas.openxmlformats.org/officeDocument/2006/relationships" xmlns:p="http://schemas.openxmlformats.org/presentationml/2006/main">
   <p:cSld>
@@ -19067,45 +17038,6 @@
           </a:prstGeom>
         </p:spPr>
       </p:pic>
-      <p:pic>
-        <p:nvPicPr>
-          <p:cNvPr id="9" name="Graphic 8" descr="Badge 1 with solid fill">
-            <a:extLst>
-              <a:ext uri="{FF2B5EF4-FFF2-40B4-BE49-F238E27FC236}">
-                <a16:creationId xmlns:a16="http://schemas.microsoft.com/office/drawing/2014/main" id="{8711F55F-236E-7148-057F-790548359814}"/>
-              </a:ext>
-            </a:extLst>
-          </p:cNvPr>
-          <p:cNvPicPr>
-            <a:picLocks noChangeAspect="1"/>
-          </p:cNvPicPr>
-          <p:nvPr/>
-        </p:nvPicPr>
-        <p:blipFill>
-          <a:blip r:embed="rId4">
-            <a:extLst>
-              <a:ext uri="{28A0092B-C50C-407E-A947-70E740481C1C}">
-                <a14:useLocalDpi xmlns:a14="http://schemas.microsoft.com/office/drawing/2010/main"/>
-              </a:ext>
-              <a:ext uri="{96DAC541-7B7A-43D3-8B79-37D633B846F1}">
-                <asvg:svgBlip xmlns:asvg="http://schemas.microsoft.com/office/drawing/2016/SVG/main" r:embed="rId5"/>
-              </a:ext>
-            </a:extLst>
-          </a:blip>
-          <a:stretch>
-            <a:fillRect/>
-          </a:stretch>
-        </p:blipFill>
-        <p:spPr>
-          <a:xfrm>
-            <a:off x="419180" y="157596"/>
-            <a:ext cx="2351315" cy="2351315"/>
-          </a:xfrm>
-          <a:prstGeom prst="rect">
-            <a:avLst/>
-          </a:prstGeom>
-        </p:spPr>
-      </p:pic>
       <p:grpSp>
         <p:nvGrpSpPr>
           <p:cNvPr id="12" name="Group 11">
@@ -19141,7 +17073,7 @@
             <p:nvPr/>
           </p:nvPicPr>
           <p:blipFill>
-            <a:blip r:embed="rId6" cstate="email">
+            <a:blip r:embed="rId4" cstate="email">
               <a:extLst>
                 <a:ext uri="{28A0092B-C50C-407E-A947-70E740481C1C}">
                   <a14:useLocalDpi xmlns:a14="http://schemas.microsoft.com/office/drawing/2010/main"/>
@@ -19601,7 +17533,7 @@
                 </a:solidFill>
                 <a:cs typeface="Kanit" pitchFamily="2" charset="-34"/>
               </a:rPr>
-              <a:t>Key admin activities in the first four weeks:</a:t>
+              <a:t>Key admin activities in the first two weeks:</a:t>
             </a:r>
           </a:p>
         </p:txBody>
@@ -20118,45 +18050,6 @@
           </a:fontRef>
         </p:style>
       </p:cxnSp>
-      <p:pic>
-        <p:nvPicPr>
-          <p:cNvPr id="2" name="Graphic 1" descr="Badge 1 with solid fill">
-            <a:extLst>
-              <a:ext uri="{FF2B5EF4-FFF2-40B4-BE49-F238E27FC236}">
-                <a16:creationId xmlns:a16="http://schemas.microsoft.com/office/drawing/2014/main" id="{F9024453-393D-82B1-5698-61D6C7AF4298}"/>
-              </a:ext>
-            </a:extLst>
-          </p:cNvPr>
-          <p:cNvPicPr>
-            <a:picLocks noChangeAspect="1"/>
-          </p:cNvPicPr>
-          <p:nvPr/>
-        </p:nvPicPr>
-        <p:blipFill>
-          <a:blip r:embed="rId4">
-            <a:extLst>
-              <a:ext uri="{28A0092B-C50C-407E-A947-70E740481C1C}">
-                <a14:useLocalDpi xmlns:a14="http://schemas.microsoft.com/office/drawing/2010/main" val="0"/>
-              </a:ext>
-              <a:ext uri="{96DAC541-7B7A-43D3-8B79-37D633B846F1}">
-                <asvg:svgBlip xmlns:asvg="http://schemas.microsoft.com/office/drawing/2016/SVG/main" r:embed="rId5"/>
-              </a:ext>
-            </a:extLst>
-          </a:blip>
-          <a:stretch>
-            <a:fillRect/>
-          </a:stretch>
-        </p:blipFill>
-        <p:spPr>
-          <a:xfrm>
-            <a:off x="1617592" y="256545"/>
-            <a:ext cx="1800000" cy="1800000"/>
-          </a:xfrm>
-          <a:prstGeom prst="rect">
-            <a:avLst/>
-          </a:prstGeom>
-        </p:spPr>
-      </p:pic>
     </p:spTree>
     <p:extLst>
       <p:ext uri="{BB962C8B-B14F-4D97-AF65-F5344CB8AC3E}">
@@ -20342,7 +18235,7 @@
         <p:spPr>
           <a:xfrm>
             <a:off x="4446640" y="1704271"/>
-            <a:ext cx="7745360" cy="2585323"/>
+            <a:ext cx="7745360" cy="4308872"/>
           </a:xfrm>
           <a:prstGeom prst="rect">
             <a:avLst/>
@@ -20357,7 +18250,7 @@
           <a:p>
             <a:r>
               <a:rPr lang="en-GB" dirty="0"/>
-              <a:t>Start with 4 broad groups for your Power BI users: </a:t>
+              <a:t>Start by creating some more specialised groups to control the backstage activities:</a:t>
             </a:r>
           </a:p>
           <a:p>
@@ -20368,39 +18261,166 @@
           </a:p>
           <a:p>
             <a:r>
-              <a:rPr lang="en-GB" dirty="0"/>
-              <a:t>Admin</a:t>
-            </a:r>
-          </a:p>
-          <a:p>
-            <a:r>
-              <a:rPr lang="en-GB" dirty="0"/>
-              <a:t>Contributor</a:t>
-            </a:r>
-          </a:p>
-          <a:p>
-            <a:r>
-              <a:rPr lang="en-GB" dirty="0"/>
-              <a:t>Tester</a:t>
-            </a:r>
-          </a:p>
-          <a:p>
-            <a:r>
-              <a:rPr lang="en-GB" dirty="0"/>
-              <a:t>Viewer</a:t>
-            </a:r>
-          </a:p>
-          <a:p>
-            <a:endParaRPr lang="en-GB" dirty="0"/>
-          </a:p>
-          <a:p>
-            <a:r>
-              <a:rPr lang="en-GB" dirty="0"/>
-              <a:t>Try to use the principle of least privilege.</a:t>
-            </a:r>
-          </a:p>
-          <a:p>
-            <a:endParaRPr lang="en-GB" dirty="0"/>
+              <a:rPr lang="en-GB" b="1" dirty="0">
+                <a:solidFill>
+                  <a:srgbClr val="002060"/>
+                </a:solidFill>
+              </a:rPr>
+              <a:t>PowerBI-</a:t>
+            </a:r>
+            <a:r>
+              <a:rPr lang="en-GB" b="1" dirty="0" err="1">
+                <a:solidFill>
+                  <a:srgbClr val="002060"/>
+                </a:solidFill>
+              </a:rPr>
+              <a:t>GatewayAdmin</a:t>
+            </a:r>
+            <a:endParaRPr lang="en-GB" sz="1400" b="1" dirty="0">
+              <a:solidFill>
+                <a:srgbClr val="002060"/>
+              </a:solidFill>
+            </a:endParaRPr>
+          </a:p>
+          <a:p>
+            <a:r>
+              <a:rPr lang="en-GB" sz="1400" dirty="0"/>
+              <a:t>Install and configure on-premises data gateways to enable access to </a:t>
+            </a:r>
+          </a:p>
+          <a:p>
+            <a:r>
+              <a:rPr lang="en-GB" sz="1400" dirty="0"/>
+              <a:t>on-prem data sources.</a:t>
+            </a:r>
+          </a:p>
+          <a:p>
+            <a:endParaRPr lang="en-GB" b="1" dirty="0">
+              <a:solidFill>
+                <a:srgbClr val="002060"/>
+              </a:solidFill>
+            </a:endParaRPr>
+          </a:p>
+          <a:p>
+            <a:r>
+              <a:rPr lang="en-GB" b="1" dirty="0">
+                <a:solidFill>
+                  <a:srgbClr val="002060"/>
+                </a:solidFill>
+              </a:rPr>
+              <a:t>PowerBI-</a:t>
+            </a:r>
+            <a:r>
+              <a:rPr lang="en-GB" b="1" dirty="0" err="1">
+                <a:solidFill>
+                  <a:srgbClr val="002060"/>
+                </a:solidFill>
+              </a:rPr>
+              <a:t>WorkspaceCreator</a:t>
+            </a:r>
+            <a:endParaRPr lang="en-GB" sz="1400" b="1" dirty="0">
+              <a:solidFill>
+                <a:srgbClr val="002060"/>
+              </a:solidFill>
+            </a:endParaRPr>
+          </a:p>
+          <a:p>
+            <a:r>
+              <a:rPr lang="en-GB" sz="1400" dirty="0"/>
+              <a:t>Allowing any user to create workspaces can lead to proliferation </a:t>
+            </a:r>
+          </a:p>
+          <a:p>
+            <a:r>
+              <a:rPr lang="en-GB" sz="1400" dirty="0"/>
+              <a:t>of uncontrolled workspaces.</a:t>
+            </a:r>
+          </a:p>
+          <a:p>
+            <a:endParaRPr lang="en-GB" b="1" dirty="0">
+              <a:solidFill>
+                <a:srgbClr val="002060"/>
+              </a:solidFill>
+            </a:endParaRPr>
+          </a:p>
+          <a:p>
+            <a:r>
+              <a:rPr lang="en-GB" b="1" dirty="0">
+                <a:solidFill>
+                  <a:srgbClr val="002060"/>
+                </a:solidFill>
+              </a:rPr>
+              <a:t>PowerBI-</a:t>
+            </a:r>
+            <a:r>
+              <a:rPr lang="en-GB" b="1" dirty="0" err="1">
+                <a:solidFill>
+                  <a:srgbClr val="002060"/>
+                </a:solidFill>
+              </a:rPr>
+              <a:t>DemoViewer</a:t>
+            </a:r>
+            <a:r>
+              <a:rPr lang="en-GB" sz="1400" b="1" dirty="0">
+                <a:solidFill>
+                  <a:srgbClr val="002060"/>
+                </a:solidFill>
+              </a:rPr>
+              <a:t> </a:t>
+            </a:r>
+            <a:r>
+              <a:rPr lang="en-GB" sz="1400" dirty="0"/>
+              <a:t>	</a:t>
+            </a:r>
+          </a:p>
+          <a:p>
+            <a:r>
+              <a:rPr lang="en-GB" sz="1400" dirty="0"/>
+              <a:t>Dynamic membership (</a:t>
+            </a:r>
+            <a:r>
+              <a:rPr lang="en-GB" sz="1400" dirty="0" err="1"/>
+              <a:t>user.objectId</a:t>
+            </a:r>
+            <a:r>
+              <a:rPr lang="en-GB" sz="1400" dirty="0"/>
+              <a:t> -ne null) and (</a:t>
+            </a:r>
+            <a:r>
+              <a:rPr lang="en-GB" sz="1400" dirty="0" err="1"/>
+              <a:t>user.userType</a:t>
+            </a:r>
+            <a:r>
+              <a:rPr lang="en-GB" sz="1400" dirty="0"/>
+              <a:t> -</a:t>
+            </a:r>
+            <a:r>
+              <a:rPr lang="en-GB" sz="1400" dirty="0" err="1"/>
+              <a:t>eq</a:t>
+            </a:r>
+            <a:r>
+              <a:rPr lang="en-GB" sz="1400" dirty="0"/>
+              <a:t> "member")</a:t>
+            </a:r>
+          </a:p>
+          <a:p>
+            <a:endParaRPr lang="en-GB" sz="1400" dirty="0"/>
+          </a:p>
+          <a:p>
+            <a:r>
+              <a:rPr lang="en-GB" b="1" dirty="0">
+                <a:solidFill>
+                  <a:srgbClr val="002060"/>
+                </a:solidFill>
+              </a:rPr>
+              <a:t>PowerBI-API</a:t>
+            </a:r>
+          </a:p>
+          <a:p>
+            <a:r>
+              <a:rPr lang="en-GB" sz="1400" dirty="0"/>
+              <a:t>Used to add the managed identity of a data factory so that we can extract tenant metadata on an automated basis.</a:t>
+            </a:r>
           </a:p>
         </p:txBody>
       </p:sp>
@@ -20445,10 +18465,68 @@
           </a:fontRef>
         </p:style>
       </p:cxnSp>
+      <p:sp>
+        <p:nvSpPr>
+          <p:cNvPr id="11" name="Rectangle 10">
+            <a:extLst>
+              <a:ext uri="{FF2B5EF4-FFF2-40B4-BE49-F238E27FC236}">
+                <a16:creationId xmlns:a16="http://schemas.microsoft.com/office/drawing/2014/main" id="{0C9A24C7-8681-DF75-FDCD-FBACD4D76664}"/>
+              </a:ext>
+            </a:extLst>
+          </p:cNvPr>
+          <p:cNvSpPr/>
+          <p:nvPr/>
+        </p:nvSpPr>
+        <p:spPr>
+          <a:xfrm>
+            <a:off x="4461388" y="2529348"/>
+            <a:ext cx="5095568" cy="899652"/>
+          </a:xfrm>
+          <a:prstGeom prst="rect">
+            <a:avLst/>
+          </a:prstGeom>
+          <a:solidFill>
+            <a:schemeClr val="accent1">
+              <a:alpha val="20000"/>
+            </a:schemeClr>
+          </a:solidFill>
+          <a:ln>
+            <a:noFill/>
+          </a:ln>
+        </p:spPr>
+        <p:style>
+          <a:lnRef idx="2">
+            <a:schemeClr val="accent1">
+              <a:shade val="50000"/>
+            </a:schemeClr>
+          </a:lnRef>
+          <a:fillRef idx="1">
+            <a:schemeClr val="accent1"/>
+          </a:fillRef>
+          <a:effectRef idx="0">
+            <a:schemeClr val="accent1"/>
+          </a:effectRef>
+          <a:fontRef idx="minor">
+            <a:schemeClr val="lt1"/>
+          </a:fontRef>
+        </p:style>
+        <p:txBody>
+          <a:bodyPr rtlCol="0" anchor="ctr"/>
+          <a:lstStyle/>
+          <a:p>
+            <a:pPr algn="ctr"/>
+            <a:endParaRPr lang="en-GB" sz="1400" dirty="0">
+              <a:solidFill>
+                <a:schemeClr val="bg1"/>
+              </a:solidFill>
+            </a:endParaRPr>
+          </a:p>
+        </p:txBody>
+      </p:sp>
     </p:spTree>
     <p:extLst>
       <p:ext uri="{BB962C8B-B14F-4D97-AF65-F5344CB8AC3E}">
-        <p14:creationId xmlns:p14="http://schemas.microsoft.com/office/powerpoint/2010/main" val="2574612119"/>
+        <p14:creationId xmlns:p14="http://schemas.microsoft.com/office/powerpoint/2010/main" val="1533131087"/>
       </p:ext>
     </p:extLst>
   </p:cSld>
@@ -20630,7 +18708,7 @@
         <p:spPr>
           <a:xfrm>
             <a:off x="4446640" y="1704271"/>
-            <a:ext cx="7745360" cy="2585323"/>
+            <a:ext cx="7745360" cy="4493538"/>
           </a:xfrm>
           <a:prstGeom prst="rect">
             <a:avLst/>
@@ -20645,7 +18723,7 @@
           <a:p>
             <a:r>
               <a:rPr lang="en-GB" dirty="0"/>
-              <a:t>Start with 4 broad groups for your Power BI users: </a:t>
+              <a:t>Start by creating some more specialised groups to control the backstage activities:</a:t>
             </a:r>
           </a:p>
           <a:p>
@@ -20656,39 +18734,167 @@
           </a:p>
           <a:p>
             <a:r>
-              <a:rPr lang="en-GB" dirty="0"/>
-              <a:t>Admin</a:t>
-            </a:r>
-          </a:p>
-          <a:p>
-            <a:r>
-              <a:rPr lang="en-GB" dirty="0"/>
-              <a:t>Contributor</a:t>
-            </a:r>
-          </a:p>
-          <a:p>
-            <a:r>
-              <a:rPr lang="en-GB" dirty="0"/>
-              <a:t>Tester</a:t>
-            </a:r>
-          </a:p>
-          <a:p>
-            <a:r>
-              <a:rPr lang="en-GB" dirty="0"/>
-              <a:t>Viewer</a:t>
-            </a:r>
-          </a:p>
-          <a:p>
-            <a:endParaRPr lang="en-GB" dirty="0"/>
-          </a:p>
-          <a:p>
-            <a:r>
-              <a:rPr lang="en-GB" dirty="0"/>
-              <a:t>Try to use the principle of least privilege.</a:t>
-            </a:r>
-          </a:p>
-          <a:p>
-            <a:endParaRPr lang="en-GB" dirty="0"/>
+              <a:rPr lang="en-GB" b="1" dirty="0">
+                <a:solidFill>
+                  <a:srgbClr val="002060"/>
+                </a:solidFill>
+              </a:rPr>
+              <a:t>PowerBI-</a:t>
+            </a:r>
+            <a:r>
+              <a:rPr lang="en-GB" b="1" dirty="0" err="1">
+                <a:solidFill>
+                  <a:srgbClr val="002060"/>
+                </a:solidFill>
+              </a:rPr>
+              <a:t>GatewayAdmin</a:t>
+            </a:r>
+            <a:endParaRPr lang="en-GB" sz="1400" b="1" dirty="0">
+              <a:solidFill>
+                <a:srgbClr val="002060"/>
+              </a:solidFill>
+            </a:endParaRPr>
+          </a:p>
+          <a:p>
+            <a:r>
+              <a:rPr lang="en-GB" sz="1400" dirty="0"/>
+              <a:t>Install and configure on-premises data gateways to enable access to </a:t>
+            </a:r>
+          </a:p>
+          <a:p>
+            <a:r>
+              <a:rPr lang="en-GB" sz="1400" dirty="0"/>
+              <a:t>on-prem data sources.</a:t>
+            </a:r>
+          </a:p>
+          <a:p>
+            <a:endParaRPr lang="en-GB" b="1" dirty="0">
+              <a:solidFill>
+                <a:srgbClr val="002060"/>
+              </a:solidFill>
+            </a:endParaRPr>
+          </a:p>
+          <a:p>
+            <a:r>
+              <a:rPr lang="en-GB" b="1" dirty="0">
+                <a:solidFill>
+                  <a:srgbClr val="002060"/>
+                </a:solidFill>
+              </a:rPr>
+              <a:t>PowerBI-</a:t>
+            </a:r>
+            <a:r>
+              <a:rPr lang="en-GB" b="1" dirty="0" err="1">
+                <a:solidFill>
+                  <a:srgbClr val="002060"/>
+                </a:solidFill>
+              </a:rPr>
+              <a:t>WorkspaceCreator</a:t>
+            </a:r>
+            <a:endParaRPr lang="en-GB" sz="1400" b="1" dirty="0">
+              <a:solidFill>
+                <a:srgbClr val="002060"/>
+              </a:solidFill>
+            </a:endParaRPr>
+          </a:p>
+          <a:p>
+            <a:r>
+              <a:rPr lang="en-GB" sz="1400" dirty="0"/>
+              <a:t>Allowing any user to create workspaces can lead to proliferation </a:t>
+            </a:r>
+          </a:p>
+          <a:p>
+            <a:r>
+              <a:rPr lang="en-GB" sz="1400" dirty="0"/>
+              <a:t>of uncontrolled workspaces.</a:t>
+            </a:r>
+          </a:p>
+          <a:p>
+            <a:endParaRPr lang="en-GB" b="1" dirty="0">
+              <a:solidFill>
+                <a:srgbClr val="002060"/>
+              </a:solidFill>
+            </a:endParaRPr>
+          </a:p>
+          <a:p>
+            <a:r>
+              <a:rPr lang="en-GB" b="1" dirty="0">
+                <a:solidFill>
+                  <a:srgbClr val="002060"/>
+                </a:solidFill>
+              </a:rPr>
+              <a:t>PowerBI-</a:t>
+            </a:r>
+            <a:r>
+              <a:rPr lang="en-GB" b="1" dirty="0" err="1">
+                <a:solidFill>
+                  <a:srgbClr val="002060"/>
+                </a:solidFill>
+              </a:rPr>
+              <a:t>DemoViewer</a:t>
+            </a:r>
+            <a:r>
+              <a:rPr lang="en-GB" sz="1400" b="1" dirty="0">
+                <a:solidFill>
+                  <a:srgbClr val="002060"/>
+                </a:solidFill>
+              </a:rPr>
+              <a:t> </a:t>
+            </a:r>
+            <a:r>
+              <a:rPr lang="en-GB" sz="1400" dirty="0"/>
+              <a:t>	</a:t>
+            </a:r>
+          </a:p>
+          <a:p>
+            <a:r>
+              <a:rPr lang="en-GB" sz="1400" dirty="0"/>
+              <a:t>Dynamic membership (</a:t>
+            </a:r>
+            <a:r>
+              <a:rPr lang="en-GB" sz="1400" dirty="0" err="1"/>
+              <a:t>user.objectId</a:t>
+            </a:r>
+            <a:r>
+              <a:rPr lang="en-GB" sz="1400" dirty="0"/>
+              <a:t> -ne null) and (</a:t>
+            </a:r>
+            <a:r>
+              <a:rPr lang="en-GB" sz="1400" dirty="0" err="1"/>
+              <a:t>user.userType</a:t>
+            </a:r>
+            <a:r>
+              <a:rPr lang="en-GB" sz="1400" dirty="0"/>
+              <a:t> -</a:t>
+            </a:r>
+            <a:r>
+              <a:rPr lang="en-GB" sz="1400" dirty="0" err="1"/>
+              <a:t>eq</a:t>
+            </a:r>
+            <a:r>
+              <a:rPr lang="en-GB" sz="1400" dirty="0"/>
+              <a:t> "member")</a:t>
+            </a:r>
+            <a:endParaRPr lang="en-GB" sz="1800" dirty="0"/>
+          </a:p>
+          <a:p>
+            <a:endParaRPr lang="en-GB" sz="1800" dirty="0"/>
+          </a:p>
+          <a:p>
+            <a:r>
+              <a:rPr lang="en-GB" b="1" dirty="0">
+                <a:solidFill>
+                  <a:srgbClr val="002060"/>
+                </a:solidFill>
+              </a:rPr>
+              <a:t>PowerBI-API</a:t>
+            </a:r>
+          </a:p>
+          <a:p>
+            <a:r>
+              <a:rPr lang="en-GB" sz="1800" dirty="0"/>
+              <a:t>Used to add the managed identity of a data factory so that we can extract tenant metadata on an automated basis.</a:t>
+            </a:r>
           </a:p>
         </p:txBody>
       </p:sp>
@@ -20733,10 +18939,68 @@
           </a:fontRef>
         </p:style>
       </p:cxnSp>
+      <p:sp>
+        <p:nvSpPr>
+          <p:cNvPr id="3" name="Rectangle 2">
+            <a:extLst>
+              <a:ext uri="{FF2B5EF4-FFF2-40B4-BE49-F238E27FC236}">
+                <a16:creationId xmlns:a16="http://schemas.microsoft.com/office/drawing/2014/main" id="{29647FEA-5D45-A79B-51CD-703D1B091A12}"/>
+              </a:ext>
+            </a:extLst>
+          </p:cNvPr>
+          <p:cNvSpPr/>
+          <p:nvPr/>
+        </p:nvSpPr>
+        <p:spPr>
+          <a:xfrm>
+            <a:off x="4461388" y="3465869"/>
+            <a:ext cx="5095568" cy="899652"/>
+          </a:xfrm>
+          <a:prstGeom prst="rect">
+            <a:avLst/>
+          </a:prstGeom>
+          <a:solidFill>
+            <a:schemeClr val="accent1">
+              <a:alpha val="20000"/>
+            </a:schemeClr>
+          </a:solidFill>
+          <a:ln>
+            <a:noFill/>
+          </a:ln>
+        </p:spPr>
+        <p:style>
+          <a:lnRef idx="2">
+            <a:schemeClr val="accent1">
+              <a:shade val="50000"/>
+            </a:schemeClr>
+          </a:lnRef>
+          <a:fillRef idx="1">
+            <a:schemeClr val="accent1"/>
+          </a:fillRef>
+          <a:effectRef idx="0">
+            <a:schemeClr val="accent1"/>
+          </a:effectRef>
+          <a:fontRef idx="minor">
+            <a:schemeClr val="lt1"/>
+          </a:fontRef>
+        </p:style>
+        <p:txBody>
+          <a:bodyPr rtlCol="0" anchor="ctr"/>
+          <a:lstStyle/>
+          <a:p>
+            <a:pPr algn="ctr"/>
+            <a:endParaRPr lang="en-GB" sz="1400" dirty="0">
+              <a:solidFill>
+                <a:schemeClr val="bg1"/>
+              </a:solidFill>
+            </a:endParaRPr>
+          </a:p>
+        </p:txBody>
+      </p:sp>
     </p:spTree>
     <p:extLst>
       <p:ext uri="{BB962C8B-B14F-4D97-AF65-F5344CB8AC3E}">
-        <p14:creationId xmlns:p14="http://schemas.microsoft.com/office/powerpoint/2010/main" val="1115597227"/>
+        <p14:creationId xmlns:p14="http://schemas.microsoft.com/office/powerpoint/2010/main" val="4197152696"/>
       </p:ext>
     </p:extLst>
   </p:cSld>
